--- a/Assignments.pptx
+++ b/Assignments.pptx
@@ -12,7 +12,8 @@
     <p:sldId id="261" r:id="rId6"/>
     <p:sldId id="260" r:id="rId7"/>
     <p:sldId id="263" r:id="rId8"/>
-    <p:sldId id="262" r:id="rId9"/>
+    <p:sldId id="264" r:id="rId9"/>
+    <p:sldId id="262" r:id="rId10"/>
   </p:sldIdLst>
   <p:sldSz cx="9144000" cy="6858000" type="screen4x3"/>
   <p:notesSz cx="6858000" cy="9144000"/>
@@ -295,7 +296,8 @@
           <a:p>
             <a:fld id="{5D68488B-ADD2-4293-9619-2D235B81F181}" type="datetimeFigureOut">
               <a:rPr lang="en-US" smtClean="0"/>
-              <a:t>9/24/2022</a:t>
+              <a:pPr/>
+              <a:t>9/27/2022</a:t>
             </a:fld>
             <a:endParaRPr lang="en-US"/>
           </a:p>
@@ -337,6 +339,7 @@
           <a:p>
             <a:fld id="{B52A007F-8C2A-4884-A097-27467FF17DD3}" type="slidenum">
               <a:rPr lang="en-US" smtClean="0"/>
+              <a:pPr/>
               <a:t>‹#›</a:t>
             </a:fld>
             <a:endParaRPr lang="en-US"/>
@@ -460,7 +463,8 @@
           <a:p>
             <a:fld id="{5D68488B-ADD2-4293-9619-2D235B81F181}" type="datetimeFigureOut">
               <a:rPr lang="en-US" smtClean="0"/>
-              <a:t>9/24/2022</a:t>
+              <a:pPr/>
+              <a:t>9/27/2022</a:t>
             </a:fld>
             <a:endParaRPr lang="en-US"/>
           </a:p>
@@ -502,6 +506,7 @@
           <a:p>
             <a:fld id="{B52A007F-8C2A-4884-A097-27467FF17DD3}" type="slidenum">
               <a:rPr lang="en-US" smtClean="0"/>
+              <a:pPr/>
               <a:t>‹#›</a:t>
             </a:fld>
             <a:endParaRPr lang="en-US"/>
@@ -635,7 +640,8 @@
           <a:p>
             <a:fld id="{5D68488B-ADD2-4293-9619-2D235B81F181}" type="datetimeFigureOut">
               <a:rPr lang="en-US" smtClean="0"/>
-              <a:t>9/24/2022</a:t>
+              <a:pPr/>
+              <a:t>9/27/2022</a:t>
             </a:fld>
             <a:endParaRPr lang="en-US"/>
           </a:p>
@@ -677,6 +683,7 @@
           <a:p>
             <a:fld id="{B52A007F-8C2A-4884-A097-27467FF17DD3}" type="slidenum">
               <a:rPr lang="en-US" smtClean="0"/>
+              <a:pPr/>
               <a:t>‹#›</a:t>
             </a:fld>
             <a:endParaRPr lang="en-US"/>
@@ -800,7 +807,8 @@
           <a:p>
             <a:fld id="{5D68488B-ADD2-4293-9619-2D235B81F181}" type="datetimeFigureOut">
               <a:rPr lang="en-US" smtClean="0"/>
-              <a:t>9/24/2022</a:t>
+              <a:pPr/>
+              <a:t>9/27/2022</a:t>
             </a:fld>
             <a:endParaRPr lang="en-US"/>
           </a:p>
@@ -842,6 +850,7 @@
           <a:p>
             <a:fld id="{B52A007F-8C2A-4884-A097-27467FF17DD3}" type="slidenum">
               <a:rPr lang="en-US" smtClean="0"/>
+              <a:pPr/>
               <a:t>‹#›</a:t>
             </a:fld>
             <a:endParaRPr lang="en-US"/>
@@ -1041,7 +1050,8 @@
           <a:p>
             <a:fld id="{5D68488B-ADD2-4293-9619-2D235B81F181}" type="datetimeFigureOut">
               <a:rPr lang="en-US" smtClean="0"/>
-              <a:t>9/24/2022</a:t>
+              <a:pPr/>
+              <a:t>9/27/2022</a:t>
             </a:fld>
             <a:endParaRPr lang="en-US"/>
           </a:p>
@@ -1083,6 +1093,7 @@
           <a:p>
             <a:fld id="{B52A007F-8C2A-4884-A097-27467FF17DD3}" type="slidenum">
               <a:rPr lang="en-US" smtClean="0"/>
+              <a:pPr/>
               <a:t>‹#›</a:t>
             </a:fld>
             <a:endParaRPr lang="en-US"/>
@@ -1324,7 +1335,8 @@
           <a:p>
             <a:fld id="{5D68488B-ADD2-4293-9619-2D235B81F181}" type="datetimeFigureOut">
               <a:rPr lang="en-US" smtClean="0"/>
-              <a:t>9/24/2022</a:t>
+              <a:pPr/>
+              <a:t>9/27/2022</a:t>
             </a:fld>
             <a:endParaRPr lang="en-US"/>
           </a:p>
@@ -1366,6 +1378,7 @@
           <a:p>
             <a:fld id="{B52A007F-8C2A-4884-A097-27467FF17DD3}" type="slidenum">
               <a:rPr lang="en-US" smtClean="0"/>
+              <a:pPr/>
               <a:t>‹#›</a:t>
             </a:fld>
             <a:endParaRPr lang="en-US"/>
@@ -1741,7 +1754,8 @@
           <a:p>
             <a:fld id="{5D68488B-ADD2-4293-9619-2D235B81F181}" type="datetimeFigureOut">
               <a:rPr lang="en-US" smtClean="0"/>
-              <a:t>9/24/2022</a:t>
+              <a:pPr/>
+              <a:t>9/27/2022</a:t>
             </a:fld>
             <a:endParaRPr lang="en-US"/>
           </a:p>
@@ -1783,6 +1797,7 @@
           <a:p>
             <a:fld id="{B52A007F-8C2A-4884-A097-27467FF17DD3}" type="slidenum">
               <a:rPr lang="en-US" smtClean="0"/>
+              <a:pPr/>
               <a:t>‹#›</a:t>
             </a:fld>
             <a:endParaRPr lang="en-US"/>
@@ -1854,7 +1869,8 @@
           <a:p>
             <a:fld id="{5D68488B-ADD2-4293-9619-2D235B81F181}" type="datetimeFigureOut">
               <a:rPr lang="en-US" smtClean="0"/>
-              <a:t>9/24/2022</a:t>
+              <a:pPr/>
+              <a:t>9/27/2022</a:t>
             </a:fld>
             <a:endParaRPr lang="en-US"/>
           </a:p>
@@ -1896,6 +1912,7 @@
           <a:p>
             <a:fld id="{B52A007F-8C2A-4884-A097-27467FF17DD3}" type="slidenum">
               <a:rPr lang="en-US" smtClean="0"/>
+              <a:pPr/>
               <a:t>‹#›</a:t>
             </a:fld>
             <a:endParaRPr lang="en-US"/>
@@ -1944,7 +1961,8 @@
           <a:p>
             <a:fld id="{5D68488B-ADD2-4293-9619-2D235B81F181}" type="datetimeFigureOut">
               <a:rPr lang="en-US" smtClean="0"/>
-              <a:t>9/24/2022</a:t>
+              <a:pPr/>
+              <a:t>9/27/2022</a:t>
             </a:fld>
             <a:endParaRPr lang="en-US"/>
           </a:p>
@@ -1986,6 +2004,7 @@
           <a:p>
             <a:fld id="{B52A007F-8C2A-4884-A097-27467FF17DD3}" type="slidenum">
               <a:rPr lang="en-US" smtClean="0"/>
+              <a:pPr/>
               <a:t>‹#›</a:t>
             </a:fld>
             <a:endParaRPr lang="en-US"/>
@@ -2216,7 +2235,8 @@
           <a:p>
             <a:fld id="{5D68488B-ADD2-4293-9619-2D235B81F181}" type="datetimeFigureOut">
               <a:rPr lang="en-US" smtClean="0"/>
-              <a:t>9/24/2022</a:t>
+              <a:pPr/>
+              <a:t>9/27/2022</a:t>
             </a:fld>
             <a:endParaRPr lang="en-US"/>
           </a:p>
@@ -2258,6 +2278,7 @@
           <a:p>
             <a:fld id="{B52A007F-8C2A-4884-A097-27467FF17DD3}" type="slidenum">
               <a:rPr lang="en-US" smtClean="0"/>
+              <a:pPr/>
               <a:t>‹#›</a:t>
             </a:fld>
             <a:endParaRPr lang="en-US"/>
@@ -2464,7 +2485,8 @@
           <a:p>
             <a:fld id="{5D68488B-ADD2-4293-9619-2D235B81F181}" type="datetimeFigureOut">
               <a:rPr lang="en-US" smtClean="0"/>
-              <a:t>9/24/2022</a:t>
+              <a:pPr/>
+              <a:t>9/27/2022</a:t>
             </a:fld>
             <a:endParaRPr lang="en-US"/>
           </a:p>
@@ -2506,6 +2528,7 @@
           <a:p>
             <a:fld id="{B52A007F-8C2A-4884-A097-27467FF17DD3}" type="slidenum">
               <a:rPr lang="en-US" smtClean="0"/>
+              <a:pPr/>
               <a:t>‹#›</a:t>
             </a:fld>
             <a:endParaRPr lang="en-US"/>
@@ -2672,7 +2695,8 @@
           <a:p>
             <a:fld id="{5D68488B-ADD2-4293-9619-2D235B81F181}" type="datetimeFigureOut">
               <a:rPr lang="en-US" smtClean="0"/>
-              <a:t>9/24/2022</a:t>
+              <a:pPr/>
+              <a:t>9/27/2022</a:t>
             </a:fld>
             <a:endParaRPr lang="en-US"/>
           </a:p>
@@ -2750,6 +2774,7 @@
           <a:p>
             <a:fld id="{B52A007F-8C2A-4884-A097-27467FF17DD3}" type="slidenum">
               <a:rPr lang="en-US" smtClean="0"/>
+              <a:pPr/>
               <a:t>‹#›</a:t>
             </a:fld>
             <a:endParaRPr lang="en-US"/>
@@ -3168,29 +3193,16 @@
               </a:rPr>
               <a:t>List following. FYI : </a:t>
             </a:r>
-            <a:endParaRPr lang="en-US" sz="1500" dirty="0" smtClean="0">
-              <a:latin typeface="Verdana" pitchFamily="34" charset="0"/>
-              <a:ea typeface="Verdana" pitchFamily="34" charset="0"/>
-              <a:cs typeface="Verdana" pitchFamily="34" charset="0"/>
-            </a:endParaRPr>
-          </a:p>
-          <a:p>
-            <a:pPr lvl="1"/>
-            <a:r>
-              <a:rPr lang="en-US" sz="1500" dirty="0" smtClean="0">
-                <a:latin typeface="Verdana" pitchFamily="34" charset="0"/>
-                <a:ea typeface="Verdana" pitchFamily="34" charset="0"/>
-                <a:cs typeface="Verdana" pitchFamily="34" charset="0"/>
-              </a:rPr>
-              <a:t>Has </a:t>
-            </a:r>
-            <a:r>
-              <a:rPr lang="en-US" sz="1500" dirty="0" smtClean="0">
-                <a:latin typeface="Verdana" pitchFamily="34" charset="0"/>
-                <a:ea typeface="Verdana" pitchFamily="34" charset="0"/>
-                <a:cs typeface="Verdana" pitchFamily="34" charset="0"/>
-              </a:rPr>
-              <a:t>refers to variable/fields/</a:t>
+          </a:p>
+          <a:p>
+            <a:pPr lvl="1"/>
+            <a:r>
+              <a:rPr lang="en-US" sz="1500" dirty="0" smtClean="0">
+                <a:latin typeface="Verdana" pitchFamily="34" charset="0"/>
+                <a:ea typeface="Verdana" pitchFamily="34" charset="0"/>
+                <a:cs typeface="Verdana" pitchFamily="34" charset="0"/>
+              </a:rPr>
+              <a:t>Has refers to variable/fields/</a:t>
             </a:r>
             <a:r>
               <a:rPr lang="en-US" sz="1500" b="1" dirty="0" smtClean="0">
@@ -3208,29 +3220,16 @@
               </a:rPr>
               <a:t> of a class, </a:t>
             </a:r>
-            <a:endParaRPr lang="en-US" sz="1500" dirty="0" smtClean="0">
-              <a:latin typeface="Verdana" pitchFamily="34" charset="0"/>
-              <a:ea typeface="Verdana" pitchFamily="34" charset="0"/>
-              <a:cs typeface="Verdana" pitchFamily="34" charset="0"/>
-            </a:endParaRPr>
-          </a:p>
-          <a:p>
-            <a:pPr lvl="1"/>
-            <a:r>
-              <a:rPr lang="en-US" sz="1500" dirty="0" smtClean="0">
-                <a:latin typeface="Verdana" pitchFamily="34" charset="0"/>
-                <a:ea typeface="Verdana" pitchFamily="34" charset="0"/>
-                <a:cs typeface="Verdana" pitchFamily="34" charset="0"/>
-              </a:rPr>
-              <a:t>Does </a:t>
-            </a:r>
-            <a:r>
-              <a:rPr lang="en-US" sz="1500" dirty="0" smtClean="0">
-                <a:latin typeface="Verdana" pitchFamily="34" charset="0"/>
-                <a:ea typeface="Verdana" pitchFamily="34" charset="0"/>
-                <a:cs typeface="Verdana" pitchFamily="34" charset="0"/>
-              </a:rPr>
-              <a:t>refers to </a:t>
+          </a:p>
+          <a:p>
+            <a:pPr lvl="1"/>
+            <a:r>
+              <a:rPr lang="en-US" sz="1500" dirty="0" smtClean="0">
+                <a:latin typeface="Verdana" pitchFamily="34" charset="0"/>
+                <a:ea typeface="Verdana" pitchFamily="34" charset="0"/>
+                <a:cs typeface="Verdana" pitchFamily="34" charset="0"/>
+              </a:rPr>
+              <a:t>Does refers to </a:t>
             </a:r>
             <a:r>
               <a:rPr lang="en-US" sz="1500" b="1" dirty="0" smtClean="0">
@@ -3629,21 +3628,8 @@
                 <a:ea typeface="Verdana" pitchFamily="34" charset="0"/>
                 <a:cs typeface="Verdana" pitchFamily="34" charset="0"/>
               </a:rPr>
-              <a:t>All variables should have proper naming convention, java vali</a:t>
-            </a:r>
-            <a:r>
-              <a:rPr lang="en-US" sz="1500" dirty="0" smtClean="0">
-                <a:latin typeface="Verdana" pitchFamily="34" charset="0"/>
-                <a:ea typeface="Verdana" pitchFamily="34" charset="0"/>
-                <a:cs typeface="Verdana" pitchFamily="34" charset="0"/>
-              </a:rPr>
-              <a:t>d name , choose appropriate data types.</a:t>
-            </a:r>
-            <a:endParaRPr lang="en-US" sz="1500" dirty="0" smtClean="0">
-              <a:latin typeface="Verdana" pitchFamily="34" charset="0"/>
-              <a:ea typeface="Verdana" pitchFamily="34" charset="0"/>
-              <a:cs typeface="Verdana" pitchFamily="34" charset="0"/>
-            </a:endParaRPr>
+              <a:t>All variables should have proper naming convention, java valid name , choose appropriate data types.</a:t>
+            </a:r>
           </a:p>
           <a:p>
             <a:r>
@@ -3674,21 +3660,8 @@
                 <a:ea typeface="Verdana" pitchFamily="34" charset="0"/>
                 <a:cs typeface="Verdana" pitchFamily="34" charset="0"/>
               </a:rPr>
-              <a:t>To store Product Details. </a:t>
-            </a:r>
-            <a:r>
-              <a:rPr lang="en-US" sz="1500" dirty="0" smtClean="0">
-                <a:latin typeface="Verdana" pitchFamily="34" charset="0"/>
-                <a:ea typeface="Verdana" pitchFamily="34" charset="0"/>
-                <a:cs typeface="Verdana" pitchFamily="34" charset="0"/>
-              </a:rPr>
-              <a:t>Declare and initialize on same line</a:t>
-            </a:r>
-            <a:endParaRPr lang="en-US" sz="1500" dirty="0" smtClean="0">
-              <a:latin typeface="Verdana" pitchFamily="34" charset="0"/>
-              <a:ea typeface="Verdana" pitchFamily="34" charset="0"/>
-              <a:cs typeface="Verdana" pitchFamily="34" charset="0"/>
-            </a:endParaRPr>
+              <a:t>To store Product Details. Declare and initialize on same line</a:t>
+            </a:r>
           </a:p>
           <a:p>
             <a:pPr lvl="1"/>
@@ -3731,21 +3704,8 @@
                 <a:ea typeface="Verdana" pitchFamily="34" charset="0"/>
                 <a:cs typeface="Verdana" pitchFamily="34" charset="0"/>
               </a:rPr>
-              <a:t>To store customer phone number. </a:t>
-            </a:r>
-            <a:r>
-              <a:rPr lang="en-US" sz="1500" dirty="0" smtClean="0">
-                <a:latin typeface="Verdana" pitchFamily="34" charset="0"/>
-                <a:ea typeface="Verdana" pitchFamily="34" charset="0"/>
-                <a:cs typeface="Verdana" pitchFamily="34" charset="0"/>
-              </a:rPr>
-              <a:t>Declare and initialize on same line</a:t>
-            </a:r>
-            <a:endParaRPr lang="en-US" sz="1500" dirty="0" smtClean="0">
-              <a:latin typeface="Verdana" pitchFamily="34" charset="0"/>
-              <a:ea typeface="Verdana" pitchFamily="34" charset="0"/>
-              <a:cs typeface="Verdana" pitchFamily="34" charset="0"/>
-            </a:endParaRPr>
+              <a:t>To store customer phone number. Declare and initialize on same line</a:t>
+            </a:r>
           </a:p>
           <a:p>
             <a:pPr lvl="1"/>
@@ -3766,21 +3726,8 @@
                 <a:ea typeface="Verdana" pitchFamily="34" charset="0"/>
                 <a:cs typeface="Verdana" pitchFamily="34" charset="0"/>
               </a:rPr>
-              <a:t>To store company contact info.</a:t>
-            </a:r>
-            <a:r>
-              <a:rPr lang="en-US" sz="1500" dirty="0" smtClean="0">
-                <a:latin typeface="Verdana" pitchFamily="34" charset="0"/>
-                <a:ea typeface="Verdana" pitchFamily="34" charset="0"/>
-                <a:cs typeface="Verdana" pitchFamily="34" charset="0"/>
-              </a:rPr>
-              <a:t> Just Declare</a:t>
-            </a:r>
-            <a:endParaRPr lang="en-US" sz="1500" dirty="0" smtClean="0">
-              <a:latin typeface="Verdana" pitchFamily="34" charset="0"/>
-              <a:ea typeface="Verdana" pitchFamily="34" charset="0"/>
-              <a:cs typeface="Verdana" pitchFamily="34" charset="0"/>
-            </a:endParaRPr>
+              <a:t>To store company contact info. Just Declare</a:t>
+            </a:r>
           </a:p>
           <a:p>
             <a:pPr lvl="1"/>
@@ -3801,21 +3748,8 @@
                 <a:ea typeface="Verdana" pitchFamily="34" charset="0"/>
                 <a:cs typeface="Verdana" pitchFamily="34" charset="0"/>
               </a:rPr>
-              <a:t>To store employee salary.</a:t>
-            </a:r>
-            <a:r>
-              <a:rPr lang="en-US" sz="1500" dirty="0" smtClean="0">
-                <a:latin typeface="Verdana" pitchFamily="34" charset="0"/>
-                <a:ea typeface="Verdana" pitchFamily="34" charset="0"/>
-                <a:cs typeface="Verdana" pitchFamily="34" charset="0"/>
-              </a:rPr>
-              <a:t> Declare and next line initialize.</a:t>
-            </a:r>
-            <a:endParaRPr lang="en-US" sz="1500" dirty="0" smtClean="0">
-              <a:latin typeface="Verdana" pitchFamily="34" charset="0"/>
-              <a:ea typeface="Verdana" pitchFamily="34" charset="0"/>
-              <a:cs typeface="Verdana" pitchFamily="34" charset="0"/>
-            </a:endParaRPr>
+              <a:t>To store employee salary. Declare and next line initialize.</a:t>
+            </a:r>
           </a:p>
           <a:p>
             <a:pPr lvl="1"/>
@@ -3836,21 +3770,8 @@
                 <a:ea typeface="Verdana" pitchFamily="34" charset="0"/>
                 <a:cs typeface="Verdana" pitchFamily="34" charset="0"/>
               </a:rPr>
-              <a:t>To store payment details.</a:t>
-            </a:r>
-            <a:r>
-              <a:rPr lang="en-US" sz="1500" dirty="0" smtClean="0">
-                <a:latin typeface="Verdana" pitchFamily="34" charset="0"/>
-                <a:ea typeface="Verdana" pitchFamily="34" charset="0"/>
-                <a:cs typeface="Verdana" pitchFamily="34" charset="0"/>
-              </a:rPr>
-              <a:t> Declare and next line initialize.</a:t>
-            </a:r>
-            <a:endParaRPr lang="en-US" sz="1500" dirty="0" smtClean="0">
-              <a:latin typeface="Verdana" pitchFamily="34" charset="0"/>
-              <a:ea typeface="Verdana" pitchFamily="34" charset="0"/>
-              <a:cs typeface="Verdana" pitchFamily="34" charset="0"/>
-            </a:endParaRPr>
+              <a:t>To store payment details. Declare and next line initialize.</a:t>
+            </a:r>
           </a:p>
           <a:p>
             <a:pPr lvl="1"/>
@@ -3871,21 +3792,8 @@
                 <a:ea typeface="Verdana" pitchFamily="34" charset="0"/>
                 <a:cs typeface="Verdana" pitchFamily="34" charset="0"/>
               </a:rPr>
-              <a:t>To store company name</a:t>
-            </a:r>
-            <a:r>
-              <a:rPr lang="en-US" sz="1500" dirty="0" smtClean="0">
-                <a:latin typeface="Verdana" pitchFamily="34" charset="0"/>
-                <a:ea typeface="Verdana" pitchFamily="34" charset="0"/>
-                <a:cs typeface="Verdana" pitchFamily="34" charset="0"/>
-              </a:rPr>
-              <a:t> Declare and initialize on same line</a:t>
-            </a:r>
-            <a:endParaRPr lang="en-US" sz="1500" dirty="0" smtClean="0">
-              <a:latin typeface="Verdana" pitchFamily="34" charset="0"/>
-              <a:ea typeface="Verdana" pitchFamily="34" charset="0"/>
-              <a:cs typeface="Verdana" pitchFamily="34" charset="0"/>
-            </a:endParaRPr>
+              <a:t>To store company name Declare and initialize on same line</a:t>
+            </a:r>
           </a:p>
           <a:p>
             <a:pPr lvl="1"/>
@@ -3906,15 +3814,7 @@
                 <a:ea typeface="Verdana" pitchFamily="34" charset="0"/>
                 <a:cs typeface="Verdana" pitchFamily="34" charset="0"/>
               </a:rPr>
-              <a:t>To store shipping address</a:t>
-            </a:r>
-            <a:r>
-              <a:rPr lang="en-US" sz="1500" dirty="0" smtClean="0">
-                <a:latin typeface="Verdana" pitchFamily="34" charset="0"/>
-                <a:ea typeface="Verdana" pitchFamily="34" charset="0"/>
-                <a:cs typeface="Verdana" pitchFamily="34" charset="0"/>
-              </a:rPr>
-              <a:t> Declare and initialize on same line</a:t>
+              <a:t>To store shipping address Declare and initialize on same line</a:t>
             </a:r>
           </a:p>
           <a:p>
@@ -4930,15 +4830,7 @@
                 <a:ea typeface="Verdana" pitchFamily="34" charset="0"/>
                 <a:cs typeface="Verdana" pitchFamily="34" charset="0"/>
               </a:rPr>
-              <a:t>LOGIC REQUIRED for all below programs using operators</a:t>
-            </a:r>
-            <a:r>
-              <a:rPr lang="en-US" sz="1500" dirty="0" smtClean="0">
-                <a:latin typeface="Verdana" pitchFamily="34" charset="0"/>
-                <a:ea typeface="Verdana" pitchFamily="34" charset="0"/>
-                <a:cs typeface="Verdana" pitchFamily="34" charset="0"/>
-              </a:rPr>
-              <a:t>.</a:t>
+              <a:t>LOGIC REQUIRED for all below programs using operators.</a:t>
             </a:r>
           </a:p>
           <a:p>
@@ -5094,22 +4986,6 @@
               </a:rPr>
               <a:t>Create a method that can return total final amount , if input provided is product price and discount percentage.</a:t>
             </a:r>
-          </a:p>
-          <a:p>
-            <a:pPr lvl="1"/>
-            <a:r>
-              <a:rPr lang="en-US" sz="1500" dirty="0" smtClean="0">
-                <a:latin typeface="Verdana" pitchFamily="34" charset="0"/>
-                <a:ea typeface="Verdana" pitchFamily="34" charset="0"/>
-                <a:cs typeface="Verdana" pitchFamily="34" charset="0"/>
-              </a:rPr>
-              <a:t>Create a method that can calculate area of </a:t>
-            </a:r>
-            <a:endParaRPr lang="en-US" sz="1500" dirty="0" smtClean="0">
-              <a:latin typeface="Verdana" pitchFamily="34" charset="0"/>
-              <a:ea typeface="Verdana" pitchFamily="34" charset="0"/>
-              <a:cs typeface="Verdana" pitchFamily="34" charset="0"/>
-            </a:endParaRPr>
           </a:p>
           <a:p>
             <a:pPr lvl="1"/>
@@ -5203,6 +5079,606 @@
 </file>
 
 <file path=ppt/slides/slide8.xml><?xml version="1.0" encoding="utf-8"?>
+<p:sld xmlns:a="http://schemas.openxmlformats.org/drawingml/2006/main" xmlns:r="http://schemas.openxmlformats.org/officeDocument/2006/relationships" xmlns:p="http://schemas.openxmlformats.org/presentationml/2006/main">
+  <p:cSld>
+    <p:spTree>
+      <p:nvGrpSpPr>
+        <p:cNvPr id="1" name=""/>
+        <p:cNvGrpSpPr/>
+        <p:nvPr/>
+      </p:nvGrpSpPr>
+      <p:grpSpPr>
+        <a:xfrm>
+          <a:off x="0" y="0"/>
+          <a:ext cx="0" cy="0"/>
+          <a:chOff x="0" y="0"/>
+          <a:chExt cx="0" cy="0"/>
+        </a:xfrm>
+      </p:grpSpPr>
+      <p:sp>
+        <p:nvSpPr>
+          <p:cNvPr id="2" name="Title 1"/>
+          <p:cNvSpPr>
+            <a:spLocks noGrp="1"/>
+          </p:cNvSpPr>
+          <p:nvPr>
+            <p:ph type="title"/>
+          </p:nvPr>
+        </p:nvSpPr>
+        <p:spPr>
+          <a:xfrm>
+            <a:off x="304800" y="152400"/>
+            <a:ext cx="8229600" cy="715962"/>
+          </a:xfrm>
+        </p:spPr>
+        <p:txBody>
+          <a:bodyPr>
+            <a:normAutofit/>
+          </a:bodyPr>
+          <a:lstStyle/>
+          <a:p>
+            <a:r>
+              <a:rPr lang="en-US" sz="2800" dirty="0" smtClean="0">
+                <a:latin typeface="Verdana" pitchFamily="34" charset="0"/>
+                <a:ea typeface="Verdana" pitchFamily="34" charset="0"/>
+                <a:cs typeface="Verdana" pitchFamily="34" charset="0"/>
+              </a:rPr>
+              <a:t>Operators</a:t>
+            </a:r>
+            <a:endParaRPr lang="en-US" sz="2800" dirty="0">
+              <a:latin typeface="Verdana" pitchFamily="34" charset="0"/>
+              <a:ea typeface="Verdana" pitchFamily="34" charset="0"/>
+              <a:cs typeface="Verdana" pitchFamily="34" charset="0"/>
+            </a:endParaRPr>
+          </a:p>
+        </p:txBody>
+      </p:sp>
+      <p:sp>
+        <p:nvSpPr>
+          <p:cNvPr id="3" name="Content Placeholder 2"/>
+          <p:cNvSpPr>
+            <a:spLocks noGrp="1"/>
+          </p:cNvSpPr>
+          <p:nvPr>
+            <p:ph idx="1"/>
+          </p:nvPr>
+        </p:nvSpPr>
+        <p:spPr>
+          <a:xfrm>
+            <a:off x="304800" y="685800"/>
+            <a:ext cx="8229600" cy="4419600"/>
+          </a:xfrm>
+        </p:spPr>
+        <p:txBody>
+          <a:bodyPr>
+            <a:noAutofit/>
+          </a:bodyPr>
+          <a:lstStyle/>
+          <a:p>
+            <a:pPr lvl="1">
+              <a:buNone/>
+            </a:pPr>
+            <a:r>
+              <a:rPr lang="en-US" sz="1500" dirty="0" smtClean="0">
+                <a:latin typeface="Verdana" pitchFamily="34" charset="0"/>
+                <a:ea typeface="Verdana" pitchFamily="34" charset="0"/>
+                <a:cs typeface="Verdana" pitchFamily="34" charset="0"/>
+              </a:rPr>
+              <a:t>LOGIC REQUIRED for all below programs using operators.</a:t>
+            </a:r>
+          </a:p>
+          <a:p>
+            <a:pPr lvl="1"/>
+            <a:r>
+              <a:rPr lang="en-US" sz="1500" dirty="0" smtClean="0">
+                <a:latin typeface="Verdana" pitchFamily="34" charset="0"/>
+                <a:ea typeface="Verdana" pitchFamily="34" charset="0"/>
+                <a:cs typeface="Verdana" pitchFamily="34" charset="0"/>
+              </a:rPr>
+              <a:t>Create login program</a:t>
+            </a:r>
+          </a:p>
+          <a:p>
+            <a:pPr lvl="2"/>
+            <a:r>
+              <a:rPr lang="en-US" sz="1500" dirty="0" smtClean="0">
+                <a:latin typeface="Verdana" pitchFamily="34" charset="0"/>
+                <a:ea typeface="Verdana" pitchFamily="34" charset="0"/>
+                <a:cs typeface="Verdana" pitchFamily="34" charset="0"/>
+              </a:rPr>
+              <a:t>(has-a)Declare global variable </a:t>
+            </a:r>
+            <a:r>
+              <a:rPr lang="en-US" sz="1500" dirty="0" err="1" smtClean="0">
+                <a:latin typeface="Verdana" pitchFamily="34" charset="0"/>
+                <a:ea typeface="Verdana" pitchFamily="34" charset="0"/>
+                <a:cs typeface="Verdana" pitchFamily="34" charset="0"/>
+              </a:rPr>
+              <a:t>registerUserid</a:t>
+            </a:r>
+            <a:r>
+              <a:rPr lang="en-US" sz="1500" dirty="0" smtClean="0">
+                <a:latin typeface="Verdana" pitchFamily="34" charset="0"/>
+                <a:ea typeface="Verdana" pitchFamily="34" charset="0"/>
+                <a:cs typeface="Verdana" pitchFamily="34" charset="0"/>
+              </a:rPr>
+              <a:t> and register password</a:t>
+            </a:r>
+          </a:p>
+          <a:p>
+            <a:pPr lvl="2"/>
+            <a:r>
+              <a:rPr lang="en-US" sz="1500" dirty="0" smtClean="0">
+                <a:latin typeface="Verdana" pitchFamily="34" charset="0"/>
+                <a:ea typeface="Verdana" pitchFamily="34" charset="0"/>
+                <a:cs typeface="Verdana" pitchFamily="34" charset="0"/>
+              </a:rPr>
+              <a:t>Create login method that takes </a:t>
+            </a:r>
+            <a:r>
+              <a:rPr lang="en-US" sz="1500" dirty="0" err="1" smtClean="0">
+                <a:latin typeface="Verdana" pitchFamily="34" charset="0"/>
+                <a:ea typeface="Verdana" pitchFamily="34" charset="0"/>
+                <a:cs typeface="Verdana" pitchFamily="34" charset="0"/>
+              </a:rPr>
+              <a:t>loginUserid</a:t>
+            </a:r>
+            <a:r>
+              <a:rPr lang="en-US" sz="1500" dirty="0" smtClean="0">
+                <a:latin typeface="Verdana" pitchFamily="34" charset="0"/>
+                <a:ea typeface="Verdana" pitchFamily="34" charset="0"/>
+                <a:cs typeface="Verdana" pitchFamily="34" charset="0"/>
+              </a:rPr>
+              <a:t> and login password</a:t>
+            </a:r>
+          </a:p>
+          <a:p>
+            <a:pPr lvl="2"/>
+            <a:r>
+              <a:rPr lang="en-US" sz="1500" dirty="0" smtClean="0">
+                <a:latin typeface="Verdana" pitchFamily="34" charset="0"/>
+                <a:ea typeface="Verdana" pitchFamily="34" charset="0"/>
+                <a:cs typeface="Verdana" pitchFamily="34" charset="0"/>
+              </a:rPr>
+              <a:t>Print if login is success or failed</a:t>
+            </a:r>
+          </a:p>
+          <a:p>
+            <a:pPr lvl="1"/>
+            <a:r>
+              <a:rPr lang="en-US" sz="1500" dirty="0" smtClean="0">
+                <a:latin typeface="Verdana" pitchFamily="34" charset="0"/>
+                <a:ea typeface="Verdana" pitchFamily="34" charset="0"/>
+                <a:cs typeface="Verdana" pitchFamily="34" charset="0"/>
+              </a:rPr>
+              <a:t>Create website program</a:t>
+            </a:r>
+          </a:p>
+          <a:p>
+            <a:pPr lvl="2"/>
+            <a:r>
+              <a:rPr lang="en-US" sz="1500" dirty="0" smtClean="0">
+                <a:latin typeface="Verdana" pitchFamily="34" charset="0"/>
+                <a:ea typeface="Verdana" pitchFamily="34" charset="0"/>
+                <a:cs typeface="Verdana" pitchFamily="34" charset="0"/>
+              </a:rPr>
+              <a:t>(has-a)</a:t>
+            </a:r>
+            <a:r>
+              <a:rPr lang="en-US" sz="1500" dirty="0" smtClean="0">
+                <a:latin typeface="Verdana" pitchFamily="34" charset="0"/>
+                <a:ea typeface="Verdana" pitchFamily="34" charset="0"/>
+                <a:cs typeface="Verdana" pitchFamily="34" charset="0"/>
+              </a:rPr>
+              <a:t>Declare </a:t>
+            </a:r>
+            <a:r>
+              <a:rPr lang="en-US" sz="1500" dirty="0" smtClean="0">
+                <a:latin typeface="Verdana" pitchFamily="34" charset="0"/>
+                <a:ea typeface="Verdana" pitchFamily="34" charset="0"/>
+                <a:cs typeface="Verdana" pitchFamily="34" charset="0"/>
+              </a:rPr>
+              <a:t>global variable </a:t>
+            </a:r>
+            <a:r>
+              <a:rPr lang="en-US" sz="1500" dirty="0" err="1" smtClean="0">
+                <a:latin typeface="Verdana" pitchFamily="34" charset="0"/>
+                <a:ea typeface="Verdana" pitchFamily="34" charset="0"/>
+                <a:cs typeface="Verdana" pitchFamily="34" charset="0"/>
+              </a:rPr>
+              <a:t>existingUserid</a:t>
+            </a:r>
+            <a:r>
+              <a:rPr lang="en-US" sz="1500" dirty="0" smtClean="0">
+                <a:latin typeface="Verdana" pitchFamily="34" charset="0"/>
+                <a:ea typeface="Verdana" pitchFamily="34" charset="0"/>
+                <a:cs typeface="Verdana" pitchFamily="34" charset="0"/>
+              </a:rPr>
+              <a:t> </a:t>
+            </a:r>
+            <a:endParaRPr lang="en-US" sz="1500" dirty="0" smtClean="0">
+              <a:latin typeface="Verdana" pitchFamily="34" charset="0"/>
+              <a:ea typeface="Verdana" pitchFamily="34" charset="0"/>
+              <a:cs typeface="Verdana" pitchFamily="34" charset="0"/>
+            </a:endParaRPr>
+          </a:p>
+          <a:p>
+            <a:pPr lvl="2"/>
+            <a:r>
+              <a:rPr lang="en-US" sz="1500" dirty="0" smtClean="0">
+                <a:latin typeface="Verdana" pitchFamily="34" charset="0"/>
+                <a:ea typeface="Verdana" pitchFamily="34" charset="0"/>
+                <a:cs typeface="Verdana" pitchFamily="34" charset="0"/>
+              </a:rPr>
+              <a:t>Create </a:t>
+            </a:r>
+            <a:r>
+              <a:rPr lang="en-US" sz="1500" dirty="0" smtClean="0">
+                <a:latin typeface="Verdana" pitchFamily="34" charset="0"/>
+                <a:ea typeface="Verdana" pitchFamily="34" charset="0"/>
+                <a:cs typeface="Verdana" pitchFamily="34" charset="0"/>
+              </a:rPr>
+              <a:t>register method </a:t>
+            </a:r>
+            <a:r>
+              <a:rPr lang="en-US" sz="1500" dirty="0" smtClean="0">
+                <a:latin typeface="Verdana" pitchFamily="34" charset="0"/>
+                <a:ea typeface="Verdana" pitchFamily="34" charset="0"/>
+                <a:cs typeface="Verdana" pitchFamily="34" charset="0"/>
+              </a:rPr>
+              <a:t>that takes </a:t>
+            </a:r>
+            <a:r>
+              <a:rPr lang="en-US" sz="1500" dirty="0" smtClean="0">
+                <a:latin typeface="Verdana" pitchFamily="34" charset="0"/>
+                <a:ea typeface="Verdana" pitchFamily="34" charset="0"/>
+                <a:cs typeface="Verdana" pitchFamily="34" charset="0"/>
+              </a:rPr>
+              <a:t>new </a:t>
+            </a:r>
+            <a:r>
+              <a:rPr lang="en-US" sz="1500" dirty="0" err="1" smtClean="0">
+                <a:latin typeface="Verdana" pitchFamily="34" charset="0"/>
+                <a:ea typeface="Verdana" pitchFamily="34" charset="0"/>
+                <a:cs typeface="Verdana" pitchFamily="34" charset="0"/>
+              </a:rPr>
+              <a:t>registeration</a:t>
+            </a:r>
+            <a:r>
+              <a:rPr lang="en-US" sz="1500" dirty="0" smtClean="0">
+                <a:latin typeface="Verdana" pitchFamily="34" charset="0"/>
+                <a:ea typeface="Verdana" pitchFamily="34" charset="0"/>
+                <a:cs typeface="Verdana" pitchFamily="34" charset="0"/>
+              </a:rPr>
+              <a:t> </a:t>
+            </a:r>
+            <a:r>
+              <a:rPr lang="en-US" sz="1500" dirty="0" err="1" smtClean="0">
+                <a:latin typeface="Verdana" pitchFamily="34" charset="0"/>
+                <a:ea typeface="Verdana" pitchFamily="34" charset="0"/>
+                <a:cs typeface="Verdana" pitchFamily="34" charset="0"/>
+              </a:rPr>
+              <a:t>userid</a:t>
+            </a:r>
+            <a:r>
+              <a:rPr lang="en-US" sz="1500" dirty="0" smtClean="0">
+                <a:latin typeface="Verdana" pitchFamily="34" charset="0"/>
+                <a:ea typeface="Verdana" pitchFamily="34" charset="0"/>
+                <a:cs typeface="Verdana" pitchFamily="34" charset="0"/>
+              </a:rPr>
+              <a:t> and password</a:t>
+            </a:r>
+          </a:p>
+          <a:p>
+            <a:pPr lvl="2"/>
+            <a:r>
+              <a:rPr lang="en-US" sz="1500" dirty="0" smtClean="0">
+                <a:latin typeface="Verdana" pitchFamily="34" charset="0"/>
+                <a:ea typeface="Verdana" pitchFamily="34" charset="0"/>
+                <a:cs typeface="Verdana" pitchFamily="34" charset="0"/>
+              </a:rPr>
+              <a:t>Based on If </a:t>
+            </a:r>
+            <a:r>
+              <a:rPr lang="en-US" sz="1500" dirty="0" err="1" smtClean="0">
+                <a:latin typeface="Verdana" pitchFamily="34" charset="0"/>
+                <a:ea typeface="Verdana" pitchFamily="34" charset="0"/>
+                <a:cs typeface="Verdana" pitchFamily="34" charset="0"/>
+              </a:rPr>
+              <a:t>exsting</a:t>
+            </a:r>
+            <a:r>
+              <a:rPr lang="en-US" sz="1500" dirty="0" smtClean="0">
+                <a:latin typeface="Verdana" pitchFamily="34" charset="0"/>
+                <a:ea typeface="Verdana" pitchFamily="34" charset="0"/>
+                <a:cs typeface="Verdana" pitchFamily="34" charset="0"/>
+              </a:rPr>
+              <a:t> </a:t>
+            </a:r>
+            <a:r>
+              <a:rPr lang="en-US" sz="1500" dirty="0" err="1" smtClean="0">
+                <a:latin typeface="Verdana" pitchFamily="34" charset="0"/>
+                <a:ea typeface="Verdana" pitchFamily="34" charset="0"/>
+                <a:cs typeface="Verdana" pitchFamily="34" charset="0"/>
+              </a:rPr>
+              <a:t>userid</a:t>
+            </a:r>
+            <a:r>
+              <a:rPr lang="en-US" sz="1500" dirty="0" smtClean="0">
+                <a:latin typeface="Verdana" pitchFamily="34" charset="0"/>
+                <a:ea typeface="Verdana" pitchFamily="34" charset="0"/>
+                <a:cs typeface="Verdana" pitchFamily="34" charset="0"/>
+              </a:rPr>
+              <a:t> matches new </a:t>
+            </a:r>
+            <a:r>
+              <a:rPr lang="en-US" sz="1500" dirty="0" err="1" smtClean="0">
+                <a:latin typeface="Verdana" pitchFamily="34" charset="0"/>
+                <a:ea typeface="Verdana" pitchFamily="34" charset="0"/>
+                <a:cs typeface="Verdana" pitchFamily="34" charset="0"/>
+              </a:rPr>
+              <a:t>registeration</a:t>
+            </a:r>
+            <a:r>
+              <a:rPr lang="en-US" sz="1500" dirty="0" smtClean="0">
+                <a:latin typeface="Verdana" pitchFamily="34" charset="0"/>
+                <a:ea typeface="Verdana" pitchFamily="34" charset="0"/>
+                <a:cs typeface="Verdana" pitchFamily="34" charset="0"/>
+              </a:rPr>
+              <a:t> id then registration fails else </a:t>
+            </a:r>
+            <a:r>
+              <a:rPr lang="en-US" sz="1500" dirty="0" err="1" smtClean="0">
+                <a:latin typeface="Verdana" pitchFamily="34" charset="0"/>
+                <a:ea typeface="Verdana" pitchFamily="34" charset="0"/>
+                <a:cs typeface="Verdana" pitchFamily="34" charset="0"/>
+              </a:rPr>
+              <a:t>registeration</a:t>
+            </a:r>
+            <a:r>
+              <a:rPr lang="en-US" sz="1500" dirty="0" smtClean="0">
+                <a:latin typeface="Verdana" pitchFamily="34" charset="0"/>
+                <a:ea typeface="Verdana" pitchFamily="34" charset="0"/>
+                <a:cs typeface="Verdana" pitchFamily="34" charset="0"/>
+              </a:rPr>
+              <a:t> method print success or failure.</a:t>
+            </a:r>
+          </a:p>
+          <a:p>
+            <a:pPr lvl="1"/>
+            <a:r>
+              <a:rPr lang="en-US" sz="1900" dirty="0" smtClean="0">
+                <a:latin typeface="Verdana" pitchFamily="34" charset="0"/>
+                <a:ea typeface="Verdana" pitchFamily="34" charset="0"/>
+                <a:cs typeface="Verdana" pitchFamily="34" charset="0"/>
+              </a:rPr>
+              <a:t>Create bank program</a:t>
+            </a:r>
+          </a:p>
+          <a:p>
+            <a:pPr lvl="2"/>
+            <a:r>
+              <a:rPr lang="en-US" sz="1500" dirty="0" smtClean="0">
+                <a:latin typeface="Verdana" pitchFamily="34" charset="0"/>
+                <a:ea typeface="Verdana" pitchFamily="34" charset="0"/>
+                <a:cs typeface="Verdana" pitchFamily="34" charset="0"/>
+              </a:rPr>
+              <a:t>(has-a)</a:t>
+            </a:r>
+            <a:r>
+              <a:rPr lang="en-US" sz="1500" dirty="0" smtClean="0">
+                <a:latin typeface="Verdana" pitchFamily="34" charset="0"/>
+                <a:ea typeface="Verdana" pitchFamily="34" charset="0"/>
+                <a:cs typeface="Verdana" pitchFamily="34" charset="0"/>
+              </a:rPr>
+              <a:t>Declare global variable bank money</a:t>
+            </a:r>
+          </a:p>
+          <a:p>
+            <a:pPr lvl="2"/>
+            <a:r>
+              <a:rPr lang="en-US" sz="1500" dirty="0" smtClean="0">
+                <a:latin typeface="Verdana" pitchFamily="34" charset="0"/>
+                <a:ea typeface="Verdana" pitchFamily="34" charset="0"/>
+                <a:cs typeface="Verdana" pitchFamily="34" charset="0"/>
+              </a:rPr>
+              <a:t>Create </a:t>
+            </a:r>
+            <a:r>
+              <a:rPr lang="en-US" sz="1500" dirty="0" err="1" smtClean="0">
+                <a:latin typeface="Verdana" pitchFamily="34" charset="0"/>
+                <a:ea typeface="Verdana" pitchFamily="34" charset="0"/>
+                <a:cs typeface="Verdana" pitchFamily="34" charset="0"/>
+              </a:rPr>
+              <a:t>applyLoan</a:t>
+            </a:r>
+            <a:r>
+              <a:rPr lang="en-US" sz="1500" dirty="0" smtClean="0">
+                <a:latin typeface="Verdana" pitchFamily="34" charset="0"/>
+                <a:ea typeface="Verdana" pitchFamily="34" charset="0"/>
+                <a:cs typeface="Verdana" pitchFamily="34" charset="0"/>
+              </a:rPr>
+              <a:t> method takes loan amount input. If customer </a:t>
+            </a:r>
+            <a:r>
+              <a:rPr lang="en-US" sz="1500" dirty="0" err="1" smtClean="0">
+                <a:latin typeface="Verdana" pitchFamily="34" charset="0"/>
+                <a:ea typeface="Verdana" pitchFamily="34" charset="0"/>
+                <a:cs typeface="Verdana" pitchFamily="34" charset="0"/>
+              </a:rPr>
+              <a:t>requestsing</a:t>
+            </a:r>
+            <a:r>
+              <a:rPr lang="en-US" sz="1500" dirty="0" smtClean="0">
+                <a:latin typeface="Verdana" pitchFamily="34" charset="0"/>
+                <a:ea typeface="Verdana" pitchFamily="34" charset="0"/>
+                <a:cs typeface="Verdana" pitchFamily="34" charset="0"/>
+              </a:rPr>
+              <a:t> loan amount is less than bank available money then print loan approved or denied.</a:t>
+            </a:r>
+          </a:p>
+          <a:p>
+            <a:pPr lvl="1"/>
+            <a:r>
+              <a:rPr lang="en-US" sz="1900" dirty="0" smtClean="0">
+                <a:latin typeface="Verdana" pitchFamily="34" charset="0"/>
+                <a:ea typeface="Verdana" pitchFamily="34" charset="0"/>
+                <a:cs typeface="Verdana" pitchFamily="34" charset="0"/>
+              </a:rPr>
+              <a:t>Create </a:t>
+            </a:r>
+            <a:r>
+              <a:rPr lang="en-US" sz="1900" dirty="0" err="1" smtClean="0">
+                <a:latin typeface="Verdana" pitchFamily="34" charset="0"/>
+                <a:ea typeface="Verdana" pitchFamily="34" charset="0"/>
+                <a:cs typeface="Verdana" pitchFamily="34" charset="0"/>
+              </a:rPr>
+              <a:t>amazon</a:t>
+            </a:r>
+            <a:r>
+              <a:rPr lang="en-US" sz="1900" dirty="0" smtClean="0">
+                <a:latin typeface="Verdana" pitchFamily="34" charset="0"/>
+                <a:ea typeface="Verdana" pitchFamily="34" charset="0"/>
+                <a:cs typeface="Verdana" pitchFamily="34" charset="0"/>
+              </a:rPr>
+              <a:t> program</a:t>
+            </a:r>
+          </a:p>
+          <a:p>
+            <a:pPr lvl="2"/>
+            <a:r>
+              <a:rPr lang="en-US" sz="1500" dirty="0" smtClean="0">
+                <a:latin typeface="Verdana" pitchFamily="34" charset="0"/>
+                <a:ea typeface="Verdana" pitchFamily="34" charset="0"/>
+                <a:cs typeface="Verdana" pitchFamily="34" charset="0"/>
+              </a:rPr>
+              <a:t>(has-a)</a:t>
+            </a:r>
+            <a:r>
+              <a:rPr lang="en-US" sz="1500" dirty="0" smtClean="0">
+                <a:latin typeface="Verdana" pitchFamily="34" charset="0"/>
+                <a:ea typeface="Verdana" pitchFamily="34" charset="0"/>
+                <a:cs typeface="Verdana" pitchFamily="34" charset="0"/>
+              </a:rPr>
+              <a:t>Declare global variable stock</a:t>
+            </a:r>
+          </a:p>
+          <a:p>
+            <a:pPr lvl="2"/>
+            <a:r>
+              <a:rPr lang="en-US" sz="1500" dirty="0" smtClean="0">
+                <a:latin typeface="Verdana" pitchFamily="34" charset="0"/>
+                <a:ea typeface="Verdana" pitchFamily="34" charset="0"/>
+                <a:cs typeface="Verdana" pitchFamily="34" charset="0"/>
+              </a:rPr>
+              <a:t>Create order method. Based on If order quantity is less than stock print order approved or cancelled.</a:t>
+            </a:r>
+            <a:endParaRPr lang="en-US" sz="1500" dirty="0" smtClean="0">
+              <a:latin typeface="Verdana" pitchFamily="34" charset="0"/>
+              <a:ea typeface="Verdana" pitchFamily="34" charset="0"/>
+              <a:cs typeface="Verdana" pitchFamily="34" charset="0"/>
+            </a:endParaRPr>
+          </a:p>
+          <a:p>
+            <a:pPr lvl="1"/>
+            <a:endParaRPr lang="en-US" sz="1500" dirty="0" smtClean="0">
+              <a:latin typeface="Verdana" pitchFamily="34" charset="0"/>
+              <a:ea typeface="Verdana" pitchFamily="34" charset="0"/>
+              <a:cs typeface="Verdana" pitchFamily="34" charset="0"/>
+            </a:endParaRPr>
+          </a:p>
+          <a:p>
+            <a:pPr lvl="1"/>
+            <a:endParaRPr lang="en-US" sz="1500" dirty="0" smtClean="0">
+              <a:latin typeface="Verdana" pitchFamily="34" charset="0"/>
+              <a:ea typeface="Verdana" pitchFamily="34" charset="0"/>
+              <a:cs typeface="Verdana" pitchFamily="34" charset="0"/>
+            </a:endParaRPr>
+          </a:p>
+          <a:p>
+            <a:pPr lvl="1"/>
+            <a:endParaRPr lang="en-US" sz="1500" dirty="0" smtClean="0">
+              <a:latin typeface="Verdana" pitchFamily="34" charset="0"/>
+              <a:ea typeface="Verdana" pitchFamily="34" charset="0"/>
+              <a:cs typeface="Verdana" pitchFamily="34" charset="0"/>
+            </a:endParaRPr>
+          </a:p>
+          <a:p>
+            <a:pPr lvl="2"/>
+            <a:endParaRPr lang="en-US" sz="1500" dirty="0" smtClean="0">
+              <a:latin typeface="Verdana" pitchFamily="34" charset="0"/>
+              <a:ea typeface="Verdana" pitchFamily="34" charset="0"/>
+              <a:cs typeface="Verdana" pitchFamily="34" charset="0"/>
+            </a:endParaRPr>
+          </a:p>
+          <a:p>
+            <a:endParaRPr lang="en-US" sz="1500" dirty="0" smtClean="0">
+              <a:latin typeface="Verdana" pitchFamily="34" charset="0"/>
+              <a:ea typeface="Verdana" pitchFamily="34" charset="0"/>
+              <a:cs typeface="Verdana" pitchFamily="34" charset="0"/>
+            </a:endParaRPr>
+          </a:p>
+        </p:txBody>
+      </p:sp>
+      <p:sp>
+        <p:nvSpPr>
+          <p:cNvPr id="7" name="Action Button: Home 6">
+            <a:hlinkClick r:id="rId2" action="ppaction://hlinksldjump" highlightClick="1"/>
+          </p:cNvPr>
+          <p:cNvSpPr/>
+          <p:nvPr/>
+        </p:nvSpPr>
+        <p:spPr>
+          <a:xfrm>
+            <a:off x="8763000" y="6553200"/>
+            <a:ext cx="381000" cy="304800"/>
+          </a:xfrm>
+          <a:prstGeom prst="actionButtonHome">
+            <a:avLst/>
+          </a:prstGeom>
+          <a:noFill/>
+        </p:spPr>
+        <p:style>
+          <a:lnRef idx="2">
+            <a:schemeClr val="accent1">
+              <a:shade val="50000"/>
+            </a:schemeClr>
+          </a:lnRef>
+          <a:fillRef idx="1">
+            <a:schemeClr val="accent1"/>
+          </a:fillRef>
+          <a:effectRef idx="0">
+            <a:schemeClr val="accent1"/>
+          </a:effectRef>
+          <a:fontRef idx="minor">
+            <a:schemeClr val="lt1"/>
+          </a:fontRef>
+        </p:style>
+        <p:txBody>
+          <a:bodyPr rtlCol="0" anchor="ctr"/>
+          <a:lstStyle/>
+          <a:p>
+            <a:pPr algn="ctr"/>
+            <a:endParaRPr lang="en-US"/>
+          </a:p>
+        </p:txBody>
+      </p:sp>
+    </p:spTree>
+  </p:cSld>
+  <p:clrMapOvr>
+    <a:masterClrMapping/>
+  </p:clrMapOvr>
+  <p:timing>
+    <p:tnLst>
+      <p:par>
+        <p:cTn id="1" dur="indefinite" restart="never" nodeType="tmRoot"/>
+      </p:par>
+    </p:tnLst>
+  </p:timing>
+</p:sld>
+</file>
+
+<file path=ppt/slides/slide9.xml><?xml version="1.0" encoding="utf-8"?>
 <p:sld xmlns:a="http://schemas.openxmlformats.org/drawingml/2006/main" xmlns:r="http://schemas.openxmlformats.org/officeDocument/2006/relationships" xmlns:p="http://schemas.openxmlformats.org/presentationml/2006/main">
   <p:cSld>
     <p:spTree>

--- a/Assignments.pptx
+++ b/Assignments.pptx
@@ -297,7 +297,7 @@
             <a:fld id="{5D68488B-ADD2-4293-9619-2D235B81F181}" type="datetimeFigureOut">
               <a:rPr lang="en-US" smtClean="0"/>
               <a:pPr/>
-              <a:t>9/27/2022</a:t>
+              <a:t>9/28/2022</a:t>
             </a:fld>
             <a:endParaRPr lang="en-US"/>
           </a:p>
@@ -464,7 +464,7 @@
             <a:fld id="{5D68488B-ADD2-4293-9619-2D235B81F181}" type="datetimeFigureOut">
               <a:rPr lang="en-US" smtClean="0"/>
               <a:pPr/>
-              <a:t>9/27/2022</a:t>
+              <a:t>9/28/2022</a:t>
             </a:fld>
             <a:endParaRPr lang="en-US"/>
           </a:p>
@@ -641,7 +641,7 @@
             <a:fld id="{5D68488B-ADD2-4293-9619-2D235B81F181}" type="datetimeFigureOut">
               <a:rPr lang="en-US" smtClean="0"/>
               <a:pPr/>
-              <a:t>9/27/2022</a:t>
+              <a:t>9/28/2022</a:t>
             </a:fld>
             <a:endParaRPr lang="en-US"/>
           </a:p>
@@ -808,7 +808,7 @@
             <a:fld id="{5D68488B-ADD2-4293-9619-2D235B81F181}" type="datetimeFigureOut">
               <a:rPr lang="en-US" smtClean="0"/>
               <a:pPr/>
-              <a:t>9/27/2022</a:t>
+              <a:t>9/28/2022</a:t>
             </a:fld>
             <a:endParaRPr lang="en-US"/>
           </a:p>
@@ -1051,7 +1051,7 @@
             <a:fld id="{5D68488B-ADD2-4293-9619-2D235B81F181}" type="datetimeFigureOut">
               <a:rPr lang="en-US" smtClean="0"/>
               <a:pPr/>
-              <a:t>9/27/2022</a:t>
+              <a:t>9/28/2022</a:t>
             </a:fld>
             <a:endParaRPr lang="en-US"/>
           </a:p>
@@ -1336,7 +1336,7 @@
             <a:fld id="{5D68488B-ADD2-4293-9619-2D235B81F181}" type="datetimeFigureOut">
               <a:rPr lang="en-US" smtClean="0"/>
               <a:pPr/>
-              <a:t>9/27/2022</a:t>
+              <a:t>9/28/2022</a:t>
             </a:fld>
             <a:endParaRPr lang="en-US"/>
           </a:p>
@@ -1755,7 +1755,7 @@
             <a:fld id="{5D68488B-ADD2-4293-9619-2D235B81F181}" type="datetimeFigureOut">
               <a:rPr lang="en-US" smtClean="0"/>
               <a:pPr/>
-              <a:t>9/27/2022</a:t>
+              <a:t>9/28/2022</a:t>
             </a:fld>
             <a:endParaRPr lang="en-US"/>
           </a:p>
@@ -1870,7 +1870,7 @@
             <a:fld id="{5D68488B-ADD2-4293-9619-2D235B81F181}" type="datetimeFigureOut">
               <a:rPr lang="en-US" smtClean="0"/>
               <a:pPr/>
-              <a:t>9/27/2022</a:t>
+              <a:t>9/28/2022</a:t>
             </a:fld>
             <a:endParaRPr lang="en-US"/>
           </a:p>
@@ -1962,7 +1962,7 @@
             <a:fld id="{5D68488B-ADD2-4293-9619-2D235B81F181}" type="datetimeFigureOut">
               <a:rPr lang="en-US" smtClean="0"/>
               <a:pPr/>
-              <a:t>9/27/2022</a:t>
+              <a:t>9/28/2022</a:t>
             </a:fld>
             <a:endParaRPr lang="en-US"/>
           </a:p>
@@ -2236,7 +2236,7 @@
             <a:fld id="{5D68488B-ADD2-4293-9619-2D235B81F181}" type="datetimeFigureOut">
               <a:rPr lang="en-US" smtClean="0"/>
               <a:pPr/>
-              <a:t>9/27/2022</a:t>
+              <a:t>9/28/2022</a:t>
             </a:fld>
             <a:endParaRPr lang="en-US"/>
           </a:p>
@@ -2486,7 +2486,7 @@
             <a:fld id="{5D68488B-ADD2-4293-9619-2D235B81F181}" type="datetimeFigureOut">
               <a:rPr lang="en-US" smtClean="0"/>
               <a:pPr/>
-              <a:t>9/27/2022</a:t>
+              <a:t>9/28/2022</a:t>
             </a:fld>
             <a:endParaRPr lang="en-US"/>
           </a:p>
@@ -2696,7 +2696,7 @@
             <a:fld id="{5D68488B-ADD2-4293-9619-2D235B81F181}" type="datetimeFigureOut">
               <a:rPr lang="en-US" smtClean="0"/>
               <a:pPr/>
-              <a:t>9/27/2022</a:t>
+              <a:t>9/28/2022</a:t>
             </a:fld>
             <a:endParaRPr lang="en-US"/>
           </a:p>
@@ -5145,8 +5145,8 @@
         </p:nvSpPr>
         <p:spPr>
           <a:xfrm>
-            <a:off x="304800" y="685800"/>
-            <a:ext cx="8229600" cy="4419600"/>
+            <a:off x="0" y="685800"/>
+            <a:ext cx="8915400" cy="4419600"/>
           </a:xfrm>
         </p:spPr>
         <p:txBody>
@@ -5262,23 +5262,7 @@
                 <a:ea typeface="Verdana" pitchFamily="34" charset="0"/>
                 <a:cs typeface="Verdana" pitchFamily="34" charset="0"/>
               </a:rPr>
-              <a:t>(has-a)</a:t>
-            </a:r>
-            <a:r>
-              <a:rPr lang="en-US" sz="1500" dirty="0" smtClean="0">
-                <a:latin typeface="Verdana" pitchFamily="34" charset="0"/>
-                <a:ea typeface="Verdana" pitchFamily="34" charset="0"/>
-                <a:cs typeface="Verdana" pitchFamily="34" charset="0"/>
-              </a:rPr>
-              <a:t>Declare </a:t>
-            </a:r>
-            <a:r>
-              <a:rPr lang="en-US" sz="1500" dirty="0" smtClean="0">
-                <a:latin typeface="Verdana" pitchFamily="34" charset="0"/>
-                <a:ea typeface="Verdana" pitchFamily="34" charset="0"/>
-                <a:cs typeface="Verdana" pitchFamily="34" charset="0"/>
-              </a:rPr>
-              <a:t>global variable </a:t>
+              <a:t>(has-a)Declare global variable </a:t>
             </a:r>
             <a:r>
               <a:rPr lang="en-US" sz="1500" dirty="0" err="1" smtClean="0">
@@ -5296,11 +5280,6 @@
               </a:rPr>
               <a:t> </a:t>
             </a:r>
-            <a:endParaRPr lang="en-US" sz="1500" dirty="0" smtClean="0">
-              <a:latin typeface="Verdana" pitchFamily="34" charset="0"/>
-              <a:ea typeface="Verdana" pitchFamily="34" charset="0"/>
-              <a:cs typeface="Verdana" pitchFamily="34" charset="0"/>
-            </a:endParaRPr>
           </a:p>
           <a:p>
             <a:pPr lvl="2"/>
@@ -5310,47 +5289,163 @@
                 <a:ea typeface="Verdana" pitchFamily="34" charset="0"/>
                 <a:cs typeface="Verdana" pitchFamily="34" charset="0"/>
               </a:rPr>
+              <a:t>Create register method that takes new </a:t>
+            </a:r>
+            <a:r>
+              <a:rPr lang="en-US" sz="1500" dirty="0" err="1" smtClean="0">
+                <a:latin typeface="Verdana" pitchFamily="34" charset="0"/>
+                <a:ea typeface="Verdana" pitchFamily="34" charset="0"/>
+                <a:cs typeface="Verdana" pitchFamily="34" charset="0"/>
+              </a:rPr>
+              <a:t>registeration</a:t>
+            </a:r>
+            <a:r>
+              <a:rPr lang="en-US" sz="1500" dirty="0" smtClean="0">
+                <a:latin typeface="Verdana" pitchFamily="34" charset="0"/>
+                <a:ea typeface="Verdana" pitchFamily="34" charset="0"/>
+                <a:cs typeface="Verdana" pitchFamily="34" charset="0"/>
+              </a:rPr>
+              <a:t> </a:t>
+            </a:r>
+            <a:r>
+              <a:rPr lang="en-US" sz="1500" dirty="0" err="1" smtClean="0">
+                <a:latin typeface="Verdana" pitchFamily="34" charset="0"/>
+                <a:ea typeface="Verdana" pitchFamily="34" charset="0"/>
+                <a:cs typeface="Verdana" pitchFamily="34" charset="0"/>
+              </a:rPr>
+              <a:t>userid</a:t>
+            </a:r>
+            <a:r>
+              <a:rPr lang="en-US" sz="1500" dirty="0" smtClean="0">
+                <a:latin typeface="Verdana" pitchFamily="34" charset="0"/>
+                <a:ea typeface="Verdana" pitchFamily="34" charset="0"/>
+                <a:cs typeface="Verdana" pitchFamily="34" charset="0"/>
+              </a:rPr>
+              <a:t> and password</a:t>
+            </a:r>
+          </a:p>
+          <a:p>
+            <a:pPr lvl="2"/>
+            <a:r>
+              <a:rPr lang="en-US" sz="1500" dirty="0" smtClean="0">
+                <a:latin typeface="Verdana" pitchFamily="34" charset="0"/>
+                <a:ea typeface="Verdana" pitchFamily="34" charset="0"/>
+                <a:cs typeface="Verdana" pitchFamily="34" charset="0"/>
+              </a:rPr>
+              <a:t>Based on If </a:t>
+            </a:r>
+            <a:r>
+              <a:rPr lang="en-US" sz="1500" dirty="0" err="1" smtClean="0">
+                <a:latin typeface="Verdana" pitchFamily="34" charset="0"/>
+                <a:ea typeface="Verdana" pitchFamily="34" charset="0"/>
+                <a:cs typeface="Verdana" pitchFamily="34" charset="0"/>
+              </a:rPr>
+              <a:t>exsting</a:t>
+            </a:r>
+            <a:r>
+              <a:rPr lang="en-US" sz="1500" dirty="0" smtClean="0">
+                <a:latin typeface="Verdana" pitchFamily="34" charset="0"/>
+                <a:ea typeface="Verdana" pitchFamily="34" charset="0"/>
+                <a:cs typeface="Verdana" pitchFamily="34" charset="0"/>
+              </a:rPr>
+              <a:t> </a:t>
+            </a:r>
+            <a:r>
+              <a:rPr lang="en-US" sz="1500" dirty="0" err="1" smtClean="0">
+                <a:latin typeface="Verdana" pitchFamily="34" charset="0"/>
+                <a:ea typeface="Verdana" pitchFamily="34" charset="0"/>
+                <a:cs typeface="Verdana" pitchFamily="34" charset="0"/>
+              </a:rPr>
+              <a:t>userid</a:t>
+            </a:r>
+            <a:r>
+              <a:rPr lang="en-US" sz="1500" dirty="0" smtClean="0">
+                <a:latin typeface="Verdana" pitchFamily="34" charset="0"/>
+                <a:ea typeface="Verdana" pitchFamily="34" charset="0"/>
+                <a:cs typeface="Verdana" pitchFamily="34" charset="0"/>
+              </a:rPr>
+              <a:t> matches new </a:t>
+            </a:r>
+            <a:r>
+              <a:rPr lang="en-US" sz="1500" dirty="0" err="1" smtClean="0">
+                <a:latin typeface="Verdana" pitchFamily="34" charset="0"/>
+                <a:ea typeface="Verdana" pitchFamily="34" charset="0"/>
+                <a:cs typeface="Verdana" pitchFamily="34" charset="0"/>
+              </a:rPr>
+              <a:t>registeration</a:t>
+            </a:r>
+            <a:r>
+              <a:rPr lang="en-US" sz="1500" dirty="0" smtClean="0">
+                <a:latin typeface="Verdana" pitchFamily="34" charset="0"/>
+                <a:ea typeface="Verdana" pitchFamily="34" charset="0"/>
+                <a:cs typeface="Verdana" pitchFamily="34" charset="0"/>
+              </a:rPr>
+              <a:t> id then registration fails else </a:t>
+            </a:r>
+            <a:r>
+              <a:rPr lang="en-US" sz="1500" dirty="0" err="1" smtClean="0">
+                <a:latin typeface="Verdana" pitchFamily="34" charset="0"/>
+                <a:ea typeface="Verdana" pitchFamily="34" charset="0"/>
+                <a:cs typeface="Verdana" pitchFamily="34" charset="0"/>
+              </a:rPr>
+              <a:t>registeration</a:t>
+            </a:r>
+            <a:r>
+              <a:rPr lang="en-US" sz="1500" dirty="0" smtClean="0">
+                <a:latin typeface="Verdana" pitchFamily="34" charset="0"/>
+                <a:ea typeface="Verdana" pitchFamily="34" charset="0"/>
+                <a:cs typeface="Verdana" pitchFamily="34" charset="0"/>
+              </a:rPr>
+              <a:t> method print success or failure.</a:t>
+            </a:r>
+          </a:p>
+          <a:p>
+            <a:pPr lvl="1"/>
+            <a:r>
+              <a:rPr lang="en-US" sz="1500" dirty="0" smtClean="0">
+                <a:latin typeface="Verdana" pitchFamily="34" charset="0"/>
+                <a:ea typeface="Verdana" pitchFamily="34" charset="0"/>
+                <a:cs typeface="Verdana" pitchFamily="34" charset="0"/>
+              </a:rPr>
+              <a:t>Create bank program</a:t>
+            </a:r>
+          </a:p>
+          <a:p>
+            <a:pPr lvl="2"/>
+            <a:r>
+              <a:rPr lang="en-US" sz="1500" dirty="0" smtClean="0">
+                <a:latin typeface="Verdana" pitchFamily="34" charset="0"/>
+                <a:ea typeface="Verdana" pitchFamily="34" charset="0"/>
+                <a:cs typeface="Verdana" pitchFamily="34" charset="0"/>
+              </a:rPr>
+              <a:t>(has-a)Declare global variable bank money</a:t>
+            </a:r>
+          </a:p>
+          <a:p>
+            <a:pPr lvl="2"/>
+            <a:r>
+              <a:rPr lang="en-US" sz="1500" dirty="0" smtClean="0">
+                <a:latin typeface="Verdana" pitchFamily="34" charset="0"/>
+                <a:ea typeface="Verdana" pitchFamily="34" charset="0"/>
+                <a:cs typeface="Verdana" pitchFamily="34" charset="0"/>
+              </a:rPr>
               <a:t>Create </a:t>
             </a:r>
             <a:r>
-              <a:rPr lang="en-US" sz="1500" dirty="0" smtClean="0">
-                <a:latin typeface="Verdana" pitchFamily="34" charset="0"/>
-                <a:ea typeface="Verdana" pitchFamily="34" charset="0"/>
-                <a:cs typeface="Verdana" pitchFamily="34" charset="0"/>
-              </a:rPr>
-              <a:t>register method </a:t>
-            </a:r>
-            <a:r>
-              <a:rPr lang="en-US" sz="1500" dirty="0" smtClean="0">
-                <a:latin typeface="Verdana" pitchFamily="34" charset="0"/>
-                <a:ea typeface="Verdana" pitchFamily="34" charset="0"/>
-                <a:cs typeface="Verdana" pitchFamily="34" charset="0"/>
-              </a:rPr>
-              <a:t>that takes </a:t>
-            </a:r>
-            <a:r>
-              <a:rPr lang="en-US" sz="1500" dirty="0" smtClean="0">
-                <a:latin typeface="Verdana" pitchFamily="34" charset="0"/>
-                <a:ea typeface="Verdana" pitchFamily="34" charset="0"/>
-                <a:cs typeface="Verdana" pitchFamily="34" charset="0"/>
-              </a:rPr>
-              <a:t>new </a:t>
-            </a:r>
-            <a:r>
               <a:rPr lang="en-US" sz="1500" dirty="0" err="1" smtClean="0">
                 <a:latin typeface="Verdana" pitchFamily="34" charset="0"/>
                 <a:ea typeface="Verdana" pitchFamily="34" charset="0"/>
                 <a:cs typeface="Verdana" pitchFamily="34" charset="0"/>
               </a:rPr>
-              <a:t>registeration</a:t>
-            </a:r>
-            <a:r>
-              <a:rPr lang="en-US" sz="1500" dirty="0" smtClean="0">
-                <a:latin typeface="Verdana" pitchFamily="34" charset="0"/>
-                <a:ea typeface="Verdana" pitchFamily="34" charset="0"/>
-                <a:cs typeface="Verdana" pitchFamily="34" charset="0"/>
-              </a:rPr>
-              <a:t> </a:t>
+              <a:t>applyLoan</a:t>
+            </a:r>
+            <a:r>
+              <a:rPr lang="en-US" sz="1500" dirty="0" smtClean="0">
+                <a:latin typeface="Verdana" pitchFamily="34" charset="0"/>
+                <a:ea typeface="Verdana" pitchFamily="34" charset="0"/>
+                <a:cs typeface="Verdana" pitchFamily="34" charset="0"/>
+              </a:rPr>
+              <a:t> method takes loan amount input. If customer </a:t>
             </a:r>
             <a:r>
               <a:rPr lang="en-US" sz="1500" dirty="0" err="1" smtClean="0">
@@ -5358,15 +5453,42 @@
                 <a:ea typeface="Verdana" pitchFamily="34" charset="0"/>
                 <a:cs typeface="Verdana" pitchFamily="34" charset="0"/>
               </a:rPr>
-              <a:t>userid</a:t>
-            </a:r>
-            <a:r>
-              <a:rPr lang="en-US" sz="1500" dirty="0" smtClean="0">
-                <a:latin typeface="Verdana" pitchFamily="34" charset="0"/>
-                <a:ea typeface="Verdana" pitchFamily="34" charset="0"/>
-                <a:cs typeface="Verdana" pitchFamily="34" charset="0"/>
-              </a:rPr>
-              <a:t> and password</a:t>
+              <a:t>requestsing</a:t>
+            </a:r>
+            <a:r>
+              <a:rPr lang="en-US" sz="1500" dirty="0" smtClean="0">
+                <a:latin typeface="Verdana" pitchFamily="34" charset="0"/>
+                <a:ea typeface="Verdana" pitchFamily="34" charset="0"/>
+                <a:cs typeface="Verdana" pitchFamily="34" charset="0"/>
+              </a:rPr>
+              <a:t> loan amount is less than bank available money then print loan approved or denied.</a:t>
+            </a:r>
+          </a:p>
+          <a:p>
+            <a:pPr lvl="1"/>
+            <a:r>
+              <a:rPr lang="en-US" sz="1500" dirty="0" smtClean="0">
+                <a:latin typeface="Verdana" pitchFamily="34" charset="0"/>
+                <a:ea typeface="Verdana" pitchFamily="34" charset="0"/>
+                <a:cs typeface="Verdana" pitchFamily="34" charset="0"/>
+              </a:rPr>
+              <a:t>Create </a:t>
+            </a:r>
+            <a:r>
+              <a:rPr lang="en-US" sz="1500" dirty="0" err="1" smtClean="0">
+                <a:latin typeface="Verdana" pitchFamily="34" charset="0"/>
+                <a:ea typeface="Verdana" pitchFamily="34" charset="0"/>
+                <a:cs typeface="Verdana" pitchFamily="34" charset="0"/>
+              </a:rPr>
+              <a:t>amazon</a:t>
+            </a:r>
+            <a:r>
+              <a:rPr lang="en-US" sz="1500" dirty="0" smtClean="0">
+                <a:latin typeface="Verdana" pitchFamily="34" charset="0"/>
+                <a:ea typeface="Verdana" pitchFamily="34" charset="0"/>
+                <a:cs typeface="Verdana" pitchFamily="34" charset="0"/>
+              </a:rPr>
+              <a:t> program</a:t>
             </a:r>
           </a:p>
           <a:p>
@@ -5377,82 +5499,7 @@
                 <a:ea typeface="Verdana" pitchFamily="34" charset="0"/>
                 <a:cs typeface="Verdana" pitchFamily="34" charset="0"/>
               </a:rPr>
-              <a:t>Based on If </a:t>
-            </a:r>
-            <a:r>
-              <a:rPr lang="en-US" sz="1500" dirty="0" err="1" smtClean="0">
-                <a:latin typeface="Verdana" pitchFamily="34" charset="0"/>
-                <a:ea typeface="Verdana" pitchFamily="34" charset="0"/>
-                <a:cs typeface="Verdana" pitchFamily="34" charset="0"/>
-              </a:rPr>
-              <a:t>exsting</a:t>
-            </a:r>
-            <a:r>
-              <a:rPr lang="en-US" sz="1500" dirty="0" smtClean="0">
-                <a:latin typeface="Verdana" pitchFamily="34" charset="0"/>
-                <a:ea typeface="Verdana" pitchFamily="34" charset="0"/>
-                <a:cs typeface="Verdana" pitchFamily="34" charset="0"/>
-              </a:rPr>
-              <a:t> </a:t>
-            </a:r>
-            <a:r>
-              <a:rPr lang="en-US" sz="1500" dirty="0" err="1" smtClean="0">
-                <a:latin typeface="Verdana" pitchFamily="34" charset="0"/>
-                <a:ea typeface="Verdana" pitchFamily="34" charset="0"/>
-                <a:cs typeface="Verdana" pitchFamily="34" charset="0"/>
-              </a:rPr>
-              <a:t>userid</a:t>
-            </a:r>
-            <a:r>
-              <a:rPr lang="en-US" sz="1500" dirty="0" smtClean="0">
-                <a:latin typeface="Verdana" pitchFamily="34" charset="0"/>
-                <a:ea typeface="Verdana" pitchFamily="34" charset="0"/>
-                <a:cs typeface="Verdana" pitchFamily="34" charset="0"/>
-              </a:rPr>
-              <a:t> matches new </a:t>
-            </a:r>
-            <a:r>
-              <a:rPr lang="en-US" sz="1500" dirty="0" err="1" smtClean="0">
-                <a:latin typeface="Verdana" pitchFamily="34" charset="0"/>
-                <a:ea typeface="Verdana" pitchFamily="34" charset="0"/>
-                <a:cs typeface="Verdana" pitchFamily="34" charset="0"/>
-              </a:rPr>
-              <a:t>registeration</a:t>
-            </a:r>
-            <a:r>
-              <a:rPr lang="en-US" sz="1500" dirty="0" smtClean="0">
-                <a:latin typeface="Verdana" pitchFamily="34" charset="0"/>
-                <a:ea typeface="Verdana" pitchFamily="34" charset="0"/>
-                <a:cs typeface="Verdana" pitchFamily="34" charset="0"/>
-              </a:rPr>
-              <a:t> id then registration fails else </a:t>
-            </a:r>
-            <a:r>
-              <a:rPr lang="en-US" sz="1500" dirty="0" err="1" smtClean="0">
-                <a:latin typeface="Verdana" pitchFamily="34" charset="0"/>
-                <a:ea typeface="Verdana" pitchFamily="34" charset="0"/>
-                <a:cs typeface="Verdana" pitchFamily="34" charset="0"/>
-              </a:rPr>
-              <a:t>registeration</a:t>
-            </a:r>
-            <a:r>
-              <a:rPr lang="en-US" sz="1500" dirty="0" smtClean="0">
-                <a:latin typeface="Verdana" pitchFamily="34" charset="0"/>
-                <a:ea typeface="Verdana" pitchFamily="34" charset="0"/>
-                <a:cs typeface="Verdana" pitchFamily="34" charset="0"/>
-              </a:rPr>
-              <a:t> method print success or failure.</a:t>
-            </a:r>
-          </a:p>
-          <a:p>
-            <a:pPr lvl="1"/>
-            <a:r>
-              <a:rPr lang="en-US" sz="1900" dirty="0" smtClean="0">
-                <a:latin typeface="Verdana" pitchFamily="34" charset="0"/>
-                <a:ea typeface="Verdana" pitchFamily="34" charset="0"/>
-                <a:cs typeface="Verdana" pitchFamily="34" charset="0"/>
-              </a:rPr>
-              <a:t>Create bank program</a:t>
+              <a:t>(has-a)Declare global variable stock</a:t>
             </a:r>
           </a:p>
           <a:p>
@@ -5463,15 +5510,18 @@
                 <a:ea typeface="Verdana" pitchFamily="34" charset="0"/>
                 <a:cs typeface="Verdana" pitchFamily="34" charset="0"/>
               </a:rPr>
-              <a:t>(has-a)</a:t>
-            </a:r>
-            <a:r>
-              <a:rPr lang="en-US" sz="1500" dirty="0" smtClean="0">
-                <a:latin typeface="Verdana" pitchFamily="34" charset="0"/>
-                <a:ea typeface="Verdana" pitchFamily="34" charset="0"/>
-                <a:cs typeface="Verdana" pitchFamily="34" charset="0"/>
-              </a:rPr>
-              <a:t>Declare global variable bank money</a:t>
+              <a:t>Create order method. Based on If order quantity is less than stock print order approved or cancelled.</a:t>
+            </a:r>
+          </a:p>
+          <a:p>
+            <a:pPr lvl="1"/>
+            <a:r>
+              <a:rPr lang="en-US" sz="1500" dirty="0" smtClean="0">
+                <a:latin typeface="Verdana" pitchFamily="34" charset="0"/>
+                <a:ea typeface="Verdana" pitchFamily="34" charset="0"/>
+                <a:cs typeface="Verdana" pitchFamily="34" charset="0"/>
+              </a:rPr>
+              <a:t>Create currency program</a:t>
             </a:r>
           </a:p>
           <a:p>
@@ -5482,97 +5532,11 @@
                 <a:ea typeface="Verdana" pitchFamily="34" charset="0"/>
                 <a:cs typeface="Verdana" pitchFamily="34" charset="0"/>
               </a:rPr>
-              <a:t>Create </a:t>
-            </a:r>
-            <a:r>
-              <a:rPr lang="en-US" sz="1500" dirty="0" err="1" smtClean="0">
-                <a:latin typeface="Verdana" pitchFamily="34" charset="0"/>
-                <a:ea typeface="Verdana" pitchFamily="34" charset="0"/>
-                <a:cs typeface="Verdana" pitchFamily="34" charset="0"/>
-              </a:rPr>
-              <a:t>applyLoan</a:t>
-            </a:r>
-            <a:r>
-              <a:rPr lang="en-US" sz="1500" dirty="0" smtClean="0">
-                <a:latin typeface="Verdana" pitchFamily="34" charset="0"/>
-                <a:ea typeface="Verdana" pitchFamily="34" charset="0"/>
-                <a:cs typeface="Verdana" pitchFamily="34" charset="0"/>
-              </a:rPr>
-              <a:t> method takes loan amount input. If customer </a:t>
-            </a:r>
-            <a:r>
-              <a:rPr lang="en-US" sz="1500" dirty="0" err="1" smtClean="0">
-                <a:latin typeface="Verdana" pitchFamily="34" charset="0"/>
-                <a:ea typeface="Verdana" pitchFamily="34" charset="0"/>
-                <a:cs typeface="Verdana" pitchFamily="34" charset="0"/>
-              </a:rPr>
-              <a:t>requestsing</a:t>
-            </a:r>
-            <a:r>
-              <a:rPr lang="en-US" sz="1500" dirty="0" smtClean="0">
-                <a:latin typeface="Verdana" pitchFamily="34" charset="0"/>
-                <a:ea typeface="Verdana" pitchFamily="34" charset="0"/>
-                <a:cs typeface="Verdana" pitchFamily="34" charset="0"/>
-              </a:rPr>
-              <a:t> loan amount is less than bank available money then print loan approved or denied.</a:t>
-            </a:r>
-          </a:p>
-          <a:p>
-            <a:pPr lvl="1"/>
-            <a:r>
-              <a:rPr lang="en-US" sz="1900" dirty="0" smtClean="0">
-                <a:latin typeface="Verdana" pitchFamily="34" charset="0"/>
-                <a:ea typeface="Verdana" pitchFamily="34" charset="0"/>
-                <a:cs typeface="Verdana" pitchFamily="34" charset="0"/>
-              </a:rPr>
-              <a:t>Create </a:t>
-            </a:r>
-            <a:r>
-              <a:rPr lang="en-US" sz="1900" dirty="0" err="1" smtClean="0">
-                <a:latin typeface="Verdana" pitchFamily="34" charset="0"/>
-                <a:ea typeface="Verdana" pitchFamily="34" charset="0"/>
-                <a:cs typeface="Verdana" pitchFamily="34" charset="0"/>
-              </a:rPr>
-              <a:t>amazon</a:t>
-            </a:r>
-            <a:r>
-              <a:rPr lang="en-US" sz="1900" dirty="0" smtClean="0">
-                <a:latin typeface="Verdana" pitchFamily="34" charset="0"/>
-                <a:ea typeface="Verdana" pitchFamily="34" charset="0"/>
-                <a:cs typeface="Verdana" pitchFamily="34" charset="0"/>
-              </a:rPr>
-              <a:t> program</a:t>
+              <a:t>Take dollar as input and return the UK pound equivalent</a:t>
             </a:r>
           </a:p>
           <a:p>
             <a:pPr lvl="2"/>
-            <a:r>
-              <a:rPr lang="en-US" sz="1500" dirty="0" smtClean="0">
-                <a:latin typeface="Verdana" pitchFamily="34" charset="0"/>
-                <a:ea typeface="Verdana" pitchFamily="34" charset="0"/>
-                <a:cs typeface="Verdana" pitchFamily="34" charset="0"/>
-              </a:rPr>
-              <a:t>(has-a)</a:t>
-            </a:r>
-            <a:r>
-              <a:rPr lang="en-US" sz="1500" dirty="0" smtClean="0">
-                <a:latin typeface="Verdana" pitchFamily="34" charset="0"/>
-                <a:ea typeface="Verdana" pitchFamily="34" charset="0"/>
-                <a:cs typeface="Verdana" pitchFamily="34" charset="0"/>
-              </a:rPr>
-              <a:t>Declare global variable stock</a:t>
-            </a:r>
-          </a:p>
-          <a:p>
-            <a:pPr lvl="2"/>
-            <a:r>
-              <a:rPr lang="en-US" sz="1500" dirty="0" smtClean="0">
-                <a:latin typeface="Verdana" pitchFamily="34" charset="0"/>
-                <a:ea typeface="Verdana" pitchFamily="34" charset="0"/>
-                <a:cs typeface="Verdana" pitchFamily="34" charset="0"/>
-              </a:rPr>
-              <a:t>Create order method. Based on If order quantity is less than stock print order approved or cancelled.</a:t>
-            </a:r>
             <a:endParaRPr lang="en-US" sz="1500" dirty="0" smtClean="0">
               <a:latin typeface="Verdana" pitchFamily="34" charset="0"/>
               <a:ea typeface="Verdana" pitchFamily="34" charset="0"/>
@@ -5745,8 +5709,8 @@
         </p:nvSpPr>
         <p:spPr>
           <a:xfrm>
-            <a:off x="304800" y="1066800"/>
-            <a:ext cx="8229600" cy="4419600"/>
+            <a:off x="0" y="762000"/>
+            <a:ext cx="8991600" cy="4419600"/>
           </a:xfrm>
         </p:spPr>
         <p:txBody>
@@ -5755,107 +5719,269 @@
           </a:bodyPr>
           <a:lstStyle/>
           <a:p>
-            <a:r>
-              <a:rPr lang="en-US" sz="1600" dirty="0" smtClean="0">
-                <a:latin typeface="Verdana" pitchFamily="34" charset="0"/>
-                <a:ea typeface="Verdana" pitchFamily="34" charset="0"/>
-                <a:cs typeface="Verdana" pitchFamily="34" charset="0"/>
-              </a:rPr>
-              <a:t>Write a Class Calculations</a:t>
-            </a:r>
-          </a:p>
-          <a:p>
-            <a:pPr lvl="1"/>
-            <a:r>
-              <a:rPr lang="en-US" sz="1600" dirty="0" smtClean="0">
-                <a:latin typeface="Verdana" pitchFamily="34" charset="0"/>
-                <a:ea typeface="Verdana" pitchFamily="34" charset="0"/>
-                <a:cs typeface="Verdana" pitchFamily="34" charset="0"/>
-              </a:rPr>
-              <a:t>Write a method to calculate interest rate.</a:t>
-            </a:r>
-          </a:p>
-          <a:p>
-            <a:pPr lvl="1"/>
-            <a:r>
-              <a:rPr lang="en-US" sz="1600" dirty="0" smtClean="0">
-                <a:latin typeface="Verdana" pitchFamily="34" charset="0"/>
-                <a:ea typeface="Verdana" pitchFamily="34" charset="0"/>
-                <a:cs typeface="Verdana" pitchFamily="34" charset="0"/>
-              </a:rPr>
-              <a:t>Write a method to convert $ to rupees.</a:t>
-            </a:r>
-          </a:p>
-          <a:p>
-            <a:pPr lvl="1"/>
-            <a:r>
-              <a:rPr lang="en-US" sz="1600" dirty="0" smtClean="0">
-                <a:latin typeface="Verdana" pitchFamily="34" charset="0"/>
-                <a:ea typeface="Verdana" pitchFamily="34" charset="0"/>
-                <a:cs typeface="Verdana" pitchFamily="34" charset="0"/>
-              </a:rPr>
-              <a:t>Write a method to print 1 to 10 using increment operator.</a:t>
-            </a:r>
-          </a:p>
-          <a:p>
-            <a:pPr lvl="1"/>
-            <a:r>
-              <a:rPr lang="en-US" sz="1600" dirty="0" smtClean="0">
-                <a:latin typeface="Verdana" pitchFamily="34" charset="0"/>
-                <a:ea typeface="Verdana" pitchFamily="34" charset="0"/>
-                <a:cs typeface="Verdana" pitchFamily="34" charset="0"/>
-              </a:rPr>
-              <a:t>Write a method to see if a number is greater than 50.</a:t>
-            </a:r>
-          </a:p>
-          <a:p>
-            <a:pPr lvl="1"/>
-            <a:r>
-              <a:rPr lang="en-US" sz="1600" dirty="0" smtClean="0">
-                <a:latin typeface="Verdana" pitchFamily="34" charset="0"/>
-                <a:ea typeface="Verdana" pitchFamily="34" charset="0"/>
-                <a:cs typeface="Verdana" pitchFamily="34" charset="0"/>
-              </a:rPr>
-              <a:t>Write a method to print multiples of 5 (1-10) using for loop</a:t>
-            </a:r>
-          </a:p>
-          <a:p>
-            <a:pPr lvl="1"/>
-            <a:r>
-              <a:rPr lang="en-US" sz="1600" dirty="0" smtClean="0">
-                <a:latin typeface="Verdana" pitchFamily="34" charset="0"/>
-                <a:ea typeface="Verdana" pitchFamily="34" charset="0"/>
-                <a:cs typeface="Verdana" pitchFamily="34" charset="0"/>
-              </a:rPr>
-              <a:t>Write a method to print multiples of 6 (1-10) using while loop</a:t>
-            </a:r>
-          </a:p>
-          <a:p>
-            <a:pPr lvl="1"/>
-            <a:r>
-              <a:rPr lang="en-US" sz="1600" dirty="0" smtClean="0">
-                <a:latin typeface="Verdana" pitchFamily="34" charset="0"/>
-                <a:ea typeface="Verdana" pitchFamily="34" charset="0"/>
-                <a:cs typeface="Verdana" pitchFamily="34" charset="0"/>
-              </a:rPr>
-              <a:t>Write a method to print “customer care” if input to method is 1 else print “other help” using ternary operator.</a:t>
-            </a:r>
-          </a:p>
-          <a:p>
-            <a:pPr lvl="1"/>
-            <a:r>
-              <a:rPr lang="en-US" sz="1600" dirty="0" smtClean="0">
-                <a:latin typeface="Verdana" pitchFamily="34" charset="0"/>
-                <a:ea typeface="Verdana" pitchFamily="34" charset="0"/>
-                <a:cs typeface="Verdana" pitchFamily="34" charset="0"/>
-              </a:rPr>
-              <a:t>Write a method to print menu items (use Switch case)</a:t>
+            <a:pPr lvl="1"/>
+            <a:r>
+              <a:rPr lang="en-US" sz="1500" dirty="0" smtClean="0">
+                <a:latin typeface="Verdana" pitchFamily="34" charset="0"/>
+                <a:ea typeface="Verdana" pitchFamily="34" charset="0"/>
+                <a:cs typeface="Verdana" pitchFamily="34" charset="0"/>
+              </a:rPr>
+              <a:t>Write a method that takes number as input using for loop</a:t>
             </a:r>
           </a:p>
           <a:p>
             <a:pPr lvl="2"/>
             <a:r>
-              <a:rPr lang="en-US" sz="1600" dirty="0" smtClean="0">
+              <a:rPr lang="en-US" sz="1500" dirty="0" smtClean="0">
+                <a:latin typeface="Verdana" pitchFamily="34" charset="0"/>
+                <a:ea typeface="Verdana" pitchFamily="34" charset="0"/>
+                <a:cs typeface="Verdana" pitchFamily="34" charset="0"/>
+              </a:rPr>
+              <a:t>Print 1 , 2,3 … till the number provided as input </a:t>
+            </a:r>
+          </a:p>
+          <a:p>
+            <a:pPr lvl="1"/>
+            <a:r>
+              <a:rPr lang="en-US" sz="1500" dirty="0" smtClean="0">
+                <a:latin typeface="Verdana" pitchFamily="34" charset="0"/>
+                <a:ea typeface="Verdana" pitchFamily="34" charset="0"/>
+                <a:cs typeface="Verdana" pitchFamily="34" charset="0"/>
+              </a:rPr>
+              <a:t>Write a method to print “customer care” if input to method is 1 else print “other help”.</a:t>
+            </a:r>
+          </a:p>
+          <a:p>
+            <a:pPr lvl="1"/>
+            <a:r>
+              <a:rPr lang="en-US" sz="1500" dirty="0" smtClean="0">
+                <a:latin typeface="Verdana" pitchFamily="34" charset="0"/>
+                <a:ea typeface="Verdana" pitchFamily="34" charset="0"/>
+                <a:cs typeface="Verdana" pitchFamily="34" charset="0"/>
+              </a:rPr>
+              <a:t>Write a program that has-a registered phone, </a:t>
+            </a:r>
+            <a:r>
+              <a:rPr lang="en-US" sz="1500" dirty="0" err="1" smtClean="0">
+                <a:latin typeface="Verdana" pitchFamily="34" charset="0"/>
+                <a:ea typeface="Verdana" pitchFamily="34" charset="0"/>
+                <a:cs typeface="Verdana" pitchFamily="34" charset="0"/>
+              </a:rPr>
+              <a:t>userid</a:t>
+            </a:r>
+            <a:r>
+              <a:rPr lang="en-US" sz="1500" dirty="0" smtClean="0">
+                <a:latin typeface="Verdana" pitchFamily="34" charset="0"/>
+                <a:ea typeface="Verdana" pitchFamily="34" charset="0"/>
+                <a:cs typeface="Verdana" pitchFamily="34" charset="0"/>
+              </a:rPr>
+              <a:t>, password</a:t>
+            </a:r>
+          </a:p>
+          <a:p>
+            <a:pPr lvl="2"/>
+            <a:r>
+              <a:rPr lang="en-US" sz="1500" dirty="0" smtClean="0">
+                <a:latin typeface="Verdana" pitchFamily="34" charset="0"/>
+                <a:ea typeface="Verdana" pitchFamily="34" charset="0"/>
+                <a:cs typeface="Verdana" pitchFamily="34" charset="0"/>
+              </a:rPr>
+              <a:t>Create a method to retrieve </a:t>
+            </a:r>
+            <a:r>
+              <a:rPr lang="en-US" sz="1500" dirty="0" err="1" smtClean="0">
+                <a:latin typeface="Verdana" pitchFamily="34" charset="0"/>
+                <a:ea typeface="Verdana" pitchFamily="34" charset="0"/>
+                <a:cs typeface="Verdana" pitchFamily="34" charset="0"/>
+              </a:rPr>
+              <a:t>userid</a:t>
+            </a:r>
+            <a:r>
+              <a:rPr lang="en-US" sz="1500" dirty="0" smtClean="0">
+                <a:latin typeface="Verdana" pitchFamily="34" charset="0"/>
+                <a:ea typeface="Verdana" pitchFamily="34" charset="0"/>
+                <a:cs typeface="Verdana" pitchFamily="34" charset="0"/>
+              </a:rPr>
+              <a:t>. That will take input as phone and if phone matches registered phone return </a:t>
+            </a:r>
+            <a:r>
+              <a:rPr lang="en-US" sz="1500" dirty="0" err="1" smtClean="0">
+                <a:latin typeface="Verdana" pitchFamily="34" charset="0"/>
+                <a:ea typeface="Verdana" pitchFamily="34" charset="0"/>
+                <a:cs typeface="Verdana" pitchFamily="34" charset="0"/>
+              </a:rPr>
+              <a:t>userid</a:t>
+            </a:r>
+            <a:r>
+              <a:rPr lang="en-US" sz="1500" dirty="0" smtClean="0">
+                <a:latin typeface="Verdana" pitchFamily="34" charset="0"/>
+                <a:ea typeface="Verdana" pitchFamily="34" charset="0"/>
+                <a:cs typeface="Verdana" pitchFamily="34" charset="0"/>
+              </a:rPr>
+              <a:t>.</a:t>
+            </a:r>
+          </a:p>
+          <a:p>
+            <a:pPr lvl="2"/>
+            <a:r>
+              <a:rPr lang="en-US" sz="1500" dirty="0" smtClean="0">
+                <a:latin typeface="Verdana" pitchFamily="34" charset="0"/>
+                <a:ea typeface="Verdana" pitchFamily="34" charset="0"/>
+                <a:cs typeface="Verdana" pitchFamily="34" charset="0"/>
+              </a:rPr>
+              <a:t>Create a method to retrieve password. That will take input as </a:t>
+            </a:r>
+            <a:r>
+              <a:rPr lang="en-US" sz="1500" dirty="0" err="1" smtClean="0">
+                <a:latin typeface="Verdana" pitchFamily="34" charset="0"/>
+                <a:ea typeface="Verdana" pitchFamily="34" charset="0"/>
+                <a:cs typeface="Verdana" pitchFamily="34" charset="0"/>
+              </a:rPr>
+              <a:t>userid</a:t>
+            </a:r>
+            <a:r>
+              <a:rPr lang="en-US" sz="1500" dirty="0" smtClean="0">
+                <a:latin typeface="Verdana" pitchFamily="34" charset="0"/>
+                <a:ea typeface="Verdana" pitchFamily="34" charset="0"/>
+                <a:cs typeface="Verdana" pitchFamily="34" charset="0"/>
+              </a:rPr>
+              <a:t> and if </a:t>
+            </a:r>
+            <a:r>
+              <a:rPr lang="en-US" sz="1500" dirty="0" err="1" smtClean="0">
+                <a:latin typeface="Verdana" pitchFamily="34" charset="0"/>
+                <a:ea typeface="Verdana" pitchFamily="34" charset="0"/>
+                <a:cs typeface="Verdana" pitchFamily="34" charset="0"/>
+              </a:rPr>
+              <a:t>userid</a:t>
+            </a:r>
+            <a:r>
+              <a:rPr lang="en-US" sz="1500" dirty="0" smtClean="0">
+                <a:latin typeface="Verdana" pitchFamily="34" charset="0"/>
+                <a:ea typeface="Verdana" pitchFamily="34" charset="0"/>
+                <a:cs typeface="Verdana" pitchFamily="34" charset="0"/>
+              </a:rPr>
+              <a:t> matches registered </a:t>
+            </a:r>
+            <a:r>
+              <a:rPr lang="en-US" sz="1500" dirty="0" err="1" smtClean="0">
+                <a:latin typeface="Verdana" pitchFamily="34" charset="0"/>
+                <a:ea typeface="Verdana" pitchFamily="34" charset="0"/>
+                <a:cs typeface="Verdana" pitchFamily="34" charset="0"/>
+              </a:rPr>
+              <a:t>userid</a:t>
+            </a:r>
+            <a:r>
+              <a:rPr lang="en-US" sz="1500" dirty="0" smtClean="0">
+                <a:latin typeface="Verdana" pitchFamily="34" charset="0"/>
+                <a:ea typeface="Verdana" pitchFamily="34" charset="0"/>
+                <a:cs typeface="Verdana" pitchFamily="34" charset="0"/>
+              </a:rPr>
+              <a:t> return password.</a:t>
+            </a:r>
+          </a:p>
+          <a:p>
+            <a:pPr lvl="1"/>
+            <a:r>
+              <a:rPr lang="en-US" sz="1500" dirty="0" smtClean="0">
+                <a:latin typeface="Verdana" pitchFamily="34" charset="0"/>
+                <a:ea typeface="Verdana" pitchFamily="34" charset="0"/>
+                <a:cs typeface="Verdana" pitchFamily="34" charset="0"/>
+              </a:rPr>
+              <a:t>Write a shopping program that has-a balance, product price</a:t>
+            </a:r>
+          </a:p>
+          <a:p>
+            <a:pPr lvl="2"/>
+            <a:r>
+              <a:rPr lang="en-US" sz="1500" dirty="0" smtClean="0">
+                <a:latin typeface="Verdana" pitchFamily="34" charset="0"/>
+                <a:ea typeface="Verdana" pitchFamily="34" charset="0"/>
+                <a:cs typeface="Verdana" pitchFamily="34" charset="0"/>
+              </a:rPr>
+              <a:t>Create a checkout method that takes </a:t>
+            </a:r>
+            <a:r>
+              <a:rPr lang="en-US" sz="1500" dirty="0" err="1" smtClean="0">
+                <a:latin typeface="Verdana" pitchFamily="34" charset="0"/>
+                <a:ea typeface="Verdana" pitchFamily="34" charset="0"/>
+                <a:cs typeface="Verdana" pitchFamily="34" charset="0"/>
+              </a:rPr>
+              <a:t>orderquantity</a:t>
+            </a:r>
+            <a:r>
+              <a:rPr lang="en-US" sz="1500" dirty="0" smtClean="0">
+                <a:latin typeface="Verdana" pitchFamily="34" charset="0"/>
+                <a:ea typeface="Verdana" pitchFamily="34" charset="0"/>
+                <a:cs typeface="Verdana" pitchFamily="34" charset="0"/>
+              </a:rPr>
+              <a:t> as input. Calculate total cart price based on quantity input and product price. If total cart prices is less than balance than return success else return failure</a:t>
+            </a:r>
+          </a:p>
+          <a:p>
+            <a:pPr lvl="1"/>
+            <a:r>
+              <a:rPr lang="en-US" sz="1500" dirty="0" smtClean="0">
+                <a:latin typeface="Verdana" pitchFamily="34" charset="0"/>
+                <a:ea typeface="Verdana" pitchFamily="34" charset="0"/>
+                <a:cs typeface="Verdana" pitchFamily="34" charset="0"/>
+              </a:rPr>
+              <a:t>Write </a:t>
+            </a:r>
+            <a:r>
+              <a:rPr lang="en-US" sz="1500" dirty="0" smtClean="0">
+                <a:latin typeface="Verdana" pitchFamily="34" charset="0"/>
+                <a:ea typeface="Verdana" pitchFamily="34" charset="0"/>
+                <a:cs typeface="Verdana" pitchFamily="34" charset="0"/>
+              </a:rPr>
+              <a:t>a method that takes number as input using while loop</a:t>
+            </a:r>
+          </a:p>
+          <a:p>
+            <a:pPr lvl="2"/>
+            <a:r>
+              <a:rPr lang="en-US" sz="1500" dirty="0" smtClean="0">
+                <a:latin typeface="Verdana" pitchFamily="34" charset="0"/>
+                <a:ea typeface="Verdana" pitchFamily="34" charset="0"/>
+                <a:cs typeface="Verdana" pitchFamily="34" charset="0"/>
+              </a:rPr>
+              <a:t>Print multiple of 1 to 10 for this input</a:t>
+            </a:r>
+          </a:p>
+          <a:p>
+            <a:pPr lvl="1"/>
+            <a:r>
+              <a:rPr lang="en-US" sz="1500" dirty="0" smtClean="0">
+                <a:latin typeface="Verdana" pitchFamily="34" charset="0"/>
+                <a:ea typeface="Verdana" pitchFamily="34" charset="0"/>
+                <a:cs typeface="Verdana" pitchFamily="34" charset="0"/>
+              </a:rPr>
+              <a:t>Write </a:t>
+            </a:r>
+            <a:r>
+              <a:rPr lang="en-US" sz="1500" dirty="0" smtClean="0">
+                <a:latin typeface="Verdana" pitchFamily="34" charset="0"/>
+                <a:ea typeface="Verdana" pitchFamily="34" charset="0"/>
+                <a:cs typeface="Verdana" pitchFamily="34" charset="0"/>
+              </a:rPr>
+              <a:t>a method to print menu items (use Switch case)</a:t>
+            </a:r>
+          </a:p>
+          <a:p>
+            <a:pPr lvl="2"/>
+            <a:r>
+              <a:rPr lang="en-US" sz="1500" dirty="0" smtClean="0">
+                <a:latin typeface="Verdana" pitchFamily="34" charset="0"/>
+                <a:ea typeface="Verdana" pitchFamily="34" charset="0"/>
+                <a:cs typeface="Verdana" pitchFamily="34" charset="0"/>
+              </a:rPr>
+              <a:t>Display the price for item selected</a:t>
+            </a:r>
+          </a:p>
+          <a:p>
+            <a:pPr lvl="2"/>
+            <a:r>
+              <a:rPr lang="en-US" sz="1500" dirty="0" smtClean="0">
                 <a:latin typeface="Verdana" pitchFamily="34" charset="0"/>
                 <a:ea typeface="Verdana" pitchFamily="34" charset="0"/>
                 <a:cs typeface="Verdana" pitchFamily="34" charset="0"/>
@@ -5866,7 +5992,7 @@
           <a:p>
             <a:pPr lvl="2"/>
             <a:r>
-              <a:rPr lang="en-US" sz="1600" dirty="0" smtClean="0">
+              <a:rPr lang="en-US" sz="1500" dirty="0" smtClean="0">
                 <a:latin typeface="Verdana" pitchFamily="34" charset="0"/>
                 <a:ea typeface="Verdana" pitchFamily="34" charset="0"/>
                 <a:cs typeface="Verdana" pitchFamily="34" charset="0"/>
@@ -5877,7 +6003,7 @@
           <a:p>
             <a:pPr lvl="2"/>
             <a:r>
-              <a:rPr lang="en-US" sz="1600" dirty="0" smtClean="0">
+              <a:rPr lang="en-US" sz="1500" dirty="0" smtClean="0">
                 <a:latin typeface="Verdana" pitchFamily="34" charset="0"/>
                 <a:ea typeface="Verdana" pitchFamily="34" charset="0"/>
                 <a:cs typeface="Verdana" pitchFamily="34" charset="0"/>
@@ -5887,7 +6013,7 @@
           </a:p>
           <a:p>
             <a:pPr lvl="2"/>
-            <a:endParaRPr lang="en-US" sz="1600" dirty="0" smtClean="0">
+            <a:endParaRPr lang="en-US" sz="1500" dirty="0" smtClean="0">
               <a:latin typeface="Verdana" pitchFamily="34" charset="0"/>
               <a:ea typeface="Verdana" pitchFamily="34" charset="0"/>
               <a:cs typeface="Verdana" pitchFamily="34" charset="0"/>
@@ -5895,15 +6021,15 @@
           </a:p>
           <a:p>
             <a:pPr lvl="1"/>
-            <a:endParaRPr lang="en-US" sz="1600" dirty="0" smtClean="0">
+            <a:endParaRPr lang="en-US" sz="1500" dirty="0" smtClean="0">
               <a:latin typeface="Verdana" pitchFamily="34" charset="0"/>
               <a:ea typeface="Verdana" pitchFamily="34" charset="0"/>
               <a:cs typeface="Verdana" pitchFamily="34" charset="0"/>
             </a:endParaRPr>
           </a:p>
           <a:p>
-            <a:pPr lvl="1"/>
-            <a:endParaRPr lang="en-US" sz="1600" dirty="0" smtClean="0">
+            <a:pPr lvl="2"/>
+            <a:endParaRPr lang="en-US" sz="1500" dirty="0" smtClean="0">
               <a:latin typeface="Verdana" pitchFamily="34" charset="0"/>
               <a:ea typeface="Verdana" pitchFamily="34" charset="0"/>
               <a:cs typeface="Verdana" pitchFamily="34" charset="0"/>
@@ -5911,7 +6037,7 @@
           </a:p>
           <a:p>
             <a:pPr lvl="1"/>
-            <a:endParaRPr lang="en-US" sz="1600" dirty="0" smtClean="0">
+            <a:endParaRPr lang="en-US" sz="1500" dirty="0" smtClean="0">
               <a:latin typeface="Verdana" pitchFamily="34" charset="0"/>
               <a:ea typeface="Verdana" pitchFamily="34" charset="0"/>
               <a:cs typeface="Verdana" pitchFamily="34" charset="0"/>
@@ -5919,7 +6045,23 @@
           </a:p>
           <a:p>
             <a:pPr lvl="1"/>
-            <a:endParaRPr lang="en-US" sz="1600" dirty="0" smtClean="0">
+            <a:endParaRPr lang="en-US" sz="1500" dirty="0" smtClean="0">
+              <a:latin typeface="Verdana" pitchFamily="34" charset="0"/>
+              <a:ea typeface="Verdana" pitchFamily="34" charset="0"/>
+              <a:cs typeface="Verdana" pitchFamily="34" charset="0"/>
+            </a:endParaRPr>
+          </a:p>
+          <a:p>
+            <a:pPr lvl="1"/>
+            <a:endParaRPr lang="en-US" sz="1500" dirty="0" smtClean="0">
+              <a:latin typeface="Verdana" pitchFamily="34" charset="0"/>
+              <a:ea typeface="Verdana" pitchFamily="34" charset="0"/>
+              <a:cs typeface="Verdana" pitchFamily="34" charset="0"/>
+            </a:endParaRPr>
+          </a:p>
+          <a:p>
+            <a:pPr lvl="1"/>
+            <a:endParaRPr lang="en-US" sz="1500" dirty="0" smtClean="0">
               <a:latin typeface="Verdana" pitchFamily="34" charset="0"/>
               <a:ea typeface="Verdana" pitchFamily="34" charset="0"/>
               <a:cs typeface="Verdana" pitchFamily="34" charset="0"/>

--- a/Assignments.pptx
+++ b/Assignments.pptx
@@ -14,6 +14,7 @@
     <p:sldId id="263" r:id="rId8"/>
     <p:sldId id="264" r:id="rId9"/>
     <p:sldId id="262" r:id="rId10"/>
+    <p:sldId id="265" r:id="rId11"/>
   </p:sldIdLst>
   <p:sldSz cx="9144000" cy="6858000" type="screen4x3"/>
   <p:notesSz cx="6858000" cy="9144000"/>
@@ -297,7 +298,7 @@
             <a:fld id="{5D68488B-ADD2-4293-9619-2D235B81F181}" type="datetimeFigureOut">
               <a:rPr lang="en-US" smtClean="0"/>
               <a:pPr/>
-              <a:t>9/28/2022</a:t>
+              <a:t>10/11/2022</a:t>
             </a:fld>
             <a:endParaRPr lang="en-US"/>
           </a:p>
@@ -464,7 +465,7 @@
             <a:fld id="{5D68488B-ADD2-4293-9619-2D235B81F181}" type="datetimeFigureOut">
               <a:rPr lang="en-US" smtClean="0"/>
               <a:pPr/>
-              <a:t>9/28/2022</a:t>
+              <a:t>10/11/2022</a:t>
             </a:fld>
             <a:endParaRPr lang="en-US"/>
           </a:p>
@@ -641,7 +642,7 @@
             <a:fld id="{5D68488B-ADD2-4293-9619-2D235B81F181}" type="datetimeFigureOut">
               <a:rPr lang="en-US" smtClean="0"/>
               <a:pPr/>
-              <a:t>9/28/2022</a:t>
+              <a:t>10/11/2022</a:t>
             </a:fld>
             <a:endParaRPr lang="en-US"/>
           </a:p>
@@ -808,7 +809,7 @@
             <a:fld id="{5D68488B-ADD2-4293-9619-2D235B81F181}" type="datetimeFigureOut">
               <a:rPr lang="en-US" smtClean="0"/>
               <a:pPr/>
-              <a:t>9/28/2022</a:t>
+              <a:t>10/11/2022</a:t>
             </a:fld>
             <a:endParaRPr lang="en-US"/>
           </a:p>
@@ -1051,7 +1052,7 @@
             <a:fld id="{5D68488B-ADD2-4293-9619-2D235B81F181}" type="datetimeFigureOut">
               <a:rPr lang="en-US" smtClean="0"/>
               <a:pPr/>
-              <a:t>9/28/2022</a:t>
+              <a:t>10/11/2022</a:t>
             </a:fld>
             <a:endParaRPr lang="en-US"/>
           </a:p>
@@ -1336,7 +1337,7 @@
             <a:fld id="{5D68488B-ADD2-4293-9619-2D235B81F181}" type="datetimeFigureOut">
               <a:rPr lang="en-US" smtClean="0"/>
               <a:pPr/>
-              <a:t>9/28/2022</a:t>
+              <a:t>10/11/2022</a:t>
             </a:fld>
             <a:endParaRPr lang="en-US"/>
           </a:p>
@@ -1755,7 +1756,7 @@
             <a:fld id="{5D68488B-ADD2-4293-9619-2D235B81F181}" type="datetimeFigureOut">
               <a:rPr lang="en-US" smtClean="0"/>
               <a:pPr/>
-              <a:t>9/28/2022</a:t>
+              <a:t>10/11/2022</a:t>
             </a:fld>
             <a:endParaRPr lang="en-US"/>
           </a:p>
@@ -1870,7 +1871,7 @@
             <a:fld id="{5D68488B-ADD2-4293-9619-2D235B81F181}" type="datetimeFigureOut">
               <a:rPr lang="en-US" smtClean="0"/>
               <a:pPr/>
-              <a:t>9/28/2022</a:t>
+              <a:t>10/11/2022</a:t>
             </a:fld>
             <a:endParaRPr lang="en-US"/>
           </a:p>
@@ -1962,7 +1963,7 @@
             <a:fld id="{5D68488B-ADD2-4293-9619-2D235B81F181}" type="datetimeFigureOut">
               <a:rPr lang="en-US" smtClean="0"/>
               <a:pPr/>
-              <a:t>9/28/2022</a:t>
+              <a:t>10/11/2022</a:t>
             </a:fld>
             <a:endParaRPr lang="en-US"/>
           </a:p>
@@ -2236,7 +2237,7 @@
             <a:fld id="{5D68488B-ADD2-4293-9619-2D235B81F181}" type="datetimeFigureOut">
               <a:rPr lang="en-US" smtClean="0"/>
               <a:pPr/>
-              <a:t>9/28/2022</a:t>
+              <a:t>10/11/2022</a:t>
             </a:fld>
             <a:endParaRPr lang="en-US"/>
           </a:p>
@@ -2486,7 +2487,7 @@
             <a:fld id="{5D68488B-ADD2-4293-9619-2D235B81F181}" type="datetimeFigureOut">
               <a:rPr lang="en-US" smtClean="0"/>
               <a:pPr/>
-              <a:t>9/28/2022</a:t>
+              <a:t>10/11/2022</a:t>
             </a:fld>
             <a:endParaRPr lang="en-US"/>
           </a:p>
@@ -2696,7 +2697,7 @@
             <a:fld id="{5D68488B-ADD2-4293-9619-2D235B81F181}" type="datetimeFigureOut">
               <a:rPr lang="en-US" smtClean="0"/>
               <a:pPr/>
-              <a:t>9/28/2022</a:t>
+              <a:t>10/11/2022</a:t>
             </a:fld>
             <a:endParaRPr lang="en-US"/>
           </a:p>
@@ -3098,6 +3099,650 @@
 </p:sld>
 </file>
 
+<file path=ppt/slides/slide10.xml><?xml version="1.0" encoding="utf-8"?>
+<p:sld xmlns:a="http://schemas.openxmlformats.org/drawingml/2006/main" xmlns:r="http://schemas.openxmlformats.org/officeDocument/2006/relationships" xmlns:p="http://schemas.openxmlformats.org/presentationml/2006/main">
+  <p:cSld>
+    <p:spTree>
+      <p:nvGrpSpPr>
+        <p:cNvPr id="1" name=""/>
+        <p:cNvGrpSpPr/>
+        <p:nvPr/>
+      </p:nvGrpSpPr>
+      <p:grpSpPr>
+        <a:xfrm>
+          <a:off x="0" y="0"/>
+          <a:ext cx="0" cy="0"/>
+          <a:chOff x="0" y="0"/>
+          <a:chExt cx="0" cy="0"/>
+        </a:xfrm>
+      </p:grpSpPr>
+      <p:sp>
+        <p:nvSpPr>
+          <p:cNvPr id="2" name="Title 1"/>
+          <p:cNvSpPr>
+            <a:spLocks noGrp="1"/>
+          </p:cNvSpPr>
+          <p:nvPr>
+            <p:ph type="title"/>
+          </p:nvPr>
+        </p:nvSpPr>
+        <p:spPr>
+          <a:xfrm>
+            <a:off x="304800" y="152400"/>
+            <a:ext cx="8229600" cy="715962"/>
+          </a:xfrm>
+        </p:spPr>
+        <p:txBody>
+          <a:bodyPr>
+            <a:normAutofit/>
+          </a:bodyPr>
+          <a:lstStyle/>
+          <a:p>
+            <a:r>
+              <a:rPr lang="en-US" sz="2800" dirty="0" smtClean="0">
+                <a:latin typeface="Verdana" pitchFamily="34" charset="0"/>
+                <a:ea typeface="Verdana" pitchFamily="34" charset="0"/>
+                <a:cs typeface="Verdana" pitchFamily="34" charset="0"/>
+              </a:rPr>
+              <a:t>Constructor</a:t>
+            </a:r>
+            <a:endParaRPr lang="en-US" sz="2800" dirty="0">
+              <a:latin typeface="Verdana" pitchFamily="34" charset="0"/>
+              <a:ea typeface="Verdana" pitchFamily="34" charset="0"/>
+              <a:cs typeface="Verdana" pitchFamily="34" charset="0"/>
+            </a:endParaRPr>
+          </a:p>
+        </p:txBody>
+      </p:sp>
+      <p:sp>
+        <p:nvSpPr>
+          <p:cNvPr id="3" name="Content Placeholder 2"/>
+          <p:cNvSpPr>
+            <a:spLocks noGrp="1"/>
+          </p:cNvSpPr>
+          <p:nvPr>
+            <p:ph idx="1"/>
+          </p:nvPr>
+        </p:nvSpPr>
+        <p:spPr>
+          <a:xfrm>
+            <a:off x="0" y="762000"/>
+            <a:ext cx="9144000" cy="4419600"/>
+          </a:xfrm>
+        </p:spPr>
+        <p:txBody>
+          <a:bodyPr>
+            <a:noAutofit/>
+          </a:bodyPr>
+          <a:lstStyle/>
+          <a:p>
+            <a:pPr lvl="1"/>
+            <a:r>
+              <a:rPr lang="en-US" sz="1400" dirty="0" smtClean="0">
+                <a:latin typeface="Verdana" pitchFamily="34" charset="0"/>
+                <a:ea typeface="Verdana" pitchFamily="34" charset="0"/>
+                <a:cs typeface="Verdana" pitchFamily="34" charset="0"/>
+              </a:rPr>
+              <a:t>Write a program for products</a:t>
+            </a:r>
+          </a:p>
+          <a:p>
+            <a:pPr lvl="2"/>
+            <a:r>
+              <a:rPr lang="en-US" sz="1400" dirty="0" smtClean="0">
+                <a:latin typeface="Verdana" pitchFamily="34" charset="0"/>
+                <a:ea typeface="Verdana" pitchFamily="34" charset="0"/>
+                <a:cs typeface="Verdana" pitchFamily="34" charset="0"/>
+              </a:rPr>
+              <a:t>Product has-a </a:t>
+            </a:r>
+            <a:r>
+              <a:rPr lang="en-US" sz="1400" dirty="0" err="1" smtClean="0">
+                <a:latin typeface="Verdana" pitchFamily="34" charset="0"/>
+                <a:ea typeface="Verdana" pitchFamily="34" charset="0"/>
+                <a:cs typeface="Verdana" pitchFamily="34" charset="0"/>
+              </a:rPr>
+              <a:t>name,quantity,price</a:t>
+            </a:r>
+            <a:endParaRPr lang="en-US" sz="1400" dirty="0" smtClean="0">
+              <a:latin typeface="Verdana" pitchFamily="34" charset="0"/>
+              <a:ea typeface="Verdana" pitchFamily="34" charset="0"/>
+              <a:cs typeface="Verdana" pitchFamily="34" charset="0"/>
+            </a:endParaRPr>
+          </a:p>
+          <a:p>
+            <a:pPr lvl="2"/>
+            <a:r>
+              <a:rPr lang="en-US" sz="1400" dirty="0" smtClean="0">
+                <a:latin typeface="Verdana" pitchFamily="34" charset="0"/>
+                <a:ea typeface="Verdana" pitchFamily="34" charset="0"/>
+                <a:cs typeface="Verdana" pitchFamily="34" charset="0"/>
+              </a:rPr>
+              <a:t>User can construct product </a:t>
+            </a:r>
+          </a:p>
+          <a:p>
+            <a:pPr lvl="3"/>
+            <a:r>
+              <a:rPr lang="en-US" sz="1400" dirty="0" smtClean="0">
+                <a:latin typeface="Verdana" pitchFamily="34" charset="0"/>
+                <a:ea typeface="Verdana" pitchFamily="34" charset="0"/>
+                <a:cs typeface="Verdana" pitchFamily="34" charset="0"/>
+              </a:rPr>
+              <a:t>By name</a:t>
+            </a:r>
+          </a:p>
+          <a:p>
+            <a:pPr lvl="3"/>
+            <a:r>
+              <a:rPr lang="en-US" sz="1400" dirty="0" smtClean="0">
+                <a:latin typeface="Verdana" pitchFamily="34" charset="0"/>
+                <a:ea typeface="Verdana" pitchFamily="34" charset="0"/>
+                <a:cs typeface="Verdana" pitchFamily="34" charset="0"/>
+              </a:rPr>
+              <a:t>By name and price</a:t>
+            </a:r>
+          </a:p>
+          <a:p>
+            <a:pPr lvl="1"/>
+            <a:r>
+              <a:rPr lang="en-US" sz="1400" dirty="0" smtClean="0">
+                <a:latin typeface="Verdana" pitchFamily="34" charset="0"/>
+                <a:ea typeface="Verdana" pitchFamily="34" charset="0"/>
+                <a:cs typeface="Verdana" pitchFamily="34" charset="0"/>
+              </a:rPr>
+              <a:t>Write a program for </a:t>
+            </a:r>
+            <a:r>
+              <a:rPr lang="en-US" sz="1400" dirty="0" err="1" smtClean="0">
+                <a:latin typeface="Verdana" pitchFamily="34" charset="0"/>
+                <a:ea typeface="Verdana" pitchFamily="34" charset="0"/>
+                <a:cs typeface="Verdana" pitchFamily="34" charset="0"/>
+              </a:rPr>
+              <a:t>UserProfile</a:t>
+            </a:r>
+            <a:endParaRPr lang="en-US" sz="1400" dirty="0" smtClean="0">
+              <a:latin typeface="Verdana" pitchFamily="34" charset="0"/>
+              <a:ea typeface="Verdana" pitchFamily="34" charset="0"/>
+              <a:cs typeface="Verdana" pitchFamily="34" charset="0"/>
+            </a:endParaRPr>
+          </a:p>
+          <a:p>
+            <a:pPr lvl="2"/>
+            <a:r>
+              <a:rPr lang="en-US" sz="1400" dirty="0" err="1" smtClean="0">
+                <a:latin typeface="Verdana" pitchFamily="34" charset="0"/>
+                <a:ea typeface="Verdana" pitchFamily="34" charset="0"/>
+                <a:cs typeface="Verdana" pitchFamily="34" charset="0"/>
+              </a:rPr>
+              <a:t>UserProfile</a:t>
+            </a:r>
+            <a:r>
+              <a:rPr lang="en-US" sz="1400" dirty="0" smtClean="0">
+                <a:latin typeface="Verdana" pitchFamily="34" charset="0"/>
+                <a:ea typeface="Verdana" pitchFamily="34" charset="0"/>
+                <a:cs typeface="Verdana" pitchFamily="34" charset="0"/>
+              </a:rPr>
+              <a:t> has-a </a:t>
+            </a:r>
+            <a:r>
+              <a:rPr lang="en-US" sz="1400" dirty="0" err="1" smtClean="0">
+                <a:latin typeface="Verdana" pitchFamily="34" charset="0"/>
+                <a:ea typeface="Verdana" pitchFamily="34" charset="0"/>
+                <a:cs typeface="Verdana" pitchFamily="34" charset="0"/>
+              </a:rPr>
+              <a:t>userid,password,email,phone</a:t>
+            </a:r>
+            <a:endParaRPr lang="en-US" sz="1400" dirty="0" smtClean="0">
+              <a:latin typeface="Verdana" pitchFamily="34" charset="0"/>
+              <a:ea typeface="Verdana" pitchFamily="34" charset="0"/>
+              <a:cs typeface="Verdana" pitchFamily="34" charset="0"/>
+            </a:endParaRPr>
+          </a:p>
+          <a:p>
+            <a:pPr lvl="2"/>
+            <a:r>
+              <a:rPr lang="en-US" sz="1400" dirty="0" smtClean="0">
+                <a:latin typeface="Verdana" pitchFamily="34" charset="0"/>
+                <a:ea typeface="Verdana" pitchFamily="34" charset="0"/>
+                <a:cs typeface="Verdana" pitchFamily="34" charset="0"/>
+              </a:rPr>
+              <a:t>Can construct </a:t>
+            </a:r>
+            <a:r>
+              <a:rPr lang="en-US" sz="1400" dirty="0" err="1" smtClean="0">
+                <a:latin typeface="Verdana" pitchFamily="34" charset="0"/>
+                <a:ea typeface="Verdana" pitchFamily="34" charset="0"/>
+                <a:cs typeface="Verdana" pitchFamily="34" charset="0"/>
+              </a:rPr>
+              <a:t>Userprofile</a:t>
+            </a:r>
+            <a:endParaRPr lang="en-US" sz="1400" dirty="0" smtClean="0">
+              <a:latin typeface="Verdana" pitchFamily="34" charset="0"/>
+              <a:ea typeface="Verdana" pitchFamily="34" charset="0"/>
+              <a:cs typeface="Verdana" pitchFamily="34" charset="0"/>
+            </a:endParaRPr>
+          </a:p>
+          <a:p>
+            <a:pPr lvl="3"/>
+            <a:r>
+              <a:rPr lang="en-US" sz="1400" dirty="0" smtClean="0">
+                <a:latin typeface="Verdana" pitchFamily="34" charset="0"/>
+                <a:ea typeface="Verdana" pitchFamily="34" charset="0"/>
+                <a:cs typeface="Verdana" pitchFamily="34" charset="0"/>
+              </a:rPr>
+              <a:t>By </a:t>
+            </a:r>
+            <a:r>
+              <a:rPr lang="en-US" sz="1400" dirty="0" err="1" smtClean="0">
+                <a:latin typeface="Verdana" pitchFamily="34" charset="0"/>
+                <a:ea typeface="Verdana" pitchFamily="34" charset="0"/>
+                <a:cs typeface="Verdana" pitchFamily="34" charset="0"/>
+              </a:rPr>
+              <a:t>userid</a:t>
+            </a:r>
+            <a:r>
+              <a:rPr lang="en-US" sz="1400" dirty="0" smtClean="0">
+                <a:latin typeface="Verdana" pitchFamily="34" charset="0"/>
+                <a:ea typeface="Verdana" pitchFamily="34" charset="0"/>
+                <a:cs typeface="Verdana" pitchFamily="34" charset="0"/>
+              </a:rPr>
+              <a:t> and password</a:t>
+            </a:r>
+          </a:p>
+          <a:p>
+            <a:pPr lvl="3"/>
+            <a:r>
+              <a:rPr lang="en-US" sz="1400" dirty="0" smtClean="0">
+                <a:latin typeface="Verdana" pitchFamily="34" charset="0"/>
+                <a:ea typeface="Verdana" pitchFamily="34" charset="0"/>
+                <a:cs typeface="Verdana" pitchFamily="34" charset="0"/>
+              </a:rPr>
+              <a:t>By email and password</a:t>
+            </a:r>
+          </a:p>
+          <a:p>
+            <a:pPr lvl="3"/>
+            <a:r>
+              <a:rPr lang="en-US" sz="1400" dirty="0" smtClean="0">
+                <a:latin typeface="Verdana" pitchFamily="34" charset="0"/>
+                <a:ea typeface="Verdana" pitchFamily="34" charset="0"/>
+                <a:cs typeface="Verdana" pitchFamily="34" charset="0"/>
+              </a:rPr>
+              <a:t>By phone and password</a:t>
+            </a:r>
+          </a:p>
+          <a:p>
+            <a:pPr lvl="1"/>
+            <a:r>
+              <a:rPr lang="en-US" sz="1400" dirty="0" smtClean="0">
+                <a:latin typeface="Verdana" pitchFamily="34" charset="0"/>
+                <a:ea typeface="Verdana" pitchFamily="34" charset="0"/>
+                <a:cs typeface="Verdana" pitchFamily="34" charset="0"/>
+              </a:rPr>
+              <a:t>Write a program for Payment</a:t>
+            </a:r>
+          </a:p>
+          <a:p>
+            <a:pPr lvl="2"/>
+            <a:r>
+              <a:rPr lang="en-US" sz="1400" dirty="0" smtClean="0">
+                <a:latin typeface="Verdana" pitchFamily="34" charset="0"/>
+                <a:ea typeface="Verdana" pitchFamily="34" charset="0"/>
+                <a:cs typeface="Verdana" pitchFamily="34" charset="0"/>
+              </a:rPr>
+              <a:t>Payment has </a:t>
+            </a:r>
+            <a:r>
+              <a:rPr lang="en-US" sz="1400" dirty="0" err="1" smtClean="0">
+                <a:latin typeface="Verdana" pitchFamily="34" charset="0"/>
+                <a:ea typeface="Verdana" pitchFamily="34" charset="0"/>
+                <a:cs typeface="Verdana" pitchFamily="34" charset="0"/>
+              </a:rPr>
+              <a:t>creditCardNumber</a:t>
+            </a:r>
+            <a:r>
+              <a:rPr lang="en-US" sz="1400" dirty="0" smtClean="0">
+                <a:latin typeface="Verdana" pitchFamily="34" charset="0"/>
+                <a:ea typeface="Verdana" pitchFamily="34" charset="0"/>
+                <a:cs typeface="Verdana" pitchFamily="34" charset="0"/>
+              </a:rPr>
+              <a:t>, </a:t>
+            </a:r>
+            <a:r>
+              <a:rPr lang="en-US" sz="1400" dirty="0" err="1" smtClean="0">
+                <a:latin typeface="Verdana" pitchFamily="34" charset="0"/>
+                <a:ea typeface="Verdana" pitchFamily="34" charset="0"/>
+                <a:cs typeface="Verdana" pitchFamily="34" charset="0"/>
+              </a:rPr>
+              <a:t>creditcardExpiry,creditCardSecCode,paypalUsserid,paypalPassword</a:t>
+            </a:r>
+            <a:endParaRPr lang="en-US" sz="1400" dirty="0" smtClean="0">
+              <a:latin typeface="Verdana" pitchFamily="34" charset="0"/>
+              <a:ea typeface="Verdana" pitchFamily="34" charset="0"/>
+              <a:cs typeface="Verdana" pitchFamily="34" charset="0"/>
+            </a:endParaRPr>
+          </a:p>
+          <a:p>
+            <a:pPr lvl="2"/>
+            <a:r>
+              <a:rPr lang="en-US" sz="1400" dirty="0" smtClean="0">
+                <a:latin typeface="Verdana" pitchFamily="34" charset="0"/>
+                <a:ea typeface="Verdana" pitchFamily="34" charset="0"/>
+                <a:cs typeface="Verdana" pitchFamily="34" charset="0"/>
+              </a:rPr>
+              <a:t>Can construct payment</a:t>
+            </a:r>
+          </a:p>
+          <a:p>
+            <a:pPr lvl="3"/>
+            <a:r>
+              <a:rPr lang="en-US" sz="1400" dirty="0" smtClean="0">
+                <a:latin typeface="Verdana" pitchFamily="34" charset="0"/>
+                <a:ea typeface="Verdana" pitchFamily="34" charset="0"/>
+                <a:cs typeface="Verdana" pitchFamily="34" charset="0"/>
+              </a:rPr>
+              <a:t>By </a:t>
+            </a:r>
+            <a:r>
+              <a:rPr lang="en-US" sz="1400" dirty="0" err="1" smtClean="0">
+                <a:latin typeface="Verdana" pitchFamily="34" charset="0"/>
+                <a:ea typeface="Verdana" pitchFamily="34" charset="0"/>
+                <a:cs typeface="Verdana" pitchFamily="34" charset="0"/>
+              </a:rPr>
+              <a:t>creditCardNumber</a:t>
+            </a:r>
+            <a:r>
+              <a:rPr lang="en-US" sz="1400" dirty="0" smtClean="0">
+                <a:latin typeface="Verdana" pitchFamily="34" charset="0"/>
+                <a:ea typeface="Verdana" pitchFamily="34" charset="0"/>
+                <a:cs typeface="Verdana" pitchFamily="34" charset="0"/>
+              </a:rPr>
+              <a:t>, </a:t>
+            </a:r>
+            <a:r>
+              <a:rPr lang="en-US" sz="1400" dirty="0" err="1" smtClean="0">
+                <a:latin typeface="Verdana" pitchFamily="34" charset="0"/>
+                <a:ea typeface="Verdana" pitchFamily="34" charset="0"/>
+                <a:cs typeface="Verdana" pitchFamily="34" charset="0"/>
+              </a:rPr>
+              <a:t>creditcardExpiry,creditCardSecCode</a:t>
+            </a:r>
+            <a:endParaRPr lang="en-US" sz="1400" dirty="0" smtClean="0">
+              <a:latin typeface="Verdana" pitchFamily="34" charset="0"/>
+              <a:ea typeface="Verdana" pitchFamily="34" charset="0"/>
+              <a:cs typeface="Verdana" pitchFamily="34" charset="0"/>
+            </a:endParaRPr>
+          </a:p>
+          <a:p>
+            <a:pPr lvl="3"/>
+            <a:r>
+              <a:rPr lang="en-US" sz="1400" dirty="0" smtClean="0">
+                <a:latin typeface="Verdana" pitchFamily="34" charset="0"/>
+                <a:ea typeface="Verdana" pitchFamily="34" charset="0"/>
+                <a:cs typeface="Verdana" pitchFamily="34" charset="0"/>
+              </a:rPr>
+              <a:t>By </a:t>
+            </a:r>
+            <a:r>
+              <a:rPr lang="en-US" sz="1400" dirty="0" err="1" smtClean="0">
+                <a:latin typeface="Verdana" pitchFamily="34" charset="0"/>
+                <a:ea typeface="Verdana" pitchFamily="34" charset="0"/>
+                <a:cs typeface="Verdana" pitchFamily="34" charset="0"/>
+              </a:rPr>
+              <a:t>paypalUsserid,paypalPassword</a:t>
+            </a:r>
+            <a:endParaRPr lang="en-US" sz="1400" dirty="0" smtClean="0">
+              <a:latin typeface="Verdana" pitchFamily="34" charset="0"/>
+              <a:ea typeface="Verdana" pitchFamily="34" charset="0"/>
+              <a:cs typeface="Verdana" pitchFamily="34" charset="0"/>
+            </a:endParaRPr>
+          </a:p>
+          <a:p>
+            <a:pPr lvl="1"/>
+            <a:r>
+              <a:rPr lang="en-US" sz="1400" dirty="0" smtClean="0">
+                <a:latin typeface="Verdana" pitchFamily="34" charset="0"/>
+                <a:ea typeface="Verdana" pitchFamily="34" charset="0"/>
+                <a:cs typeface="Verdana" pitchFamily="34" charset="0"/>
+              </a:rPr>
+              <a:t>Write a program for </a:t>
+            </a:r>
+            <a:r>
+              <a:rPr lang="en-US" sz="1400" dirty="0" err="1" smtClean="0">
+                <a:latin typeface="Verdana" pitchFamily="34" charset="0"/>
+                <a:ea typeface="Verdana" pitchFamily="34" charset="0"/>
+                <a:cs typeface="Verdana" pitchFamily="34" charset="0"/>
+              </a:rPr>
+              <a:t>MoneyTransfer</a:t>
+            </a:r>
+            <a:endParaRPr lang="en-US" sz="1400" dirty="0" smtClean="0">
+              <a:latin typeface="Verdana" pitchFamily="34" charset="0"/>
+              <a:ea typeface="Verdana" pitchFamily="34" charset="0"/>
+              <a:cs typeface="Verdana" pitchFamily="34" charset="0"/>
+            </a:endParaRPr>
+          </a:p>
+          <a:p>
+            <a:pPr lvl="2"/>
+            <a:r>
+              <a:rPr lang="en-US" sz="1400" dirty="0" err="1" smtClean="0">
+                <a:latin typeface="Verdana" pitchFamily="34" charset="0"/>
+                <a:ea typeface="Verdana" pitchFamily="34" charset="0"/>
+                <a:cs typeface="Verdana" pitchFamily="34" charset="0"/>
+              </a:rPr>
+              <a:t>MoneyTransfer</a:t>
+            </a:r>
+            <a:r>
+              <a:rPr lang="en-US" sz="1400" dirty="0" smtClean="0">
+                <a:latin typeface="Verdana" pitchFamily="34" charset="0"/>
+                <a:ea typeface="Verdana" pitchFamily="34" charset="0"/>
+                <a:cs typeface="Verdana" pitchFamily="34" charset="0"/>
+              </a:rPr>
+              <a:t> has-a </a:t>
+            </a:r>
+            <a:r>
+              <a:rPr lang="en-US" sz="1400" dirty="0" err="1" smtClean="0">
+                <a:latin typeface="Verdana" pitchFamily="34" charset="0"/>
+                <a:ea typeface="Verdana" pitchFamily="34" charset="0"/>
+                <a:cs typeface="Verdana" pitchFamily="34" charset="0"/>
+              </a:rPr>
+              <a:t>receiverAccountNumber</a:t>
+            </a:r>
+            <a:r>
+              <a:rPr lang="en-US" sz="1400" dirty="0" smtClean="0">
+                <a:latin typeface="Verdana" pitchFamily="34" charset="0"/>
+                <a:ea typeface="Verdana" pitchFamily="34" charset="0"/>
+                <a:cs typeface="Verdana" pitchFamily="34" charset="0"/>
+              </a:rPr>
+              <a:t>, </a:t>
+            </a:r>
+            <a:r>
+              <a:rPr lang="en-US" sz="1400" dirty="0" err="1" smtClean="0">
+                <a:latin typeface="Verdana" pitchFamily="34" charset="0"/>
+                <a:ea typeface="Verdana" pitchFamily="34" charset="0"/>
+                <a:cs typeface="Verdana" pitchFamily="34" charset="0"/>
+              </a:rPr>
+              <a:t>ReceiverPhone,ReceiverEmail,Amount</a:t>
+            </a:r>
+            <a:endParaRPr lang="en-US" sz="1400" dirty="0" smtClean="0">
+              <a:latin typeface="Verdana" pitchFamily="34" charset="0"/>
+              <a:ea typeface="Verdana" pitchFamily="34" charset="0"/>
+              <a:cs typeface="Verdana" pitchFamily="34" charset="0"/>
+            </a:endParaRPr>
+          </a:p>
+          <a:p>
+            <a:pPr lvl="2"/>
+            <a:r>
+              <a:rPr lang="en-US" sz="1400" dirty="0" smtClean="0">
+                <a:latin typeface="Verdana" pitchFamily="34" charset="0"/>
+                <a:ea typeface="Verdana" pitchFamily="34" charset="0"/>
+                <a:cs typeface="Verdana" pitchFamily="34" charset="0"/>
+              </a:rPr>
+              <a:t>Can construct </a:t>
+            </a:r>
+            <a:r>
+              <a:rPr lang="en-US" sz="1400" dirty="0" err="1" smtClean="0">
+                <a:latin typeface="Verdana" pitchFamily="34" charset="0"/>
+                <a:ea typeface="Verdana" pitchFamily="34" charset="0"/>
+                <a:cs typeface="Verdana" pitchFamily="34" charset="0"/>
+              </a:rPr>
+              <a:t>MoneyTransfer</a:t>
+            </a:r>
+            <a:r>
+              <a:rPr lang="en-US" sz="1400" dirty="0" smtClean="0">
+                <a:latin typeface="Verdana" pitchFamily="34" charset="0"/>
+                <a:ea typeface="Verdana" pitchFamily="34" charset="0"/>
+                <a:cs typeface="Verdana" pitchFamily="34" charset="0"/>
+              </a:rPr>
+              <a:t> </a:t>
+            </a:r>
+          </a:p>
+          <a:p>
+            <a:pPr lvl="3"/>
+            <a:r>
+              <a:rPr lang="en-US" sz="1400" dirty="0" smtClean="0">
+                <a:latin typeface="Verdana" pitchFamily="34" charset="0"/>
+                <a:ea typeface="Verdana" pitchFamily="34" charset="0"/>
+                <a:cs typeface="Verdana" pitchFamily="34" charset="0"/>
+              </a:rPr>
+              <a:t>By </a:t>
+            </a:r>
+            <a:r>
+              <a:rPr lang="en-US" sz="1400" dirty="0" err="1" smtClean="0">
+                <a:latin typeface="Verdana" pitchFamily="34" charset="0"/>
+                <a:ea typeface="Verdana" pitchFamily="34" charset="0"/>
+                <a:cs typeface="Verdana" pitchFamily="34" charset="0"/>
+              </a:rPr>
+              <a:t>receiverAccountNumber</a:t>
+            </a:r>
+            <a:r>
+              <a:rPr lang="en-US" sz="1400" dirty="0" smtClean="0">
+                <a:latin typeface="Verdana" pitchFamily="34" charset="0"/>
+                <a:ea typeface="Verdana" pitchFamily="34" charset="0"/>
+                <a:cs typeface="Verdana" pitchFamily="34" charset="0"/>
+              </a:rPr>
+              <a:t> and amount</a:t>
+            </a:r>
+          </a:p>
+          <a:p>
+            <a:pPr lvl="3"/>
+            <a:r>
+              <a:rPr lang="en-US" sz="1400" dirty="0" smtClean="0">
+                <a:latin typeface="Verdana" pitchFamily="34" charset="0"/>
+                <a:ea typeface="Verdana" pitchFamily="34" charset="0"/>
+                <a:cs typeface="Verdana" pitchFamily="34" charset="0"/>
+              </a:rPr>
+              <a:t>By </a:t>
+            </a:r>
+            <a:r>
+              <a:rPr lang="en-US" sz="1400" dirty="0" err="1" smtClean="0">
+                <a:latin typeface="Verdana" pitchFamily="34" charset="0"/>
+                <a:ea typeface="Verdana" pitchFamily="34" charset="0"/>
+                <a:cs typeface="Verdana" pitchFamily="34" charset="0"/>
+              </a:rPr>
+              <a:t>receiverPhoen</a:t>
+            </a:r>
+            <a:r>
+              <a:rPr lang="en-US" sz="1400" dirty="0" smtClean="0">
+                <a:latin typeface="Verdana" pitchFamily="34" charset="0"/>
+                <a:ea typeface="Verdana" pitchFamily="34" charset="0"/>
+                <a:cs typeface="Verdana" pitchFamily="34" charset="0"/>
+              </a:rPr>
+              <a:t> and amount</a:t>
+            </a:r>
+          </a:p>
+          <a:p>
+            <a:pPr lvl="3"/>
+            <a:r>
+              <a:rPr lang="en-US" sz="1400" dirty="0" smtClean="0">
+                <a:latin typeface="Verdana" pitchFamily="34" charset="0"/>
+                <a:ea typeface="Verdana" pitchFamily="34" charset="0"/>
+                <a:cs typeface="Verdana" pitchFamily="34" charset="0"/>
+              </a:rPr>
+              <a:t>By </a:t>
+            </a:r>
+            <a:r>
+              <a:rPr lang="en-US" sz="1400" dirty="0" err="1" smtClean="0">
+                <a:latin typeface="Verdana" pitchFamily="34" charset="0"/>
+                <a:ea typeface="Verdana" pitchFamily="34" charset="0"/>
+                <a:cs typeface="Verdana" pitchFamily="34" charset="0"/>
+              </a:rPr>
+              <a:t>ReceiverEmail</a:t>
+            </a:r>
+            <a:r>
+              <a:rPr lang="en-US" sz="1400" dirty="0" smtClean="0">
+                <a:latin typeface="Verdana" pitchFamily="34" charset="0"/>
+                <a:ea typeface="Verdana" pitchFamily="34" charset="0"/>
+                <a:cs typeface="Verdana" pitchFamily="34" charset="0"/>
+              </a:rPr>
+              <a:t> and amount</a:t>
+            </a:r>
+            <a:endParaRPr lang="en-US" sz="1400" dirty="0" smtClean="0">
+              <a:latin typeface="Verdana" pitchFamily="34" charset="0"/>
+              <a:ea typeface="Verdana" pitchFamily="34" charset="0"/>
+              <a:cs typeface="Verdana" pitchFamily="34" charset="0"/>
+            </a:endParaRPr>
+          </a:p>
+        </p:txBody>
+      </p:sp>
+      <p:sp>
+        <p:nvSpPr>
+          <p:cNvPr id="7" name="Action Button: Home 6">
+            <a:hlinkClick r:id="rId2" action="ppaction://hlinksldjump" highlightClick="1"/>
+          </p:cNvPr>
+          <p:cNvSpPr/>
+          <p:nvPr/>
+        </p:nvSpPr>
+        <p:spPr>
+          <a:xfrm>
+            <a:off x="8763000" y="6553200"/>
+            <a:ext cx="381000" cy="304800"/>
+          </a:xfrm>
+          <a:prstGeom prst="actionButtonHome">
+            <a:avLst/>
+          </a:prstGeom>
+          <a:noFill/>
+        </p:spPr>
+        <p:style>
+          <a:lnRef idx="2">
+            <a:schemeClr val="accent1">
+              <a:shade val="50000"/>
+            </a:schemeClr>
+          </a:lnRef>
+          <a:fillRef idx="1">
+            <a:schemeClr val="accent1"/>
+          </a:fillRef>
+          <a:effectRef idx="0">
+            <a:schemeClr val="accent1"/>
+          </a:effectRef>
+          <a:fontRef idx="minor">
+            <a:schemeClr val="lt1"/>
+          </a:fontRef>
+        </p:style>
+        <p:txBody>
+          <a:bodyPr rtlCol="0" anchor="ctr"/>
+          <a:lstStyle/>
+          <a:p>
+            <a:pPr algn="ctr"/>
+            <a:endParaRPr lang="en-US"/>
+          </a:p>
+        </p:txBody>
+      </p:sp>
+    </p:spTree>
+  </p:cSld>
+  <p:clrMapOvr>
+    <a:masterClrMapping/>
+  </p:clrMapOvr>
+  <p:timing>
+    <p:tnLst>
+      <p:par>
+        <p:cTn id="1" dur="indefinite" restart="never" nodeType="tmRoot"/>
+      </p:par>
+    </p:tnLst>
+  </p:timing>
+</p:sld>
+</file>
+
 <file path=ppt/slides/slide2.xml><?xml version="1.0" encoding="utf-8"?>
 <p:sld xmlns:a="http://schemas.openxmlformats.org/drawingml/2006/main" xmlns:r="http://schemas.openxmlformats.org/officeDocument/2006/relationships" xmlns:p="http://schemas.openxmlformats.org/presentationml/2006/main">
   <p:cSld>
@@ -5926,15 +6571,7 @@
                 <a:ea typeface="Verdana" pitchFamily="34" charset="0"/>
                 <a:cs typeface="Verdana" pitchFamily="34" charset="0"/>
               </a:rPr>
-              <a:t>Write </a:t>
-            </a:r>
-            <a:r>
-              <a:rPr lang="en-US" sz="1500" dirty="0" smtClean="0">
-                <a:latin typeface="Verdana" pitchFamily="34" charset="0"/>
-                <a:ea typeface="Verdana" pitchFamily="34" charset="0"/>
-                <a:cs typeface="Verdana" pitchFamily="34" charset="0"/>
-              </a:rPr>
-              <a:t>a method that takes number as input using while loop</a:t>
+              <a:t>Write a method that takes number as input using while loop</a:t>
             </a:r>
           </a:p>
           <a:p>
@@ -5956,15 +6593,7 @@
                 <a:ea typeface="Verdana" pitchFamily="34" charset="0"/>
                 <a:cs typeface="Verdana" pitchFamily="34" charset="0"/>
               </a:rPr>
-              <a:t>Write </a:t>
-            </a:r>
-            <a:r>
-              <a:rPr lang="en-US" sz="1500" dirty="0" smtClean="0">
-                <a:latin typeface="Verdana" pitchFamily="34" charset="0"/>
-                <a:ea typeface="Verdana" pitchFamily="34" charset="0"/>
-                <a:cs typeface="Verdana" pitchFamily="34" charset="0"/>
-              </a:rPr>
-              <a:t>a method to print menu items (use Switch case)</a:t>
+              <a:t>Write a method to print menu items (use Switch case)</a:t>
             </a:r>
           </a:p>
           <a:p>

--- a/Assignments.pptx
+++ b/Assignments.pptx
@@ -15,6 +15,8 @@
     <p:sldId id="264" r:id="rId9"/>
     <p:sldId id="262" r:id="rId10"/>
     <p:sldId id="265" r:id="rId11"/>
+    <p:sldId id="266" r:id="rId12"/>
+    <p:sldId id="267" r:id="rId13"/>
   </p:sldIdLst>
   <p:sldSz cx="9144000" cy="6858000" type="screen4x3"/>
   <p:notesSz cx="6858000" cy="9144000"/>
@@ -298,7 +300,7 @@
             <a:fld id="{5D68488B-ADD2-4293-9619-2D235B81F181}" type="datetimeFigureOut">
               <a:rPr lang="en-US" smtClean="0"/>
               <a:pPr/>
-              <a:t>10/11/2022</a:t>
+              <a:t>10/12/2022</a:t>
             </a:fld>
             <a:endParaRPr lang="en-US"/>
           </a:p>
@@ -465,7 +467,7 @@
             <a:fld id="{5D68488B-ADD2-4293-9619-2D235B81F181}" type="datetimeFigureOut">
               <a:rPr lang="en-US" smtClean="0"/>
               <a:pPr/>
-              <a:t>10/11/2022</a:t>
+              <a:t>10/12/2022</a:t>
             </a:fld>
             <a:endParaRPr lang="en-US"/>
           </a:p>
@@ -642,7 +644,7 @@
             <a:fld id="{5D68488B-ADD2-4293-9619-2D235B81F181}" type="datetimeFigureOut">
               <a:rPr lang="en-US" smtClean="0"/>
               <a:pPr/>
-              <a:t>10/11/2022</a:t>
+              <a:t>10/12/2022</a:t>
             </a:fld>
             <a:endParaRPr lang="en-US"/>
           </a:p>
@@ -809,7 +811,7 @@
             <a:fld id="{5D68488B-ADD2-4293-9619-2D235B81F181}" type="datetimeFigureOut">
               <a:rPr lang="en-US" smtClean="0"/>
               <a:pPr/>
-              <a:t>10/11/2022</a:t>
+              <a:t>10/12/2022</a:t>
             </a:fld>
             <a:endParaRPr lang="en-US"/>
           </a:p>
@@ -1052,7 +1054,7 @@
             <a:fld id="{5D68488B-ADD2-4293-9619-2D235B81F181}" type="datetimeFigureOut">
               <a:rPr lang="en-US" smtClean="0"/>
               <a:pPr/>
-              <a:t>10/11/2022</a:t>
+              <a:t>10/12/2022</a:t>
             </a:fld>
             <a:endParaRPr lang="en-US"/>
           </a:p>
@@ -1337,7 +1339,7 @@
             <a:fld id="{5D68488B-ADD2-4293-9619-2D235B81F181}" type="datetimeFigureOut">
               <a:rPr lang="en-US" smtClean="0"/>
               <a:pPr/>
-              <a:t>10/11/2022</a:t>
+              <a:t>10/12/2022</a:t>
             </a:fld>
             <a:endParaRPr lang="en-US"/>
           </a:p>
@@ -1756,7 +1758,7 @@
             <a:fld id="{5D68488B-ADD2-4293-9619-2D235B81F181}" type="datetimeFigureOut">
               <a:rPr lang="en-US" smtClean="0"/>
               <a:pPr/>
-              <a:t>10/11/2022</a:t>
+              <a:t>10/12/2022</a:t>
             </a:fld>
             <a:endParaRPr lang="en-US"/>
           </a:p>
@@ -1871,7 +1873,7 @@
             <a:fld id="{5D68488B-ADD2-4293-9619-2D235B81F181}" type="datetimeFigureOut">
               <a:rPr lang="en-US" smtClean="0"/>
               <a:pPr/>
-              <a:t>10/11/2022</a:t>
+              <a:t>10/12/2022</a:t>
             </a:fld>
             <a:endParaRPr lang="en-US"/>
           </a:p>
@@ -1963,7 +1965,7 @@
             <a:fld id="{5D68488B-ADD2-4293-9619-2D235B81F181}" type="datetimeFigureOut">
               <a:rPr lang="en-US" smtClean="0"/>
               <a:pPr/>
-              <a:t>10/11/2022</a:t>
+              <a:t>10/12/2022</a:t>
             </a:fld>
             <a:endParaRPr lang="en-US"/>
           </a:p>
@@ -2237,7 +2239,7 @@
             <a:fld id="{5D68488B-ADD2-4293-9619-2D235B81F181}" type="datetimeFigureOut">
               <a:rPr lang="en-US" smtClean="0"/>
               <a:pPr/>
-              <a:t>10/11/2022</a:t>
+              <a:t>10/12/2022</a:t>
             </a:fld>
             <a:endParaRPr lang="en-US"/>
           </a:p>
@@ -2487,7 +2489,7 @@
             <a:fld id="{5D68488B-ADD2-4293-9619-2D235B81F181}" type="datetimeFigureOut">
               <a:rPr lang="en-US" smtClean="0"/>
               <a:pPr/>
-              <a:t>10/11/2022</a:t>
+              <a:t>10/12/2022</a:t>
             </a:fld>
             <a:endParaRPr lang="en-US"/>
           </a:p>
@@ -2697,7 +2699,7 @@
             <a:fld id="{5D68488B-ADD2-4293-9619-2D235B81F181}" type="datetimeFigureOut">
               <a:rPr lang="en-US" smtClean="0"/>
               <a:pPr/>
-              <a:t>10/11/2022</a:t>
+              <a:t>10/12/2022</a:t>
             </a:fld>
             <a:endParaRPr lang="en-US"/>
           </a:p>
@@ -3677,6 +3679,1579 @@
               </a:rPr>
               <a:t> and amount</a:t>
             </a:r>
+          </a:p>
+        </p:txBody>
+      </p:sp>
+      <p:sp>
+        <p:nvSpPr>
+          <p:cNvPr id="7" name="Action Button: Home 6">
+            <a:hlinkClick r:id="rId2" action="ppaction://hlinksldjump" highlightClick="1"/>
+          </p:cNvPr>
+          <p:cNvSpPr/>
+          <p:nvPr/>
+        </p:nvSpPr>
+        <p:spPr>
+          <a:xfrm>
+            <a:off x="8763000" y="6553200"/>
+            <a:ext cx="381000" cy="304800"/>
+          </a:xfrm>
+          <a:prstGeom prst="actionButtonHome">
+            <a:avLst/>
+          </a:prstGeom>
+          <a:noFill/>
+        </p:spPr>
+        <p:style>
+          <a:lnRef idx="2">
+            <a:schemeClr val="accent1">
+              <a:shade val="50000"/>
+            </a:schemeClr>
+          </a:lnRef>
+          <a:fillRef idx="1">
+            <a:schemeClr val="accent1"/>
+          </a:fillRef>
+          <a:effectRef idx="0">
+            <a:schemeClr val="accent1"/>
+          </a:effectRef>
+          <a:fontRef idx="minor">
+            <a:schemeClr val="lt1"/>
+          </a:fontRef>
+        </p:style>
+        <p:txBody>
+          <a:bodyPr rtlCol="0" anchor="ctr"/>
+          <a:lstStyle/>
+          <a:p>
+            <a:pPr algn="ctr"/>
+            <a:endParaRPr lang="en-US"/>
+          </a:p>
+        </p:txBody>
+      </p:sp>
+    </p:spTree>
+  </p:cSld>
+  <p:clrMapOvr>
+    <a:masterClrMapping/>
+  </p:clrMapOvr>
+  <p:timing>
+    <p:tnLst>
+      <p:par>
+        <p:cTn id="1" dur="indefinite" restart="never" nodeType="tmRoot"/>
+      </p:par>
+    </p:tnLst>
+  </p:timing>
+</p:sld>
+</file>
+
+<file path=ppt/slides/slide11.xml><?xml version="1.0" encoding="utf-8"?>
+<p:sld xmlns:a="http://schemas.openxmlformats.org/drawingml/2006/main" xmlns:r="http://schemas.openxmlformats.org/officeDocument/2006/relationships" xmlns:p="http://schemas.openxmlformats.org/presentationml/2006/main">
+  <p:cSld>
+    <p:spTree>
+      <p:nvGrpSpPr>
+        <p:cNvPr id="1" name=""/>
+        <p:cNvGrpSpPr/>
+        <p:nvPr/>
+      </p:nvGrpSpPr>
+      <p:grpSpPr>
+        <a:xfrm>
+          <a:off x="0" y="0"/>
+          <a:ext cx="0" cy="0"/>
+          <a:chOff x="0" y="0"/>
+          <a:chExt cx="0" cy="0"/>
+        </a:xfrm>
+      </p:grpSpPr>
+      <p:sp>
+        <p:nvSpPr>
+          <p:cNvPr id="2" name="Title 1"/>
+          <p:cNvSpPr>
+            <a:spLocks noGrp="1"/>
+          </p:cNvSpPr>
+          <p:nvPr>
+            <p:ph type="title"/>
+          </p:nvPr>
+        </p:nvSpPr>
+        <p:spPr>
+          <a:xfrm>
+            <a:off x="304800" y="152400"/>
+            <a:ext cx="8229600" cy="715962"/>
+          </a:xfrm>
+        </p:spPr>
+        <p:txBody>
+          <a:bodyPr>
+            <a:normAutofit fontScale="90000"/>
+          </a:bodyPr>
+          <a:lstStyle/>
+          <a:p>
+            <a:r>
+              <a:rPr lang="en-US" sz="2800" dirty="0" smtClean="0">
+                <a:latin typeface="Verdana" pitchFamily="34" charset="0"/>
+                <a:ea typeface="Verdana" pitchFamily="34" charset="0"/>
+                <a:cs typeface="Verdana" pitchFamily="34" charset="0"/>
+              </a:rPr>
+              <a:t>Inheritance- super/parent and sub/child class</a:t>
+            </a:r>
+            <a:endParaRPr lang="en-US" sz="2800" dirty="0">
+              <a:latin typeface="Verdana" pitchFamily="34" charset="0"/>
+              <a:ea typeface="Verdana" pitchFamily="34" charset="0"/>
+              <a:cs typeface="Verdana" pitchFamily="34" charset="0"/>
+            </a:endParaRPr>
+          </a:p>
+        </p:txBody>
+      </p:sp>
+      <p:sp>
+        <p:nvSpPr>
+          <p:cNvPr id="3" name="Content Placeholder 2"/>
+          <p:cNvSpPr>
+            <a:spLocks noGrp="1"/>
+          </p:cNvSpPr>
+          <p:nvPr>
+            <p:ph idx="1"/>
+          </p:nvPr>
+        </p:nvSpPr>
+        <p:spPr>
+          <a:xfrm>
+            <a:off x="-304800" y="762000"/>
+            <a:ext cx="9448800" cy="4419600"/>
+          </a:xfrm>
+        </p:spPr>
+        <p:txBody>
+          <a:bodyPr>
+            <a:noAutofit/>
+          </a:bodyPr>
+          <a:lstStyle/>
+          <a:p>
+            <a:pPr lvl="1"/>
+            <a:r>
+              <a:rPr lang="en-US" sz="1400" dirty="0" smtClean="0">
+                <a:latin typeface="Verdana" pitchFamily="34" charset="0"/>
+                <a:ea typeface="Verdana" pitchFamily="34" charset="0"/>
+                <a:cs typeface="Verdana" pitchFamily="34" charset="0"/>
+              </a:rPr>
+              <a:t>Write a </a:t>
+            </a:r>
+            <a:r>
+              <a:rPr lang="en-US" sz="1400" dirty="0" smtClean="0">
+                <a:latin typeface="Verdana" pitchFamily="34" charset="0"/>
+                <a:ea typeface="Verdana" pitchFamily="34" charset="0"/>
+                <a:cs typeface="Verdana" pitchFamily="34" charset="0"/>
+              </a:rPr>
+              <a:t>program for </a:t>
+            </a:r>
+            <a:r>
+              <a:rPr lang="en-US" sz="1400" dirty="0" err="1" smtClean="0">
+                <a:latin typeface="Verdana" pitchFamily="34" charset="0"/>
+                <a:ea typeface="Verdana" pitchFamily="34" charset="0"/>
+                <a:cs typeface="Verdana" pitchFamily="34" charset="0"/>
+              </a:rPr>
+              <a:t>calcualator</a:t>
+            </a:r>
+            <a:endParaRPr lang="en-US" sz="1400" dirty="0" smtClean="0">
+              <a:latin typeface="Verdana" pitchFamily="34" charset="0"/>
+              <a:ea typeface="Verdana" pitchFamily="34" charset="0"/>
+              <a:cs typeface="Verdana" pitchFamily="34" charset="0"/>
+            </a:endParaRPr>
+          </a:p>
+          <a:p>
+            <a:pPr lvl="2"/>
+            <a:r>
+              <a:rPr lang="en-US" sz="1400" dirty="0" smtClean="0">
+                <a:latin typeface="Verdana" pitchFamily="34" charset="0"/>
+                <a:ea typeface="Verdana" pitchFamily="34" charset="0"/>
+                <a:cs typeface="Verdana" pitchFamily="34" charset="0"/>
+              </a:rPr>
+              <a:t>Method add that takes 2 </a:t>
+            </a:r>
+            <a:r>
+              <a:rPr lang="en-US" sz="1400" dirty="0" err="1" smtClean="0">
+                <a:latin typeface="Verdana" pitchFamily="34" charset="0"/>
+                <a:ea typeface="Verdana" pitchFamily="34" charset="0"/>
+                <a:cs typeface="Verdana" pitchFamily="34" charset="0"/>
+              </a:rPr>
+              <a:t>int</a:t>
+            </a:r>
+            <a:r>
+              <a:rPr lang="en-US" sz="1400" dirty="0" smtClean="0">
+                <a:latin typeface="Verdana" pitchFamily="34" charset="0"/>
+                <a:ea typeface="Verdana" pitchFamily="34" charset="0"/>
+                <a:cs typeface="Verdana" pitchFamily="34" charset="0"/>
+              </a:rPr>
+              <a:t> input and returns </a:t>
+            </a:r>
+            <a:r>
+              <a:rPr lang="en-US" sz="1400" dirty="0" err="1" smtClean="0">
+                <a:latin typeface="Verdana" pitchFamily="34" charset="0"/>
+                <a:ea typeface="Verdana" pitchFamily="34" charset="0"/>
+                <a:cs typeface="Verdana" pitchFamily="34" charset="0"/>
+              </a:rPr>
+              <a:t>int</a:t>
+            </a:r>
+            <a:endParaRPr lang="en-US" sz="1400" dirty="0" smtClean="0">
+              <a:latin typeface="Verdana" pitchFamily="34" charset="0"/>
+              <a:ea typeface="Verdana" pitchFamily="34" charset="0"/>
+              <a:cs typeface="Verdana" pitchFamily="34" charset="0"/>
+            </a:endParaRPr>
+          </a:p>
+          <a:p>
+            <a:pPr lvl="2"/>
+            <a:r>
+              <a:rPr lang="en-US" sz="1400" dirty="0" smtClean="0">
+                <a:latin typeface="Verdana" pitchFamily="34" charset="0"/>
+                <a:ea typeface="Verdana" pitchFamily="34" charset="0"/>
+                <a:cs typeface="Verdana" pitchFamily="34" charset="0"/>
+              </a:rPr>
+              <a:t>Method </a:t>
+            </a:r>
+            <a:r>
+              <a:rPr lang="en-US" sz="1400" dirty="0" smtClean="0">
+                <a:latin typeface="Verdana" pitchFamily="34" charset="0"/>
+                <a:ea typeface="Verdana" pitchFamily="34" charset="0"/>
+                <a:cs typeface="Verdana" pitchFamily="34" charset="0"/>
+              </a:rPr>
+              <a:t>sub that </a:t>
+            </a:r>
+            <a:r>
+              <a:rPr lang="en-US" sz="1400" dirty="0" smtClean="0">
+                <a:latin typeface="Verdana" pitchFamily="34" charset="0"/>
+                <a:ea typeface="Verdana" pitchFamily="34" charset="0"/>
+                <a:cs typeface="Verdana" pitchFamily="34" charset="0"/>
+              </a:rPr>
+              <a:t>takes 2 </a:t>
+            </a:r>
+            <a:r>
+              <a:rPr lang="en-US" sz="1400" dirty="0" err="1" smtClean="0">
+                <a:latin typeface="Verdana" pitchFamily="34" charset="0"/>
+                <a:ea typeface="Verdana" pitchFamily="34" charset="0"/>
+                <a:cs typeface="Verdana" pitchFamily="34" charset="0"/>
+              </a:rPr>
+              <a:t>int</a:t>
+            </a:r>
+            <a:r>
+              <a:rPr lang="en-US" sz="1400" dirty="0" smtClean="0">
+                <a:latin typeface="Verdana" pitchFamily="34" charset="0"/>
+                <a:ea typeface="Verdana" pitchFamily="34" charset="0"/>
+                <a:cs typeface="Verdana" pitchFamily="34" charset="0"/>
+              </a:rPr>
+              <a:t> input and returns </a:t>
+            </a:r>
+            <a:r>
+              <a:rPr lang="en-US" sz="1400" dirty="0" err="1" smtClean="0">
+                <a:latin typeface="Verdana" pitchFamily="34" charset="0"/>
+                <a:ea typeface="Verdana" pitchFamily="34" charset="0"/>
+                <a:cs typeface="Verdana" pitchFamily="34" charset="0"/>
+              </a:rPr>
+              <a:t>int</a:t>
+            </a:r>
+            <a:endParaRPr lang="en-US" sz="1400" dirty="0" smtClean="0">
+              <a:latin typeface="Verdana" pitchFamily="34" charset="0"/>
+              <a:ea typeface="Verdana" pitchFamily="34" charset="0"/>
+              <a:cs typeface="Verdana" pitchFamily="34" charset="0"/>
+            </a:endParaRPr>
+          </a:p>
+          <a:p>
+            <a:pPr lvl="2"/>
+            <a:r>
+              <a:rPr lang="en-US" sz="1400" dirty="0" smtClean="0">
+                <a:latin typeface="Verdana" pitchFamily="34" charset="0"/>
+                <a:ea typeface="Verdana" pitchFamily="34" charset="0"/>
+                <a:cs typeface="Verdana" pitchFamily="34" charset="0"/>
+              </a:rPr>
+              <a:t>Method </a:t>
+            </a:r>
+            <a:r>
+              <a:rPr lang="en-US" sz="1400" dirty="0" err="1" smtClean="0">
+                <a:latin typeface="Verdana" pitchFamily="34" charset="0"/>
+                <a:ea typeface="Verdana" pitchFamily="34" charset="0"/>
+                <a:cs typeface="Verdana" pitchFamily="34" charset="0"/>
+              </a:rPr>
+              <a:t>mul</a:t>
+            </a:r>
+            <a:r>
+              <a:rPr lang="en-US" sz="1400" dirty="0" smtClean="0">
+                <a:latin typeface="Verdana" pitchFamily="34" charset="0"/>
+                <a:ea typeface="Verdana" pitchFamily="34" charset="0"/>
+                <a:cs typeface="Verdana" pitchFamily="34" charset="0"/>
+              </a:rPr>
+              <a:t> that </a:t>
+            </a:r>
+            <a:r>
+              <a:rPr lang="en-US" sz="1400" dirty="0" smtClean="0">
+                <a:latin typeface="Verdana" pitchFamily="34" charset="0"/>
+                <a:ea typeface="Verdana" pitchFamily="34" charset="0"/>
+                <a:cs typeface="Verdana" pitchFamily="34" charset="0"/>
+              </a:rPr>
+              <a:t>takes 2 </a:t>
+            </a:r>
+            <a:r>
+              <a:rPr lang="en-US" sz="1400" dirty="0" err="1" smtClean="0">
+                <a:latin typeface="Verdana" pitchFamily="34" charset="0"/>
+                <a:ea typeface="Verdana" pitchFamily="34" charset="0"/>
+                <a:cs typeface="Verdana" pitchFamily="34" charset="0"/>
+              </a:rPr>
+              <a:t>int</a:t>
+            </a:r>
+            <a:r>
+              <a:rPr lang="en-US" sz="1400" dirty="0" smtClean="0">
+                <a:latin typeface="Verdana" pitchFamily="34" charset="0"/>
+                <a:ea typeface="Verdana" pitchFamily="34" charset="0"/>
+                <a:cs typeface="Verdana" pitchFamily="34" charset="0"/>
+              </a:rPr>
+              <a:t> input and returns </a:t>
+            </a:r>
+            <a:r>
+              <a:rPr lang="en-US" sz="1400" dirty="0" err="1" smtClean="0">
+                <a:latin typeface="Verdana" pitchFamily="34" charset="0"/>
+                <a:ea typeface="Verdana" pitchFamily="34" charset="0"/>
+                <a:cs typeface="Verdana" pitchFamily="34" charset="0"/>
+              </a:rPr>
+              <a:t>int</a:t>
+            </a:r>
+            <a:endParaRPr lang="en-US" sz="1400" dirty="0" smtClean="0">
+              <a:latin typeface="Verdana" pitchFamily="34" charset="0"/>
+              <a:ea typeface="Verdana" pitchFamily="34" charset="0"/>
+              <a:cs typeface="Verdana" pitchFamily="34" charset="0"/>
+            </a:endParaRPr>
+          </a:p>
+          <a:p>
+            <a:pPr lvl="2"/>
+            <a:r>
+              <a:rPr lang="en-US" sz="1400" dirty="0" smtClean="0">
+                <a:latin typeface="Verdana" pitchFamily="34" charset="0"/>
+                <a:ea typeface="Verdana" pitchFamily="34" charset="0"/>
+                <a:cs typeface="Verdana" pitchFamily="34" charset="0"/>
+              </a:rPr>
+              <a:t>Method </a:t>
+            </a:r>
+            <a:r>
+              <a:rPr lang="en-US" sz="1400" dirty="0" smtClean="0">
+                <a:latin typeface="Verdana" pitchFamily="34" charset="0"/>
+                <a:ea typeface="Verdana" pitchFamily="34" charset="0"/>
+                <a:cs typeface="Verdana" pitchFamily="34" charset="0"/>
+              </a:rPr>
+              <a:t>div that </a:t>
+            </a:r>
+            <a:r>
+              <a:rPr lang="en-US" sz="1400" dirty="0" smtClean="0">
+                <a:latin typeface="Verdana" pitchFamily="34" charset="0"/>
+                <a:ea typeface="Verdana" pitchFamily="34" charset="0"/>
+                <a:cs typeface="Verdana" pitchFamily="34" charset="0"/>
+              </a:rPr>
+              <a:t>takes 2 </a:t>
+            </a:r>
+            <a:r>
+              <a:rPr lang="en-US" sz="1400" dirty="0" err="1" smtClean="0">
+                <a:latin typeface="Verdana" pitchFamily="34" charset="0"/>
+                <a:ea typeface="Verdana" pitchFamily="34" charset="0"/>
+                <a:cs typeface="Verdana" pitchFamily="34" charset="0"/>
+              </a:rPr>
+              <a:t>int</a:t>
+            </a:r>
+            <a:r>
+              <a:rPr lang="en-US" sz="1400" dirty="0" smtClean="0">
+                <a:latin typeface="Verdana" pitchFamily="34" charset="0"/>
+                <a:ea typeface="Verdana" pitchFamily="34" charset="0"/>
+                <a:cs typeface="Verdana" pitchFamily="34" charset="0"/>
+              </a:rPr>
+              <a:t> input and returns </a:t>
+            </a:r>
+            <a:r>
+              <a:rPr lang="en-US" sz="1400" dirty="0" err="1" smtClean="0">
+                <a:latin typeface="Verdana" pitchFamily="34" charset="0"/>
+                <a:ea typeface="Verdana" pitchFamily="34" charset="0"/>
+                <a:cs typeface="Verdana" pitchFamily="34" charset="0"/>
+              </a:rPr>
+              <a:t>int</a:t>
+            </a:r>
+            <a:endParaRPr lang="en-US" sz="1400" dirty="0" smtClean="0">
+              <a:latin typeface="Verdana" pitchFamily="34" charset="0"/>
+              <a:ea typeface="Verdana" pitchFamily="34" charset="0"/>
+              <a:cs typeface="Verdana" pitchFamily="34" charset="0"/>
+            </a:endParaRPr>
+          </a:p>
+          <a:p>
+            <a:pPr lvl="1"/>
+            <a:r>
+              <a:rPr lang="en-US" sz="1400" dirty="0" smtClean="0">
+                <a:latin typeface="Verdana" pitchFamily="34" charset="0"/>
+                <a:ea typeface="Verdana" pitchFamily="34" charset="0"/>
+                <a:cs typeface="Verdana" pitchFamily="34" charset="0"/>
+              </a:rPr>
+              <a:t>Write a program for </a:t>
+            </a:r>
+            <a:r>
+              <a:rPr lang="en-US" sz="1400" dirty="0" err="1" smtClean="0">
+                <a:latin typeface="Verdana" pitchFamily="34" charset="0"/>
+                <a:ea typeface="Verdana" pitchFamily="34" charset="0"/>
+                <a:cs typeface="Verdana" pitchFamily="34" charset="0"/>
+              </a:rPr>
+              <a:t>advancedCalculator</a:t>
+            </a:r>
+            <a:r>
+              <a:rPr lang="en-US" sz="1400" dirty="0" smtClean="0">
+                <a:latin typeface="Verdana" pitchFamily="34" charset="0"/>
+                <a:ea typeface="Verdana" pitchFamily="34" charset="0"/>
+                <a:cs typeface="Verdana" pitchFamily="34" charset="0"/>
+              </a:rPr>
+              <a:t> </a:t>
+            </a:r>
+            <a:r>
+              <a:rPr lang="en-US" sz="1400" dirty="0" smtClean="0">
+                <a:latin typeface="Verdana" pitchFamily="34" charset="0"/>
+                <a:ea typeface="Verdana" pitchFamily="34" charset="0"/>
+                <a:cs typeface="Verdana" pitchFamily="34" charset="0"/>
+              </a:rPr>
+              <a:t>that inherits from Calculator</a:t>
+            </a:r>
+            <a:endParaRPr lang="en-US" sz="1400" dirty="0" smtClean="0">
+              <a:latin typeface="Verdana" pitchFamily="34" charset="0"/>
+              <a:ea typeface="Verdana" pitchFamily="34" charset="0"/>
+              <a:cs typeface="Verdana" pitchFamily="34" charset="0"/>
+            </a:endParaRPr>
+          </a:p>
+          <a:p>
+            <a:pPr lvl="2"/>
+            <a:r>
+              <a:rPr lang="en-US" sz="1400" dirty="0" smtClean="0">
+                <a:latin typeface="Verdana" pitchFamily="34" charset="0"/>
+                <a:ea typeface="Verdana" pitchFamily="34" charset="0"/>
+                <a:cs typeface="Verdana" pitchFamily="34" charset="0"/>
+              </a:rPr>
+              <a:t>Method square </a:t>
+            </a:r>
+            <a:r>
+              <a:rPr lang="en-US" sz="1400" dirty="0" smtClean="0">
+                <a:latin typeface="Verdana" pitchFamily="34" charset="0"/>
+                <a:ea typeface="Verdana" pitchFamily="34" charset="0"/>
+                <a:cs typeface="Verdana" pitchFamily="34" charset="0"/>
+              </a:rPr>
+              <a:t>takes </a:t>
+            </a:r>
+            <a:r>
+              <a:rPr lang="en-US" sz="1400" dirty="0" smtClean="0">
+                <a:latin typeface="Verdana" pitchFamily="34" charset="0"/>
+                <a:ea typeface="Verdana" pitchFamily="34" charset="0"/>
+                <a:cs typeface="Verdana" pitchFamily="34" charset="0"/>
+              </a:rPr>
+              <a:t>1 </a:t>
+            </a:r>
+            <a:r>
+              <a:rPr lang="en-US" sz="1400" dirty="0" err="1" smtClean="0">
+                <a:latin typeface="Verdana" pitchFamily="34" charset="0"/>
+                <a:ea typeface="Verdana" pitchFamily="34" charset="0"/>
+                <a:cs typeface="Verdana" pitchFamily="34" charset="0"/>
+              </a:rPr>
+              <a:t>int</a:t>
+            </a:r>
+            <a:r>
+              <a:rPr lang="en-US" sz="1400" dirty="0" smtClean="0">
+                <a:latin typeface="Verdana" pitchFamily="34" charset="0"/>
+                <a:ea typeface="Verdana" pitchFamily="34" charset="0"/>
+                <a:cs typeface="Verdana" pitchFamily="34" charset="0"/>
+              </a:rPr>
+              <a:t> input and returns </a:t>
+            </a:r>
+            <a:r>
+              <a:rPr lang="en-US" sz="1400" dirty="0" err="1" smtClean="0">
+                <a:latin typeface="Verdana" pitchFamily="34" charset="0"/>
+                <a:ea typeface="Verdana" pitchFamily="34" charset="0"/>
+                <a:cs typeface="Verdana" pitchFamily="34" charset="0"/>
+              </a:rPr>
+              <a:t>int</a:t>
+            </a:r>
+            <a:r>
+              <a:rPr lang="en-US" sz="1400" dirty="0" smtClean="0">
+                <a:latin typeface="Verdana" pitchFamily="34" charset="0"/>
+                <a:ea typeface="Verdana" pitchFamily="34" charset="0"/>
+                <a:cs typeface="Verdana" pitchFamily="34" charset="0"/>
+              </a:rPr>
+              <a:t> area of square. use multiply from </a:t>
+            </a:r>
+            <a:r>
+              <a:rPr lang="en-US" sz="1400" dirty="0" smtClean="0">
+                <a:latin typeface="Verdana" pitchFamily="34" charset="0"/>
+                <a:ea typeface="Verdana" pitchFamily="34" charset="0"/>
+                <a:cs typeface="Verdana" pitchFamily="34" charset="0"/>
+              </a:rPr>
+              <a:t>parent</a:t>
+            </a:r>
+          </a:p>
+          <a:p>
+            <a:pPr lvl="2"/>
+            <a:r>
+              <a:rPr lang="en-US" sz="1400" dirty="0" smtClean="0">
+                <a:latin typeface="Verdana" pitchFamily="34" charset="0"/>
+                <a:ea typeface="Verdana" pitchFamily="34" charset="0"/>
+                <a:cs typeface="Verdana" pitchFamily="34" charset="0"/>
+              </a:rPr>
+              <a:t>Method </a:t>
+            </a:r>
+            <a:r>
+              <a:rPr lang="en-US" sz="1400" dirty="0" smtClean="0">
+                <a:latin typeface="Verdana" pitchFamily="34" charset="0"/>
+                <a:ea typeface="Verdana" pitchFamily="34" charset="0"/>
+                <a:cs typeface="Verdana" pitchFamily="34" charset="0"/>
+              </a:rPr>
+              <a:t>rectangle takes 2 </a:t>
+            </a:r>
+            <a:r>
+              <a:rPr lang="en-US" sz="1400" dirty="0" err="1" smtClean="0">
+                <a:latin typeface="Verdana" pitchFamily="34" charset="0"/>
+                <a:ea typeface="Verdana" pitchFamily="34" charset="0"/>
+                <a:cs typeface="Verdana" pitchFamily="34" charset="0"/>
+              </a:rPr>
+              <a:t>int</a:t>
+            </a:r>
+            <a:r>
+              <a:rPr lang="en-US" sz="1400" dirty="0" smtClean="0">
+                <a:latin typeface="Verdana" pitchFamily="34" charset="0"/>
+                <a:ea typeface="Verdana" pitchFamily="34" charset="0"/>
+                <a:cs typeface="Verdana" pitchFamily="34" charset="0"/>
+              </a:rPr>
+              <a:t> input and returns </a:t>
+            </a:r>
+            <a:r>
+              <a:rPr lang="en-US" sz="1400" dirty="0" err="1" smtClean="0">
+                <a:latin typeface="Verdana" pitchFamily="34" charset="0"/>
+                <a:ea typeface="Verdana" pitchFamily="34" charset="0"/>
+                <a:cs typeface="Verdana" pitchFamily="34" charset="0"/>
+              </a:rPr>
+              <a:t>int</a:t>
+            </a:r>
+            <a:r>
+              <a:rPr lang="en-US" sz="1400" dirty="0" smtClean="0">
+                <a:latin typeface="Verdana" pitchFamily="34" charset="0"/>
+                <a:ea typeface="Verdana" pitchFamily="34" charset="0"/>
+                <a:cs typeface="Verdana" pitchFamily="34" charset="0"/>
+              </a:rPr>
+              <a:t> area of rectangle… </a:t>
+            </a:r>
+            <a:r>
+              <a:rPr lang="en-US" sz="1400" dirty="0" smtClean="0">
+                <a:latin typeface="Verdana" pitchFamily="34" charset="0"/>
+                <a:ea typeface="Verdana" pitchFamily="34" charset="0"/>
+                <a:cs typeface="Verdana" pitchFamily="34" charset="0"/>
+              </a:rPr>
+              <a:t>use multiply method from </a:t>
+            </a:r>
+            <a:r>
+              <a:rPr lang="en-US" sz="1400" dirty="0" smtClean="0">
+                <a:latin typeface="Verdana" pitchFamily="34" charset="0"/>
+                <a:ea typeface="Verdana" pitchFamily="34" charset="0"/>
+                <a:cs typeface="Verdana" pitchFamily="34" charset="0"/>
+              </a:rPr>
+              <a:t>parent</a:t>
+            </a:r>
+            <a:endParaRPr lang="en-US" sz="1400" dirty="0" smtClean="0">
+              <a:latin typeface="Verdana" pitchFamily="34" charset="0"/>
+              <a:ea typeface="Verdana" pitchFamily="34" charset="0"/>
+              <a:cs typeface="Verdana" pitchFamily="34" charset="0"/>
+            </a:endParaRPr>
+          </a:p>
+          <a:p>
+            <a:pPr lvl="1"/>
+            <a:r>
+              <a:rPr lang="en-US" sz="1400" dirty="0" smtClean="0">
+                <a:latin typeface="Verdana" pitchFamily="34" charset="0"/>
+                <a:ea typeface="Verdana" pitchFamily="34" charset="0"/>
+                <a:cs typeface="Verdana" pitchFamily="34" charset="0"/>
+              </a:rPr>
+              <a:t>Write a program for </a:t>
+            </a:r>
+            <a:r>
+              <a:rPr lang="en-US" sz="1400" dirty="0" smtClean="0">
+                <a:latin typeface="Verdana" pitchFamily="34" charset="0"/>
+                <a:ea typeface="Verdana" pitchFamily="34" charset="0"/>
+                <a:cs typeface="Verdana" pitchFamily="34" charset="0"/>
+              </a:rPr>
+              <a:t>Cart that inherits from calculator</a:t>
+            </a:r>
+            <a:endParaRPr lang="en-US" sz="1400" dirty="0" smtClean="0">
+              <a:latin typeface="Verdana" pitchFamily="34" charset="0"/>
+              <a:ea typeface="Verdana" pitchFamily="34" charset="0"/>
+              <a:cs typeface="Verdana" pitchFamily="34" charset="0"/>
+            </a:endParaRPr>
+          </a:p>
+          <a:p>
+            <a:pPr lvl="2"/>
+            <a:r>
+              <a:rPr lang="en-US" sz="1400" dirty="0" smtClean="0">
+                <a:latin typeface="Verdana" pitchFamily="34" charset="0"/>
+                <a:ea typeface="Verdana" pitchFamily="34" charset="0"/>
+                <a:cs typeface="Verdana" pitchFamily="34" charset="0"/>
+              </a:rPr>
+              <a:t>Method </a:t>
+            </a:r>
+            <a:r>
+              <a:rPr lang="en-US" sz="1400" dirty="0" err="1" smtClean="0">
+                <a:latin typeface="Verdana" pitchFamily="34" charset="0"/>
+                <a:ea typeface="Verdana" pitchFamily="34" charset="0"/>
+                <a:cs typeface="Verdana" pitchFamily="34" charset="0"/>
+              </a:rPr>
+              <a:t>calculateCart</a:t>
+            </a:r>
+            <a:r>
+              <a:rPr lang="en-US" sz="1400" dirty="0" smtClean="0">
+                <a:latin typeface="Verdana" pitchFamily="34" charset="0"/>
+                <a:ea typeface="Verdana" pitchFamily="34" charset="0"/>
+                <a:cs typeface="Verdana" pitchFamily="34" charset="0"/>
+              </a:rPr>
+              <a:t> that </a:t>
+            </a:r>
+            <a:r>
+              <a:rPr lang="en-US" sz="1400" dirty="0" smtClean="0">
+                <a:latin typeface="Verdana" pitchFamily="34" charset="0"/>
+                <a:ea typeface="Verdana" pitchFamily="34" charset="0"/>
+                <a:cs typeface="Verdana" pitchFamily="34" charset="0"/>
+              </a:rPr>
+              <a:t>takes 2 </a:t>
+            </a:r>
+            <a:r>
+              <a:rPr lang="en-US" sz="1400" dirty="0" err="1" smtClean="0">
+                <a:latin typeface="Verdana" pitchFamily="34" charset="0"/>
+                <a:ea typeface="Verdana" pitchFamily="34" charset="0"/>
+                <a:cs typeface="Verdana" pitchFamily="34" charset="0"/>
+              </a:rPr>
+              <a:t>int</a:t>
+            </a:r>
+            <a:r>
+              <a:rPr lang="en-US" sz="1400" dirty="0" smtClean="0">
+                <a:latin typeface="Verdana" pitchFamily="34" charset="0"/>
+                <a:ea typeface="Verdana" pitchFamily="34" charset="0"/>
+                <a:cs typeface="Verdana" pitchFamily="34" charset="0"/>
+              </a:rPr>
+              <a:t> input </a:t>
+            </a:r>
+            <a:r>
+              <a:rPr lang="en-US" sz="1400" dirty="0" smtClean="0">
+                <a:latin typeface="Verdana" pitchFamily="34" charset="0"/>
+                <a:ea typeface="Verdana" pitchFamily="34" charset="0"/>
+                <a:cs typeface="Verdana" pitchFamily="34" charset="0"/>
+              </a:rPr>
+              <a:t>product price and quantity and </a:t>
+            </a:r>
+            <a:r>
+              <a:rPr lang="en-US" sz="1400" dirty="0" smtClean="0">
+                <a:latin typeface="Verdana" pitchFamily="34" charset="0"/>
+                <a:ea typeface="Verdana" pitchFamily="34" charset="0"/>
+                <a:cs typeface="Verdana" pitchFamily="34" charset="0"/>
+              </a:rPr>
+              <a:t>returns </a:t>
+            </a:r>
+            <a:r>
+              <a:rPr lang="en-US" sz="1400" dirty="0" smtClean="0">
+                <a:latin typeface="Verdana" pitchFamily="34" charset="0"/>
+                <a:ea typeface="Verdana" pitchFamily="34" charset="0"/>
+                <a:cs typeface="Verdana" pitchFamily="34" charset="0"/>
+              </a:rPr>
+              <a:t>total value of cart.. Use parent method multiply.</a:t>
+            </a:r>
+          </a:p>
+          <a:p>
+            <a:pPr lvl="1"/>
+            <a:r>
+              <a:rPr lang="en-US" sz="1400" dirty="0" smtClean="0">
+                <a:latin typeface="Verdana" pitchFamily="34" charset="0"/>
+                <a:ea typeface="Verdana" pitchFamily="34" charset="0"/>
+                <a:cs typeface="Verdana" pitchFamily="34" charset="0"/>
+              </a:rPr>
+              <a:t> Write </a:t>
+            </a:r>
+            <a:r>
+              <a:rPr lang="en-US" sz="1400" dirty="0" smtClean="0">
+                <a:latin typeface="Verdana" pitchFamily="34" charset="0"/>
+                <a:ea typeface="Verdana" pitchFamily="34" charset="0"/>
+                <a:cs typeface="Verdana" pitchFamily="34" charset="0"/>
+              </a:rPr>
+              <a:t>a program for </a:t>
+            </a:r>
+            <a:r>
+              <a:rPr lang="en-US" sz="1400" dirty="0" smtClean="0">
+                <a:latin typeface="Verdana" pitchFamily="34" charset="0"/>
+                <a:ea typeface="Verdana" pitchFamily="34" charset="0"/>
+                <a:cs typeface="Verdana" pitchFamily="34" charset="0"/>
+              </a:rPr>
+              <a:t> below inheritance scenario</a:t>
+            </a:r>
+          </a:p>
+          <a:p>
+            <a:pPr lvl="2"/>
+            <a:r>
+              <a:rPr lang="en-US" sz="1400" dirty="0" smtClean="0">
+                <a:latin typeface="Verdana" pitchFamily="34" charset="0"/>
+                <a:ea typeface="Verdana" pitchFamily="34" charset="0"/>
+                <a:cs typeface="Verdana" pitchFamily="34" charset="0"/>
+              </a:rPr>
+              <a:t>Person &gt; employee &gt; tester</a:t>
+            </a:r>
+          </a:p>
+          <a:p>
+            <a:pPr lvl="2"/>
+            <a:r>
+              <a:rPr lang="en-US" sz="1400" dirty="0" smtClean="0">
+                <a:latin typeface="Verdana" pitchFamily="34" charset="0"/>
+                <a:ea typeface="Verdana" pitchFamily="34" charset="0"/>
+                <a:cs typeface="Verdana" pitchFamily="34" charset="0"/>
+              </a:rPr>
+              <a:t>Person &gt; employee &gt; developer</a:t>
+            </a:r>
+          </a:p>
+          <a:p>
+            <a:pPr lvl="3"/>
+            <a:r>
+              <a:rPr lang="en-US" sz="1400" dirty="0" smtClean="0">
+                <a:latin typeface="Verdana" pitchFamily="34" charset="0"/>
+                <a:ea typeface="Verdana" pitchFamily="34" charset="0"/>
+                <a:cs typeface="Verdana" pitchFamily="34" charset="0"/>
+              </a:rPr>
+              <a:t>Person</a:t>
+            </a:r>
+          </a:p>
+          <a:p>
+            <a:pPr lvl="4"/>
+            <a:r>
+              <a:rPr lang="en-US" sz="1400" dirty="0" smtClean="0">
+                <a:latin typeface="Verdana" pitchFamily="34" charset="0"/>
+                <a:ea typeface="Verdana" pitchFamily="34" charset="0"/>
+                <a:cs typeface="Verdana" pitchFamily="34" charset="0"/>
+              </a:rPr>
+              <a:t>Has name, age</a:t>
+            </a:r>
+          </a:p>
+          <a:p>
+            <a:pPr lvl="4"/>
+            <a:r>
+              <a:rPr lang="en-US" sz="1400" dirty="0" smtClean="0">
+                <a:latin typeface="Verdana" pitchFamily="34" charset="0"/>
+                <a:ea typeface="Verdana" pitchFamily="34" charset="0"/>
+                <a:cs typeface="Verdana" pitchFamily="34" charset="0"/>
+              </a:rPr>
+              <a:t>Does talk, walk ( just </a:t>
+            </a:r>
+            <a:r>
+              <a:rPr lang="en-US" sz="1400" dirty="0" err="1" smtClean="0">
+                <a:latin typeface="Verdana" pitchFamily="34" charset="0"/>
+                <a:ea typeface="Verdana" pitchFamily="34" charset="0"/>
+                <a:cs typeface="Verdana" pitchFamily="34" charset="0"/>
+              </a:rPr>
+              <a:t>sysout</a:t>
+            </a:r>
+            <a:r>
+              <a:rPr lang="en-US" sz="1400" dirty="0" smtClean="0">
+                <a:latin typeface="Verdana" pitchFamily="34" charset="0"/>
+                <a:ea typeface="Verdana" pitchFamily="34" charset="0"/>
+                <a:cs typeface="Verdana" pitchFamily="34" charset="0"/>
+              </a:rPr>
+              <a:t> in this method is fine)</a:t>
+            </a:r>
+          </a:p>
+          <a:p>
+            <a:pPr lvl="3"/>
+            <a:r>
+              <a:rPr lang="en-US" sz="1400" dirty="0" smtClean="0">
+                <a:latin typeface="Verdana" pitchFamily="34" charset="0"/>
+                <a:ea typeface="Verdana" pitchFamily="34" charset="0"/>
+                <a:cs typeface="Verdana" pitchFamily="34" charset="0"/>
+              </a:rPr>
+              <a:t>Tester</a:t>
+            </a:r>
+          </a:p>
+          <a:p>
+            <a:pPr lvl="4"/>
+            <a:r>
+              <a:rPr lang="en-US" sz="1400" dirty="0" smtClean="0">
+                <a:latin typeface="Verdana" pitchFamily="34" charset="0"/>
+                <a:ea typeface="Verdana" pitchFamily="34" charset="0"/>
+                <a:cs typeface="Verdana" pitchFamily="34" charset="0"/>
+              </a:rPr>
+              <a:t>Has name, </a:t>
+            </a:r>
+            <a:r>
+              <a:rPr lang="en-US" sz="1400" dirty="0" smtClean="0">
+                <a:latin typeface="Verdana" pitchFamily="34" charset="0"/>
+                <a:ea typeface="Verdana" pitchFamily="34" charset="0"/>
+                <a:cs typeface="Verdana" pitchFamily="34" charset="0"/>
+              </a:rPr>
+              <a:t>age, salary, </a:t>
+            </a:r>
+            <a:r>
+              <a:rPr lang="en-US" sz="1400" dirty="0" err="1" smtClean="0">
+                <a:latin typeface="Verdana" pitchFamily="34" charset="0"/>
+                <a:ea typeface="Verdana" pitchFamily="34" charset="0"/>
+                <a:cs typeface="Verdana" pitchFamily="34" charset="0"/>
+              </a:rPr>
+              <a:t>jobTitle</a:t>
+            </a:r>
+            <a:endParaRPr lang="en-US" sz="1400" dirty="0" smtClean="0">
+              <a:latin typeface="Verdana" pitchFamily="34" charset="0"/>
+              <a:ea typeface="Verdana" pitchFamily="34" charset="0"/>
+              <a:cs typeface="Verdana" pitchFamily="34" charset="0"/>
+            </a:endParaRPr>
+          </a:p>
+          <a:p>
+            <a:pPr lvl="4"/>
+            <a:r>
+              <a:rPr lang="en-US" sz="1400" dirty="0" smtClean="0">
+                <a:latin typeface="Verdana" pitchFamily="34" charset="0"/>
+                <a:ea typeface="Verdana" pitchFamily="34" charset="0"/>
+                <a:cs typeface="Verdana" pitchFamily="34" charset="0"/>
+              </a:rPr>
+              <a:t>Does talk, </a:t>
+            </a:r>
+            <a:r>
+              <a:rPr lang="en-US" sz="1400" dirty="0" smtClean="0">
+                <a:latin typeface="Verdana" pitchFamily="34" charset="0"/>
+                <a:ea typeface="Verdana" pitchFamily="34" charset="0"/>
+                <a:cs typeface="Verdana" pitchFamily="34" charset="0"/>
+              </a:rPr>
+              <a:t>walk, work </a:t>
+            </a:r>
+            <a:r>
+              <a:rPr lang="en-US" sz="1400" dirty="0" smtClean="0">
+                <a:latin typeface="Verdana" pitchFamily="34" charset="0"/>
+                <a:ea typeface="Verdana" pitchFamily="34" charset="0"/>
+                <a:cs typeface="Verdana" pitchFamily="34" charset="0"/>
+              </a:rPr>
+              <a:t>( just </a:t>
+            </a:r>
+            <a:r>
+              <a:rPr lang="en-US" sz="1400" dirty="0" err="1" smtClean="0">
+                <a:latin typeface="Verdana" pitchFamily="34" charset="0"/>
+                <a:ea typeface="Verdana" pitchFamily="34" charset="0"/>
+                <a:cs typeface="Verdana" pitchFamily="34" charset="0"/>
+              </a:rPr>
+              <a:t>sysout</a:t>
+            </a:r>
+            <a:r>
+              <a:rPr lang="en-US" sz="1400" dirty="0" smtClean="0">
+                <a:latin typeface="Verdana" pitchFamily="34" charset="0"/>
+                <a:ea typeface="Verdana" pitchFamily="34" charset="0"/>
+                <a:cs typeface="Verdana" pitchFamily="34" charset="0"/>
+              </a:rPr>
+              <a:t> in this method is fine</a:t>
+            </a:r>
+            <a:r>
+              <a:rPr lang="en-US" sz="1400" dirty="0" smtClean="0">
+                <a:latin typeface="Verdana" pitchFamily="34" charset="0"/>
+                <a:ea typeface="Verdana" pitchFamily="34" charset="0"/>
+                <a:cs typeface="Verdana" pitchFamily="34" charset="0"/>
+              </a:rPr>
+              <a:t>)</a:t>
+            </a:r>
+            <a:endParaRPr lang="en-US" sz="1400" dirty="0" smtClean="0">
+              <a:latin typeface="Verdana" pitchFamily="34" charset="0"/>
+              <a:ea typeface="Verdana" pitchFamily="34" charset="0"/>
+              <a:cs typeface="Verdana" pitchFamily="34" charset="0"/>
+            </a:endParaRPr>
+          </a:p>
+          <a:p>
+            <a:pPr lvl="3"/>
+            <a:r>
+              <a:rPr lang="en-US" sz="1400" dirty="0" smtClean="0">
+                <a:latin typeface="Verdana" pitchFamily="34" charset="0"/>
+                <a:ea typeface="Verdana" pitchFamily="34" charset="0"/>
+                <a:cs typeface="Verdana" pitchFamily="34" charset="0"/>
+              </a:rPr>
+              <a:t>Developer</a:t>
+            </a:r>
+          </a:p>
+          <a:p>
+            <a:pPr lvl="4"/>
+            <a:r>
+              <a:rPr lang="en-US" sz="1400" dirty="0" smtClean="0">
+                <a:latin typeface="Verdana" pitchFamily="34" charset="0"/>
+                <a:ea typeface="Verdana" pitchFamily="34" charset="0"/>
+                <a:cs typeface="Verdana" pitchFamily="34" charset="0"/>
+              </a:rPr>
+              <a:t>Has name, age, salary, </a:t>
+            </a:r>
+            <a:r>
+              <a:rPr lang="en-US" sz="1400" dirty="0" err="1" smtClean="0">
+                <a:latin typeface="Verdana" pitchFamily="34" charset="0"/>
+                <a:ea typeface="Verdana" pitchFamily="34" charset="0"/>
+                <a:cs typeface="Verdana" pitchFamily="34" charset="0"/>
+              </a:rPr>
+              <a:t>jobTitle</a:t>
+            </a:r>
+            <a:endParaRPr lang="en-US" sz="1400" dirty="0" smtClean="0">
+              <a:latin typeface="Verdana" pitchFamily="34" charset="0"/>
+              <a:ea typeface="Verdana" pitchFamily="34" charset="0"/>
+              <a:cs typeface="Verdana" pitchFamily="34" charset="0"/>
+            </a:endParaRPr>
+          </a:p>
+          <a:p>
+            <a:pPr lvl="4"/>
+            <a:r>
+              <a:rPr lang="en-US" sz="1400" dirty="0" smtClean="0">
+                <a:latin typeface="Verdana" pitchFamily="34" charset="0"/>
+                <a:ea typeface="Verdana" pitchFamily="34" charset="0"/>
+                <a:cs typeface="Verdana" pitchFamily="34" charset="0"/>
+              </a:rPr>
+              <a:t>Does talk, walk, work ( just </a:t>
+            </a:r>
+            <a:r>
+              <a:rPr lang="en-US" sz="1400" dirty="0" err="1" smtClean="0">
+                <a:latin typeface="Verdana" pitchFamily="34" charset="0"/>
+                <a:ea typeface="Verdana" pitchFamily="34" charset="0"/>
+                <a:cs typeface="Verdana" pitchFamily="34" charset="0"/>
+              </a:rPr>
+              <a:t>sysout</a:t>
+            </a:r>
+            <a:r>
+              <a:rPr lang="en-US" sz="1400" dirty="0" smtClean="0">
+                <a:latin typeface="Verdana" pitchFamily="34" charset="0"/>
+                <a:ea typeface="Verdana" pitchFamily="34" charset="0"/>
+                <a:cs typeface="Verdana" pitchFamily="34" charset="0"/>
+              </a:rPr>
+              <a:t> in this method is fine)</a:t>
+            </a:r>
+          </a:p>
+          <a:p>
+            <a:pPr lvl="3"/>
+            <a:endParaRPr lang="en-US" sz="1400" dirty="0" smtClean="0">
+              <a:latin typeface="Verdana" pitchFamily="34" charset="0"/>
+              <a:ea typeface="Verdana" pitchFamily="34" charset="0"/>
+              <a:cs typeface="Verdana" pitchFamily="34" charset="0"/>
+            </a:endParaRPr>
+          </a:p>
+        </p:txBody>
+      </p:sp>
+      <p:sp>
+        <p:nvSpPr>
+          <p:cNvPr id="7" name="Action Button: Home 6">
+            <a:hlinkClick r:id="rId2" action="ppaction://hlinksldjump" highlightClick="1"/>
+          </p:cNvPr>
+          <p:cNvSpPr/>
+          <p:nvPr/>
+        </p:nvSpPr>
+        <p:spPr>
+          <a:xfrm>
+            <a:off x="8763000" y="6553200"/>
+            <a:ext cx="381000" cy="304800"/>
+          </a:xfrm>
+          <a:prstGeom prst="actionButtonHome">
+            <a:avLst/>
+          </a:prstGeom>
+          <a:noFill/>
+        </p:spPr>
+        <p:style>
+          <a:lnRef idx="2">
+            <a:schemeClr val="accent1">
+              <a:shade val="50000"/>
+            </a:schemeClr>
+          </a:lnRef>
+          <a:fillRef idx="1">
+            <a:schemeClr val="accent1"/>
+          </a:fillRef>
+          <a:effectRef idx="0">
+            <a:schemeClr val="accent1"/>
+          </a:effectRef>
+          <a:fontRef idx="minor">
+            <a:schemeClr val="lt1"/>
+          </a:fontRef>
+        </p:style>
+        <p:txBody>
+          <a:bodyPr rtlCol="0" anchor="ctr"/>
+          <a:lstStyle/>
+          <a:p>
+            <a:pPr algn="ctr"/>
+            <a:endParaRPr lang="en-US"/>
+          </a:p>
+        </p:txBody>
+      </p:sp>
+    </p:spTree>
+  </p:cSld>
+  <p:clrMapOvr>
+    <a:masterClrMapping/>
+  </p:clrMapOvr>
+  <p:timing>
+    <p:tnLst>
+      <p:par>
+        <p:cTn id="1" dur="indefinite" restart="never" nodeType="tmRoot"/>
+      </p:par>
+    </p:tnLst>
+  </p:timing>
+</p:sld>
+</file>
+
+<file path=ppt/slides/slide12.xml><?xml version="1.0" encoding="utf-8"?>
+<p:sld xmlns:a="http://schemas.openxmlformats.org/drawingml/2006/main" xmlns:r="http://schemas.openxmlformats.org/officeDocument/2006/relationships" xmlns:p="http://schemas.openxmlformats.org/presentationml/2006/main">
+  <p:cSld>
+    <p:spTree>
+      <p:nvGrpSpPr>
+        <p:cNvPr id="1" name=""/>
+        <p:cNvGrpSpPr/>
+        <p:nvPr/>
+      </p:nvGrpSpPr>
+      <p:grpSpPr>
+        <a:xfrm>
+          <a:off x="0" y="0"/>
+          <a:ext cx="0" cy="0"/>
+          <a:chOff x="0" y="0"/>
+          <a:chExt cx="0" cy="0"/>
+        </a:xfrm>
+      </p:grpSpPr>
+      <p:sp>
+        <p:nvSpPr>
+          <p:cNvPr id="2" name="Title 1"/>
+          <p:cNvSpPr>
+            <a:spLocks noGrp="1"/>
+          </p:cNvSpPr>
+          <p:nvPr>
+            <p:ph type="title"/>
+          </p:nvPr>
+        </p:nvSpPr>
+        <p:spPr>
+          <a:xfrm>
+            <a:off x="304800" y="152400"/>
+            <a:ext cx="8229600" cy="715962"/>
+          </a:xfrm>
+        </p:spPr>
+        <p:txBody>
+          <a:bodyPr>
+            <a:normAutofit/>
+          </a:bodyPr>
+          <a:lstStyle/>
+          <a:p>
+            <a:r>
+              <a:rPr lang="en-US" sz="2800" dirty="0" smtClean="0">
+                <a:latin typeface="Verdana" pitchFamily="34" charset="0"/>
+                <a:ea typeface="Verdana" pitchFamily="34" charset="0"/>
+                <a:cs typeface="Verdana" pitchFamily="34" charset="0"/>
+              </a:rPr>
+              <a:t>Inheritance- Interface</a:t>
+            </a:r>
+            <a:endParaRPr lang="en-US" sz="2800" dirty="0">
+              <a:latin typeface="Verdana" pitchFamily="34" charset="0"/>
+              <a:ea typeface="Verdana" pitchFamily="34" charset="0"/>
+              <a:cs typeface="Verdana" pitchFamily="34" charset="0"/>
+            </a:endParaRPr>
+          </a:p>
+        </p:txBody>
+      </p:sp>
+      <p:sp>
+        <p:nvSpPr>
+          <p:cNvPr id="3" name="Content Placeholder 2"/>
+          <p:cNvSpPr>
+            <a:spLocks noGrp="1"/>
+          </p:cNvSpPr>
+          <p:nvPr>
+            <p:ph idx="1"/>
+          </p:nvPr>
+        </p:nvSpPr>
+        <p:spPr>
+          <a:xfrm>
+            <a:off x="-304800" y="762000"/>
+            <a:ext cx="9448800" cy="4419600"/>
+          </a:xfrm>
+        </p:spPr>
+        <p:txBody>
+          <a:bodyPr>
+            <a:noAutofit/>
+          </a:bodyPr>
+          <a:lstStyle/>
+          <a:p>
+            <a:pPr lvl="1"/>
+            <a:r>
+              <a:rPr lang="en-US" sz="1400" dirty="0" smtClean="0">
+                <a:latin typeface="Verdana" pitchFamily="34" charset="0"/>
+                <a:ea typeface="Verdana" pitchFamily="34" charset="0"/>
+                <a:cs typeface="Verdana" pitchFamily="34" charset="0"/>
+              </a:rPr>
+              <a:t>Write a program for </a:t>
+            </a:r>
+            <a:r>
+              <a:rPr lang="en-US" sz="1400" dirty="0" err="1" smtClean="0">
+                <a:latin typeface="Verdana" pitchFamily="34" charset="0"/>
+                <a:ea typeface="Verdana" pitchFamily="34" charset="0"/>
+                <a:cs typeface="Verdana" pitchFamily="34" charset="0"/>
+              </a:rPr>
+              <a:t>ILogin</a:t>
+            </a:r>
+            <a:r>
+              <a:rPr lang="en-US" sz="1400" dirty="0" smtClean="0">
+                <a:latin typeface="Verdana" pitchFamily="34" charset="0"/>
+                <a:ea typeface="Verdana" pitchFamily="34" charset="0"/>
+                <a:cs typeface="Verdana" pitchFamily="34" charset="0"/>
+              </a:rPr>
+              <a:t> interface</a:t>
+            </a:r>
+          </a:p>
+          <a:p>
+            <a:pPr lvl="2"/>
+            <a:r>
+              <a:rPr lang="en-US" sz="1400" dirty="0" smtClean="0">
+                <a:latin typeface="Verdana" pitchFamily="34" charset="0"/>
+                <a:ea typeface="Verdana" pitchFamily="34" charset="0"/>
+                <a:cs typeface="Verdana" pitchFamily="34" charset="0"/>
+              </a:rPr>
+              <a:t>Create abstract methods.</a:t>
+            </a:r>
+          </a:p>
+          <a:p>
+            <a:pPr lvl="3"/>
+            <a:r>
+              <a:rPr lang="en-US" sz="1400" dirty="0" smtClean="0">
+                <a:latin typeface="Verdana" pitchFamily="34" charset="0"/>
+                <a:ea typeface="Verdana" pitchFamily="34" charset="0"/>
+                <a:cs typeface="Verdana" pitchFamily="34" charset="0"/>
+              </a:rPr>
+              <a:t>Register method that return register is success or failure, and takes input </a:t>
+            </a:r>
+            <a:r>
+              <a:rPr lang="en-US" sz="1400" dirty="0" err="1" smtClean="0">
+                <a:latin typeface="Verdana" pitchFamily="34" charset="0"/>
+                <a:ea typeface="Verdana" pitchFamily="34" charset="0"/>
+                <a:cs typeface="Verdana" pitchFamily="34" charset="0"/>
+              </a:rPr>
+              <a:t>userid</a:t>
+            </a:r>
+            <a:r>
+              <a:rPr lang="en-US" sz="1400" dirty="0" smtClean="0">
+                <a:latin typeface="Verdana" pitchFamily="34" charset="0"/>
+                <a:ea typeface="Verdana" pitchFamily="34" charset="0"/>
+                <a:cs typeface="Verdana" pitchFamily="34" charset="0"/>
+              </a:rPr>
+              <a:t> and password and email</a:t>
+            </a:r>
+          </a:p>
+          <a:p>
+            <a:pPr lvl="3"/>
+            <a:r>
+              <a:rPr lang="en-US" sz="1400" dirty="0" smtClean="0">
+                <a:latin typeface="Verdana" pitchFamily="34" charset="0"/>
+                <a:ea typeface="Verdana" pitchFamily="34" charset="0"/>
+                <a:cs typeface="Verdana" pitchFamily="34" charset="0"/>
+              </a:rPr>
+              <a:t>Login method that return login is success or failure, and takes input </a:t>
+            </a:r>
+            <a:r>
+              <a:rPr lang="en-US" sz="1400" dirty="0" err="1" smtClean="0">
+                <a:latin typeface="Verdana" pitchFamily="34" charset="0"/>
+                <a:ea typeface="Verdana" pitchFamily="34" charset="0"/>
+                <a:cs typeface="Verdana" pitchFamily="34" charset="0"/>
+              </a:rPr>
+              <a:t>userid</a:t>
+            </a:r>
+            <a:r>
+              <a:rPr lang="en-US" sz="1400" dirty="0" smtClean="0">
+                <a:latin typeface="Verdana" pitchFamily="34" charset="0"/>
+                <a:ea typeface="Verdana" pitchFamily="34" charset="0"/>
+                <a:cs typeface="Verdana" pitchFamily="34" charset="0"/>
+              </a:rPr>
+              <a:t> and password</a:t>
+            </a:r>
+          </a:p>
+          <a:p>
+            <a:pPr lvl="3"/>
+            <a:r>
+              <a:rPr lang="en-US" sz="1400" dirty="0" smtClean="0">
+                <a:latin typeface="Verdana" pitchFamily="34" charset="0"/>
+                <a:ea typeface="Verdana" pitchFamily="34" charset="0"/>
+                <a:cs typeface="Verdana" pitchFamily="34" charset="0"/>
+              </a:rPr>
+              <a:t>Change password method that return change is success or failure, and takes input </a:t>
+            </a:r>
+            <a:r>
+              <a:rPr lang="en-US" sz="1400" dirty="0" err="1" smtClean="0">
+                <a:latin typeface="Verdana" pitchFamily="34" charset="0"/>
+                <a:ea typeface="Verdana" pitchFamily="34" charset="0"/>
+                <a:cs typeface="Verdana" pitchFamily="34" charset="0"/>
+              </a:rPr>
+              <a:t>userid</a:t>
+            </a:r>
+            <a:r>
+              <a:rPr lang="en-US" sz="1400" dirty="0" smtClean="0">
+                <a:latin typeface="Verdana" pitchFamily="34" charset="0"/>
+                <a:ea typeface="Verdana" pitchFamily="34" charset="0"/>
+                <a:cs typeface="Verdana" pitchFamily="34" charset="0"/>
+              </a:rPr>
+              <a:t> and </a:t>
+            </a:r>
+            <a:r>
+              <a:rPr lang="en-US" sz="1400" dirty="0" err="1" smtClean="0">
+                <a:latin typeface="Verdana" pitchFamily="34" charset="0"/>
+                <a:ea typeface="Verdana" pitchFamily="34" charset="0"/>
+                <a:cs typeface="Verdana" pitchFamily="34" charset="0"/>
+              </a:rPr>
+              <a:t>newpassword</a:t>
+            </a:r>
+            <a:endParaRPr lang="en-US" sz="1400" dirty="0" smtClean="0">
+              <a:latin typeface="Verdana" pitchFamily="34" charset="0"/>
+              <a:ea typeface="Verdana" pitchFamily="34" charset="0"/>
+              <a:cs typeface="Verdana" pitchFamily="34" charset="0"/>
+            </a:endParaRPr>
+          </a:p>
+          <a:p>
+            <a:pPr lvl="1"/>
+            <a:r>
+              <a:rPr lang="en-US" sz="1400" dirty="0" smtClean="0">
+                <a:latin typeface="Verdana" pitchFamily="34" charset="0"/>
+                <a:ea typeface="Verdana" pitchFamily="34" charset="0"/>
+                <a:cs typeface="Verdana" pitchFamily="34" charset="0"/>
+              </a:rPr>
+              <a:t>Write a program Login class that implements </a:t>
+            </a:r>
+            <a:r>
+              <a:rPr lang="en-US" sz="1400" dirty="0" err="1" smtClean="0">
+                <a:latin typeface="Verdana" pitchFamily="34" charset="0"/>
+                <a:ea typeface="Verdana" pitchFamily="34" charset="0"/>
+                <a:cs typeface="Verdana" pitchFamily="34" charset="0"/>
+              </a:rPr>
+              <a:t>Ilogin</a:t>
+            </a:r>
+            <a:endParaRPr lang="en-US" sz="1400" dirty="0" smtClean="0">
+              <a:latin typeface="Verdana" pitchFamily="34" charset="0"/>
+              <a:ea typeface="Verdana" pitchFamily="34" charset="0"/>
+              <a:cs typeface="Verdana" pitchFamily="34" charset="0"/>
+            </a:endParaRPr>
+          </a:p>
+          <a:p>
+            <a:pPr lvl="2"/>
+            <a:r>
+              <a:rPr lang="en-US" sz="1400" dirty="0" smtClean="0">
+                <a:latin typeface="Verdana" pitchFamily="34" charset="0"/>
+                <a:ea typeface="Verdana" pitchFamily="34" charset="0"/>
+                <a:cs typeface="Verdana" pitchFamily="34" charset="0"/>
+              </a:rPr>
+              <a:t>Write the code for all abstract methods (just </a:t>
+            </a:r>
+            <a:r>
+              <a:rPr lang="en-US" sz="1400" dirty="0" err="1" smtClean="0">
+                <a:latin typeface="Verdana" pitchFamily="34" charset="0"/>
+                <a:ea typeface="Verdana" pitchFamily="34" charset="0"/>
+                <a:cs typeface="Verdana" pitchFamily="34" charset="0"/>
+              </a:rPr>
+              <a:t>sysout</a:t>
+            </a:r>
+            <a:r>
+              <a:rPr lang="en-US" sz="1400" dirty="0" smtClean="0">
+                <a:latin typeface="Verdana" pitchFamily="34" charset="0"/>
+                <a:ea typeface="Verdana" pitchFamily="34" charset="0"/>
+                <a:cs typeface="Verdana" pitchFamily="34" charset="0"/>
+              </a:rPr>
+              <a:t> is fine)</a:t>
+            </a:r>
+          </a:p>
+          <a:p>
+            <a:pPr lvl="2"/>
+            <a:endParaRPr lang="en-US" sz="1400" dirty="0" smtClean="0">
+              <a:latin typeface="Verdana" pitchFamily="34" charset="0"/>
+              <a:ea typeface="Verdana" pitchFamily="34" charset="0"/>
+              <a:cs typeface="Verdana" pitchFamily="34" charset="0"/>
+            </a:endParaRPr>
+          </a:p>
+          <a:p>
+            <a:pPr lvl="2"/>
+            <a:r>
+              <a:rPr lang="en-US" sz="1400" smtClean="0">
+                <a:latin typeface="Verdana" pitchFamily="34" charset="0"/>
+                <a:ea typeface="Verdana" pitchFamily="34" charset="0"/>
+                <a:cs typeface="Verdana" pitchFamily="34" charset="0"/>
+              </a:rPr>
+              <a:t>**************************************************************</a:t>
+            </a:r>
+            <a:endParaRPr lang="en-US" sz="1400" dirty="0" smtClean="0">
+              <a:latin typeface="Verdana" pitchFamily="34" charset="0"/>
+              <a:ea typeface="Verdana" pitchFamily="34" charset="0"/>
+              <a:cs typeface="Verdana" pitchFamily="34" charset="0"/>
+            </a:endParaRPr>
+          </a:p>
+          <a:p>
+            <a:pPr lvl="1"/>
+            <a:r>
+              <a:rPr lang="en-US" sz="1400" dirty="0" smtClean="0">
+                <a:latin typeface="Verdana" pitchFamily="34" charset="0"/>
+                <a:ea typeface="Verdana" pitchFamily="34" charset="0"/>
+                <a:cs typeface="Verdana" pitchFamily="34" charset="0"/>
+              </a:rPr>
+              <a:t>Write a program for </a:t>
+            </a:r>
+            <a:r>
+              <a:rPr lang="en-US" sz="1400" dirty="0" err="1" smtClean="0">
+                <a:latin typeface="Verdana" pitchFamily="34" charset="0"/>
+                <a:ea typeface="Verdana" pitchFamily="34" charset="0"/>
+                <a:cs typeface="Verdana" pitchFamily="34" charset="0"/>
+              </a:rPr>
+              <a:t>INotification</a:t>
+            </a:r>
+            <a:r>
+              <a:rPr lang="en-US" sz="1400" dirty="0" smtClean="0">
+                <a:latin typeface="Verdana" pitchFamily="34" charset="0"/>
+                <a:ea typeface="Verdana" pitchFamily="34" charset="0"/>
+                <a:cs typeface="Verdana" pitchFamily="34" charset="0"/>
+              </a:rPr>
+              <a:t> </a:t>
+            </a:r>
+            <a:r>
+              <a:rPr lang="en-US" sz="1400" dirty="0" smtClean="0">
+                <a:latin typeface="Verdana" pitchFamily="34" charset="0"/>
+                <a:ea typeface="Verdana" pitchFamily="34" charset="0"/>
+                <a:cs typeface="Verdana" pitchFamily="34" charset="0"/>
+              </a:rPr>
+              <a:t>interface</a:t>
+            </a:r>
+          </a:p>
+          <a:p>
+            <a:pPr lvl="2"/>
+            <a:r>
+              <a:rPr lang="en-US" sz="1400" dirty="0" smtClean="0">
+                <a:latin typeface="Verdana" pitchFamily="34" charset="0"/>
+                <a:ea typeface="Verdana" pitchFamily="34" charset="0"/>
+                <a:cs typeface="Verdana" pitchFamily="34" charset="0"/>
+              </a:rPr>
+              <a:t>Create abstract methods.</a:t>
+            </a:r>
+          </a:p>
+          <a:p>
+            <a:pPr lvl="3"/>
+            <a:r>
+              <a:rPr lang="en-US" sz="1400" dirty="0" err="1" smtClean="0">
+                <a:latin typeface="Verdana" pitchFamily="34" charset="0"/>
+                <a:ea typeface="Verdana" pitchFamily="34" charset="0"/>
+                <a:cs typeface="Verdana" pitchFamily="34" charset="0"/>
+              </a:rPr>
+              <a:t>sendNotification</a:t>
+            </a:r>
+            <a:r>
+              <a:rPr lang="en-US" sz="1400" dirty="0" smtClean="0">
+                <a:latin typeface="Verdana" pitchFamily="34" charset="0"/>
+                <a:ea typeface="Verdana" pitchFamily="34" charset="0"/>
+                <a:cs typeface="Verdana" pitchFamily="34" charset="0"/>
+              </a:rPr>
+              <a:t> </a:t>
+            </a:r>
+            <a:r>
+              <a:rPr lang="en-US" sz="1400" dirty="0" smtClean="0">
+                <a:latin typeface="Verdana" pitchFamily="34" charset="0"/>
+                <a:ea typeface="Verdana" pitchFamily="34" charset="0"/>
+                <a:cs typeface="Verdana" pitchFamily="34" charset="0"/>
+              </a:rPr>
+              <a:t>method that return </a:t>
+            </a:r>
+            <a:r>
+              <a:rPr lang="en-US" sz="1400" dirty="0" smtClean="0">
+                <a:latin typeface="Verdana" pitchFamily="34" charset="0"/>
+                <a:ea typeface="Verdana" pitchFamily="34" charset="0"/>
+                <a:cs typeface="Verdana" pitchFamily="34" charset="0"/>
+              </a:rPr>
+              <a:t>notification is </a:t>
+            </a:r>
+            <a:r>
+              <a:rPr lang="en-US" sz="1400" dirty="0" smtClean="0">
+                <a:latin typeface="Verdana" pitchFamily="34" charset="0"/>
+                <a:ea typeface="Verdana" pitchFamily="34" charset="0"/>
+                <a:cs typeface="Verdana" pitchFamily="34" charset="0"/>
+              </a:rPr>
+              <a:t>success or failure, and takes input </a:t>
+            </a:r>
+            <a:r>
+              <a:rPr lang="en-US" sz="1400" dirty="0" smtClean="0">
+                <a:latin typeface="Verdana" pitchFamily="34" charset="0"/>
+                <a:ea typeface="Verdana" pitchFamily="34" charset="0"/>
+                <a:cs typeface="Verdana" pitchFamily="34" charset="0"/>
+              </a:rPr>
+              <a:t>message</a:t>
+            </a:r>
+          </a:p>
+          <a:p>
+            <a:pPr lvl="1"/>
+            <a:r>
+              <a:rPr lang="en-US" sz="1400" dirty="0" smtClean="0">
+                <a:latin typeface="Verdana" pitchFamily="34" charset="0"/>
+                <a:ea typeface="Verdana" pitchFamily="34" charset="0"/>
+                <a:cs typeface="Verdana" pitchFamily="34" charset="0"/>
+              </a:rPr>
+              <a:t>Write a program Email class that implements </a:t>
+            </a:r>
+            <a:r>
+              <a:rPr lang="en-US" sz="1400" dirty="0" err="1" smtClean="0">
+                <a:latin typeface="Verdana" pitchFamily="34" charset="0"/>
+                <a:ea typeface="Verdana" pitchFamily="34" charset="0"/>
+                <a:cs typeface="Verdana" pitchFamily="34" charset="0"/>
+              </a:rPr>
+              <a:t>INotification</a:t>
+            </a:r>
+            <a:endParaRPr lang="en-US" sz="1400" dirty="0" smtClean="0">
+              <a:latin typeface="Verdana" pitchFamily="34" charset="0"/>
+              <a:ea typeface="Verdana" pitchFamily="34" charset="0"/>
+              <a:cs typeface="Verdana" pitchFamily="34" charset="0"/>
+            </a:endParaRPr>
+          </a:p>
+          <a:p>
+            <a:pPr lvl="2"/>
+            <a:r>
+              <a:rPr lang="en-US" sz="1400" dirty="0" smtClean="0">
+                <a:latin typeface="Verdana" pitchFamily="34" charset="0"/>
+                <a:ea typeface="Verdana" pitchFamily="34" charset="0"/>
+                <a:cs typeface="Verdana" pitchFamily="34" charset="0"/>
+              </a:rPr>
+              <a:t>Write the code for all abstract methods (just </a:t>
+            </a:r>
+            <a:r>
+              <a:rPr lang="en-US" sz="1400" dirty="0" err="1" smtClean="0">
+                <a:latin typeface="Verdana" pitchFamily="34" charset="0"/>
+                <a:ea typeface="Verdana" pitchFamily="34" charset="0"/>
+                <a:cs typeface="Verdana" pitchFamily="34" charset="0"/>
+              </a:rPr>
+              <a:t>sysout</a:t>
+            </a:r>
+            <a:r>
+              <a:rPr lang="en-US" sz="1400" dirty="0" smtClean="0">
+                <a:latin typeface="Verdana" pitchFamily="34" charset="0"/>
+                <a:ea typeface="Verdana" pitchFamily="34" charset="0"/>
+                <a:cs typeface="Verdana" pitchFamily="34" charset="0"/>
+              </a:rPr>
+              <a:t> is fine)</a:t>
+            </a:r>
+          </a:p>
+          <a:p>
+            <a:pPr lvl="1"/>
+            <a:r>
+              <a:rPr lang="en-US" sz="1400" dirty="0" smtClean="0">
+                <a:latin typeface="Verdana" pitchFamily="34" charset="0"/>
+                <a:ea typeface="Verdana" pitchFamily="34" charset="0"/>
+                <a:cs typeface="Verdana" pitchFamily="34" charset="0"/>
+              </a:rPr>
+              <a:t>Write a program </a:t>
+            </a:r>
+            <a:r>
+              <a:rPr lang="en-US" sz="1400" dirty="0" smtClean="0">
+                <a:latin typeface="Verdana" pitchFamily="34" charset="0"/>
+                <a:ea typeface="Verdana" pitchFamily="34" charset="0"/>
+                <a:cs typeface="Verdana" pitchFamily="34" charset="0"/>
+              </a:rPr>
+              <a:t>Text class </a:t>
+            </a:r>
+            <a:r>
+              <a:rPr lang="en-US" sz="1400" dirty="0" smtClean="0">
+                <a:latin typeface="Verdana" pitchFamily="34" charset="0"/>
+                <a:ea typeface="Verdana" pitchFamily="34" charset="0"/>
+                <a:cs typeface="Verdana" pitchFamily="34" charset="0"/>
+              </a:rPr>
+              <a:t>that implements </a:t>
+            </a:r>
+            <a:r>
+              <a:rPr lang="en-US" sz="1400" dirty="0" err="1" smtClean="0">
+                <a:latin typeface="Verdana" pitchFamily="34" charset="0"/>
+                <a:ea typeface="Verdana" pitchFamily="34" charset="0"/>
+                <a:cs typeface="Verdana" pitchFamily="34" charset="0"/>
+              </a:rPr>
+              <a:t>INotification</a:t>
+            </a:r>
+            <a:endParaRPr lang="en-US" sz="1400" dirty="0" smtClean="0">
+              <a:latin typeface="Verdana" pitchFamily="34" charset="0"/>
+              <a:ea typeface="Verdana" pitchFamily="34" charset="0"/>
+              <a:cs typeface="Verdana" pitchFamily="34" charset="0"/>
+            </a:endParaRPr>
+          </a:p>
+          <a:p>
+            <a:pPr lvl="2"/>
+            <a:r>
+              <a:rPr lang="en-US" sz="1400" dirty="0" smtClean="0">
+                <a:latin typeface="Verdana" pitchFamily="34" charset="0"/>
+                <a:ea typeface="Verdana" pitchFamily="34" charset="0"/>
+                <a:cs typeface="Verdana" pitchFamily="34" charset="0"/>
+              </a:rPr>
+              <a:t>Write the code for all abstract methods (just </a:t>
+            </a:r>
+            <a:r>
+              <a:rPr lang="en-US" sz="1400" dirty="0" err="1" smtClean="0">
+                <a:latin typeface="Verdana" pitchFamily="34" charset="0"/>
+                <a:ea typeface="Verdana" pitchFamily="34" charset="0"/>
+                <a:cs typeface="Verdana" pitchFamily="34" charset="0"/>
+              </a:rPr>
+              <a:t>sysout</a:t>
+            </a:r>
+            <a:r>
+              <a:rPr lang="en-US" sz="1400" dirty="0" smtClean="0">
+                <a:latin typeface="Verdana" pitchFamily="34" charset="0"/>
+                <a:ea typeface="Verdana" pitchFamily="34" charset="0"/>
+                <a:cs typeface="Verdana" pitchFamily="34" charset="0"/>
+              </a:rPr>
+              <a:t> is fine)</a:t>
+            </a:r>
+          </a:p>
+          <a:p>
+            <a:pPr lvl="1"/>
+            <a:r>
+              <a:rPr lang="en-US" sz="1400" dirty="0" smtClean="0">
+                <a:latin typeface="Verdana" pitchFamily="34" charset="0"/>
+                <a:ea typeface="Verdana" pitchFamily="34" charset="0"/>
+                <a:cs typeface="Verdana" pitchFamily="34" charset="0"/>
+              </a:rPr>
+              <a:t>Write a program </a:t>
+            </a:r>
+            <a:r>
+              <a:rPr lang="en-US" sz="1400" dirty="0" smtClean="0">
+                <a:latin typeface="Verdana" pitchFamily="34" charset="0"/>
+                <a:ea typeface="Verdana" pitchFamily="34" charset="0"/>
+                <a:cs typeface="Verdana" pitchFamily="34" charset="0"/>
+              </a:rPr>
+              <a:t>Phone </a:t>
+            </a:r>
+            <a:r>
+              <a:rPr lang="en-US" sz="1400" dirty="0" smtClean="0">
+                <a:latin typeface="Verdana" pitchFamily="34" charset="0"/>
+                <a:ea typeface="Verdana" pitchFamily="34" charset="0"/>
+                <a:cs typeface="Verdana" pitchFamily="34" charset="0"/>
+              </a:rPr>
+              <a:t>class that implements </a:t>
+            </a:r>
+            <a:r>
+              <a:rPr lang="en-US" sz="1400" dirty="0" err="1" smtClean="0">
+                <a:latin typeface="Verdana" pitchFamily="34" charset="0"/>
+                <a:ea typeface="Verdana" pitchFamily="34" charset="0"/>
+                <a:cs typeface="Verdana" pitchFamily="34" charset="0"/>
+              </a:rPr>
+              <a:t>INotification</a:t>
+            </a:r>
+            <a:endParaRPr lang="en-US" sz="1400" dirty="0" smtClean="0">
+              <a:latin typeface="Verdana" pitchFamily="34" charset="0"/>
+              <a:ea typeface="Verdana" pitchFamily="34" charset="0"/>
+              <a:cs typeface="Verdana" pitchFamily="34" charset="0"/>
+            </a:endParaRPr>
+          </a:p>
+          <a:p>
+            <a:pPr lvl="2"/>
+            <a:r>
+              <a:rPr lang="en-US" sz="1400" dirty="0" smtClean="0">
+                <a:latin typeface="Verdana" pitchFamily="34" charset="0"/>
+                <a:ea typeface="Verdana" pitchFamily="34" charset="0"/>
+                <a:cs typeface="Verdana" pitchFamily="34" charset="0"/>
+              </a:rPr>
+              <a:t>Write the code for all abstract methods (just </a:t>
+            </a:r>
+            <a:r>
+              <a:rPr lang="en-US" sz="1400" dirty="0" err="1" smtClean="0">
+                <a:latin typeface="Verdana" pitchFamily="34" charset="0"/>
+                <a:ea typeface="Verdana" pitchFamily="34" charset="0"/>
+                <a:cs typeface="Verdana" pitchFamily="34" charset="0"/>
+              </a:rPr>
+              <a:t>sysout</a:t>
+            </a:r>
+            <a:r>
+              <a:rPr lang="en-US" sz="1400" dirty="0" smtClean="0">
+                <a:latin typeface="Verdana" pitchFamily="34" charset="0"/>
+                <a:ea typeface="Verdana" pitchFamily="34" charset="0"/>
+                <a:cs typeface="Verdana" pitchFamily="34" charset="0"/>
+              </a:rPr>
+              <a:t> is fine)</a:t>
+            </a:r>
+          </a:p>
+          <a:p>
+            <a:pPr lvl="2"/>
+            <a:endParaRPr lang="en-US" sz="1400" dirty="0" smtClean="0">
+              <a:latin typeface="Verdana" pitchFamily="34" charset="0"/>
+              <a:ea typeface="Verdana" pitchFamily="34" charset="0"/>
+              <a:cs typeface="Verdana" pitchFamily="34" charset="0"/>
+            </a:endParaRPr>
+          </a:p>
+          <a:p>
+            <a:pPr lvl="2"/>
+            <a:endParaRPr lang="en-US" sz="1400" dirty="0" smtClean="0">
+              <a:latin typeface="Verdana" pitchFamily="34" charset="0"/>
+              <a:ea typeface="Verdana" pitchFamily="34" charset="0"/>
+              <a:cs typeface="Verdana" pitchFamily="34" charset="0"/>
+            </a:endParaRPr>
+          </a:p>
+          <a:p>
+            <a:pPr lvl="2"/>
             <a:endParaRPr lang="en-US" sz="1400" dirty="0" smtClean="0">
               <a:latin typeface="Verdana" pitchFamily="34" charset="0"/>
               <a:ea typeface="Verdana" pitchFamily="34" charset="0"/>

--- a/Assignments.pptx
+++ b/Assignments.pptx
@@ -16,7 +16,8 @@
     <p:sldId id="262" r:id="rId10"/>
     <p:sldId id="265" r:id="rId11"/>
     <p:sldId id="266" r:id="rId12"/>
-    <p:sldId id="267" r:id="rId13"/>
+    <p:sldId id="268" r:id="rId13"/>
+    <p:sldId id="267" r:id="rId14"/>
   </p:sldIdLst>
   <p:sldSz cx="9144000" cy="6858000" type="screen4x3"/>
   <p:notesSz cx="6858000" cy="9144000"/>
@@ -300,7 +301,7 @@
             <a:fld id="{5D68488B-ADD2-4293-9619-2D235B81F181}" type="datetimeFigureOut">
               <a:rPr lang="en-US" smtClean="0"/>
               <a:pPr/>
-              <a:t>10/12/2022</a:t>
+              <a:t>10/14/2022</a:t>
             </a:fld>
             <a:endParaRPr lang="en-US"/>
           </a:p>
@@ -467,7 +468,7 @@
             <a:fld id="{5D68488B-ADD2-4293-9619-2D235B81F181}" type="datetimeFigureOut">
               <a:rPr lang="en-US" smtClean="0"/>
               <a:pPr/>
-              <a:t>10/12/2022</a:t>
+              <a:t>10/14/2022</a:t>
             </a:fld>
             <a:endParaRPr lang="en-US"/>
           </a:p>
@@ -644,7 +645,7 @@
             <a:fld id="{5D68488B-ADD2-4293-9619-2D235B81F181}" type="datetimeFigureOut">
               <a:rPr lang="en-US" smtClean="0"/>
               <a:pPr/>
-              <a:t>10/12/2022</a:t>
+              <a:t>10/14/2022</a:t>
             </a:fld>
             <a:endParaRPr lang="en-US"/>
           </a:p>
@@ -811,7 +812,7 @@
             <a:fld id="{5D68488B-ADD2-4293-9619-2D235B81F181}" type="datetimeFigureOut">
               <a:rPr lang="en-US" smtClean="0"/>
               <a:pPr/>
-              <a:t>10/12/2022</a:t>
+              <a:t>10/14/2022</a:t>
             </a:fld>
             <a:endParaRPr lang="en-US"/>
           </a:p>
@@ -1054,7 +1055,7 @@
             <a:fld id="{5D68488B-ADD2-4293-9619-2D235B81F181}" type="datetimeFigureOut">
               <a:rPr lang="en-US" smtClean="0"/>
               <a:pPr/>
-              <a:t>10/12/2022</a:t>
+              <a:t>10/14/2022</a:t>
             </a:fld>
             <a:endParaRPr lang="en-US"/>
           </a:p>
@@ -1339,7 +1340,7 @@
             <a:fld id="{5D68488B-ADD2-4293-9619-2D235B81F181}" type="datetimeFigureOut">
               <a:rPr lang="en-US" smtClean="0"/>
               <a:pPr/>
-              <a:t>10/12/2022</a:t>
+              <a:t>10/14/2022</a:t>
             </a:fld>
             <a:endParaRPr lang="en-US"/>
           </a:p>
@@ -1758,7 +1759,7 @@
             <a:fld id="{5D68488B-ADD2-4293-9619-2D235B81F181}" type="datetimeFigureOut">
               <a:rPr lang="en-US" smtClean="0"/>
               <a:pPr/>
-              <a:t>10/12/2022</a:t>
+              <a:t>10/14/2022</a:t>
             </a:fld>
             <a:endParaRPr lang="en-US"/>
           </a:p>
@@ -1873,7 +1874,7 @@
             <a:fld id="{5D68488B-ADD2-4293-9619-2D235B81F181}" type="datetimeFigureOut">
               <a:rPr lang="en-US" smtClean="0"/>
               <a:pPr/>
-              <a:t>10/12/2022</a:t>
+              <a:t>10/14/2022</a:t>
             </a:fld>
             <a:endParaRPr lang="en-US"/>
           </a:p>
@@ -1965,7 +1966,7 @@
             <a:fld id="{5D68488B-ADD2-4293-9619-2D235B81F181}" type="datetimeFigureOut">
               <a:rPr lang="en-US" smtClean="0"/>
               <a:pPr/>
-              <a:t>10/12/2022</a:t>
+              <a:t>10/14/2022</a:t>
             </a:fld>
             <a:endParaRPr lang="en-US"/>
           </a:p>
@@ -2239,7 +2240,7 @@
             <a:fld id="{5D68488B-ADD2-4293-9619-2D235B81F181}" type="datetimeFigureOut">
               <a:rPr lang="en-US" smtClean="0"/>
               <a:pPr/>
-              <a:t>10/12/2022</a:t>
+              <a:t>10/14/2022</a:t>
             </a:fld>
             <a:endParaRPr lang="en-US"/>
           </a:p>
@@ -2489,7 +2490,7 @@
             <a:fld id="{5D68488B-ADD2-4293-9619-2D235B81F181}" type="datetimeFigureOut">
               <a:rPr lang="en-US" smtClean="0"/>
               <a:pPr/>
-              <a:t>10/12/2022</a:t>
+              <a:t>10/14/2022</a:t>
             </a:fld>
             <a:endParaRPr lang="en-US"/>
           </a:p>
@@ -2699,7 +2700,7 @@
             <a:fld id="{5D68488B-ADD2-4293-9619-2D235B81F181}" type="datetimeFigureOut">
               <a:rPr lang="en-US" smtClean="0"/>
               <a:pPr/>
-              <a:t>10/12/2022</a:t>
+              <a:t>10/14/2022</a:t>
             </a:fld>
             <a:endParaRPr lang="en-US"/>
           </a:p>
@@ -3824,15 +3825,7 @@
                 <a:ea typeface="Verdana" pitchFamily="34" charset="0"/>
                 <a:cs typeface="Verdana" pitchFamily="34" charset="0"/>
               </a:rPr>
-              <a:t>Write a </a:t>
-            </a:r>
-            <a:r>
-              <a:rPr lang="en-US" sz="1400" dirty="0" smtClean="0">
-                <a:latin typeface="Verdana" pitchFamily="34" charset="0"/>
-                <a:ea typeface="Verdana" pitchFamily="34" charset="0"/>
-                <a:cs typeface="Verdana" pitchFamily="34" charset="0"/>
-              </a:rPr>
-              <a:t>program for </a:t>
+              <a:t>Write a program for </a:t>
             </a:r>
             <a:r>
               <a:rPr lang="en-US" sz="1400" dirty="0" err="1" smtClean="0">
@@ -3896,23 +3889,7 @@
                 <a:ea typeface="Verdana" pitchFamily="34" charset="0"/>
                 <a:cs typeface="Verdana" pitchFamily="34" charset="0"/>
               </a:rPr>
-              <a:t>Method </a:t>
-            </a:r>
-            <a:r>
-              <a:rPr lang="en-US" sz="1400" dirty="0" smtClean="0">
-                <a:latin typeface="Verdana" pitchFamily="34" charset="0"/>
-                <a:ea typeface="Verdana" pitchFamily="34" charset="0"/>
-                <a:cs typeface="Verdana" pitchFamily="34" charset="0"/>
-              </a:rPr>
-              <a:t>sub that </a:t>
-            </a:r>
-            <a:r>
-              <a:rPr lang="en-US" sz="1400" dirty="0" smtClean="0">
-                <a:latin typeface="Verdana" pitchFamily="34" charset="0"/>
-                <a:ea typeface="Verdana" pitchFamily="34" charset="0"/>
-                <a:cs typeface="Verdana" pitchFamily="34" charset="0"/>
-              </a:rPr>
-              <a:t>takes 2 </a:t>
+              <a:t>Method sub that takes 2 </a:t>
             </a:r>
             <a:r>
               <a:rPr lang="en-US" sz="1400" dirty="0" err="1" smtClean="0">
@@ -3968,15 +3945,7 @@
                 <a:ea typeface="Verdana" pitchFamily="34" charset="0"/>
                 <a:cs typeface="Verdana" pitchFamily="34" charset="0"/>
               </a:rPr>
-              <a:t> that </a:t>
-            </a:r>
-            <a:r>
-              <a:rPr lang="en-US" sz="1400" dirty="0" smtClean="0">
-                <a:latin typeface="Verdana" pitchFamily="34" charset="0"/>
-                <a:ea typeface="Verdana" pitchFamily="34" charset="0"/>
-                <a:cs typeface="Verdana" pitchFamily="34" charset="0"/>
-              </a:rPr>
-              <a:t>takes 2 </a:t>
+              <a:t> that takes 2 </a:t>
             </a:r>
             <a:r>
               <a:rPr lang="en-US" sz="1400" dirty="0" err="1" smtClean="0">
@@ -4016,23 +3985,7 @@
                 <a:ea typeface="Verdana" pitchFamily="34" charset="0"/>
                 <a:cs typeface="Verdana" pitchFamily="34" charset="0"/>
               </a:rPr>
-              <a:t>Method </a:t>
-            </a:r>
-            <a:r>
-              <a:rPr lang="en-US" sz="1400" dirty="0" smtClean="0">
-                <a:latin typeface="Verdana" pitchFamily="34" charset="0"/>
-                <a:ea typeface="Verdana" pitchFamily="34" charset="0"/>
-                <a:cs typeface="Verdana" pitchFamily="34" charset="0"/>
-              </a:rPr>
-              <a:t>div that </a:t>
-            </a:r>
-            <a:r>
-              <a:rPr lang="en-US" sz="1400" dirty="0" smtClean="0">
-                <a:latin typeface="Verdana" pitchFamily="34" charset="0"/>
-                <a:ea typeface="Verdana" pitchFamily="34" charset="0"/>
-                <a:cs typeface="Verdana" pitchFamily="34" charset="0"/>
-              </a:rPr>
-              <a:t>takes 2 </a:t>
+              <a:t>Method div that takes 2 </a:t>
             </a:r>
             <a:r>
               <a:rPr lang="en-US" sz="1400" dirty="0" err="1" smtClean="0">
@@ -4088,526 +4041,159 @@
                 <a:ea typeface="Verdana" pitchFamily="34" charset="0"/>
                 <a:cs typeface="Verdana" pitchFamily="34" charset="0"/>
               </a:rPr>
+              <a:t> that inherits from Calculator</a:t>
+            </a:r>
+          </a:p>
+          <a:p>
+            <a:pPr lvl="2"/>
+            <a:r>
+              <a:rPr lang="en-US" sz="1400" dirty="0" smtClean="0">
+                <a:latin typeface="Verdana" pitchFamily="34" charset="0"/>
+                <a:ea typeface="Verdana" pitchFamily="34" charset="0"/>
+                <a:cs typeface="Verdana" pitchFamily="34" charset="0"/>
+              </a:rPr>
+              <a:t>Method square takes 1 </a:t>
+            </a:r>
+            <a:r>
+              <a:rPr lang="en-US" sz="1400" dirty="0" err="1" smtClean="0">
+                <a:latin typeface="Verdana" pitchFamily="34" charset="0"/>
+                <a:ea typeface="Verdana" pitchFamily="34" charset="0"/>
+                <a:cs typeface="Verdana" pitchFamily="34" charset="0"/>
+              </a:rPr>
+              <a:t>int</a:t>
+            </a:r>
+            <a:r>
+              <a:rPr lang="en-US" sz="1400" dirty="0" smtClean="0">
+                <a:latin typeface="Verdana" pitchFamily="34" charset="0"/>
+                <a:ea typeface="Verdana" pitchFamily="34" charset="0"/>
+                <a:cs typeface="Verdana" pitchFamily="34" charset="0"/>
+              </a:rPr>
+              <a:t> input and returns </a:t>
+            </a:r>
+            <a:r>
+              <a:rPr lang="en-US" sz="1400" dirty="0" err="1" smtClean="0">
+                <a:latin typeface="Verdana" pitchFamily="34" charset="0"/>
+                <a:ea typeface="Verdana" pitchFamily="34" charset="0"/>
+                <a:cs typeface="Verdana" pitchFamily="34" charset="0"/>
+              </a:rPr>
+              <a:t>int</a:t>
+            </a:r>
+            <a:r>
+              <a:rPr lang="en-US" sz="1400" dirty="0" smtClean="0">
+                <a:latin typeface="Verdana" pitchFamily="34" charset="0"/>
+                <a:ea typeface="Verdana" pitchFamily="34" charset="0"/>
+                <a:cs typeface="Verdana" pitchFamily="34" charset="0"/>
+              </a:rPr>
+              <a:t> area of square. use multiply from parent</a:t>
+            </a:r>
+          </a:p>
+          <a:p>
+            <a:pPr lvl="2"/>
+            <a:r>
+              <a:rPr lang="en-US" sz="1400" dirty="0" smtClean="0">
+                <a:latin typeface="Verdana" pitchFamily="34" charset="0"/>
+                <a:ea typeface="Verdana" pitchFamily="34" charset="0"/>
+                <a:cs typeface="Verdana" pitchFamily="34" charset="0"/>
+              </a:rPr>
+              <a:t>Method rectangle takes 2 </a:t>
+            </a:r>
+            <a:r>
+              <a:rPr lang="en-US" sz="1400" dirty="0" err="1" smtClean="0">
+                <a:latin typeface="Verdana" pitchFamily="34" charset="0"/>
+                <a:ea typeface="Verdana" pitchFamily="34" charset="0"/>
+                <a:cs typeface="Verdana" pitchFamily="34" charset="0"/>
+              </a:rPr>
+              <a:t>int</a:t>
+            </a:r>
+            <a:r>
+              <a:rPr lang="en-US" sz="1400" dirty="0" smtClean="0">
+                <a:latin typeface="Verdana" pitchFamily="34" charset="0"/>
+                <a:ea typeface="Verdana" pitchFamily="34" charset="0"/>
+                <a:cs typeface="Verdana" pitchFamily="34" charset="0"/>
+              </a:rPr>
+              <a:t> input and returns </a:t>
+            </a:r>
+            <a:r>
+              <a:rPr lang="en-US" sz="1400" dirty="0" err="1" smtClean="0">
+                <a:latin typeface="Verdana" pitchFamily="34" charset="0"/>
+                <a:ea typeface="Verdana" pitchFamily="34" charset="0"/>
+                <a:cs typeface="Verdana" pitchFamily="34" charset="0"/>
+              </a:rPr>
+              <a:t>int</a:t>
+            </a:r>
+            <a:r>
+              <a:rPr lang="en-US" sz="1400" dirty="0" smtClean="0">
+                <a:latin typeface="Verdana" pitchFamily="34" charset="0"/>
+                <a:ea typeface="Verdana" pitchFamily="34" charset="0"/>
+                <a:cs typeface="Verdana" pitchFamily="34" charset="0"/>
+              </a:rPr>
+              <a:t> area of rectangle… use multiply method from parent</a:t>
+            </a:r>
+          </a:p>
+          <a:p>
+            <a:pPr lvl="1"/>
+            <a:r>
+              <a:rPr lang="en-US" sz="1400" dirty="0" smtClean="0">
+                <a:latin typeface="Verdana" pitchFamily="34" charset="0"/>
+                <a:ea typeface="Verdana" pitchFamily="34" charset="0"/>
+                <a:cs typeface="Verdana" pitchFamily="34" charset="0"/>
+              </a:rPr>
+              <a:t>Write a program for Cart that inherits from calculator</a:t>
+            </a:r>
+          </a:p>
+          <a:p>
+            <a:pPr lvl="2"/>
+            <a:r>
+              <a:rPr lang="en-US" sz="1400" dirty="0" smtClean="0">
+                <a:latin typeface="Verdana" pitchFamily="34" charset="0"/>
+                <a:ea typeface="Verdana" pitchFamily="34" charset="0"/>
+                <a:cs typeface="Verdana" pitchFamily="34" charset="0"/>
+              </a:rPr>
+              <a:t>Method </a:t>
+            </a:r>
+            <a:r>
+              <a:rPr lang="en-US" sz="1400" dirty="0" err="1" smtClean="0">
+                <a:latin typeface="Verdana" pitchFamily="34" charset="0"/>
+                <a:ea typeface="Verdana" pitchFamily="34" charset="0"/>
+                <a:cs typeface="Verdana" pitchFamily="34" charset="0"/>
+              </a:rPr>
+              <a:t>calculateCart</a:t>
+            </a:r>
+            <a:r>
+              <a:rPr lang="en-US" sz="1400" dirty="0" smtClean="0">
+                <a:latin typeface="Verdana" pitchFamily="34" charset="0"/>
+                <a:ea typeface="Verdana" pitchFamily="34" charset="0"/>
+                <a:cs typeface="Verdana" pitchFamily="34" charset="0"/>
+              </a:rPr>
+              <a:t> that takes 2 </a:t>
+            </a:r>
+            <a:r>
+              <a:rPr lang="en-US" sz="1400" dirty="0" err="1" smtClean="0">
+                <a:latin typeface="Verdana" pitchFamily="34" charset="0"/>
+                <a:ea typeface="Verdana" pitchFamily="34" charset="0"/>
+                <a:cs typeface="Verdana" pitchFamily="34" charset="0"/>
+              </a:rPr>
+              <a:t>int</a:t>
+            </a:r>
+            <a:r>
+              <a:rPr lang="en-US" sz="1400" dirty="0" smtClean="0">
+                <a:latin typeface="Verdana" pitchFamily="34" charset="0"/>
+                <a:ea typeface="Verdana" pitchFamily="34" charset="0"/>
+                <a:cs typeface="Verdana" pitchFamily="34" charset="0"/>
+              </a:rPr>
+              <a:t> input product price and quantity and returns total value of cart.. Use parent method multiply.</a:t>
+            </a:r>
+          </a:p>
+          <a:p>
+            <a:pPr lvl="1"/>
+            <a:r>
+              <a:rPr lang="en-US" sz="1400" dirty="0" smtClean="0">
+                <a:latin typeface="Verdana" pitchFamily="34" charset="0"/>
+                <a:ea typeface="Verdana" pitchFamily="34" charset="0"/>
+                <a:cs typeface="Verdana" pitchFamily="34" charset="0"/>
+              </a:rPr>
               <a:t> </a:t>
             </a:r>
-            <a:r>
-              <a:rPr lang="en-US" sz="1400" dirty="0" smtClean="0">
-                <a:latin typeface="Verdana" pitchFamily="34" charset="0"/>
-                <a:ea typeface="Verdana" pitchFamily="34" charset="0"/>
-                <a:cs typeface="Verdana" pitchFamily="34" charset="0"/>
-              </a:rPr>
-              <a:t>that inherits from Calculator</a:t>
-            </a:r>
-            <a:endParaRPr lang="en-US" sz="1400" dirty="0" smtClean="0">
-              <a:latin typeface="Verdana" pitchFamily="34" charset="0"/>
-              <a:ea typeface="Verdana" pitchFamily="34" charset="0"/>
-              <a:cs typeface="Verdana" pitchFamily="34" charset="0"/>
-            </a:endParaRPr>
-          </a:p>
-          <a:p>
-            <a:pPr lvl="2"/>
-            <a:r>
-              <a:rPr lang="en-US" sz="1400" dirty="0" smtClean="0">
-                <a:latin typeface="Verdana" pitchFamily="34" charset="0"/>
-                <a:ea typeface="Verdana" pitchFamily="34" charset="0"/>
-                <a:cs typeface="Verdana" pitchFamily="34" charset="0"/>
-              </a:rPr>
-              <a:t>Method square </a:t>
-            </a:r>
-            <a:r>
-              <a:rPr lang="en-US" sz="1400" dirty="0" smtClean="0">
-                <a:latin typeface="Verdana" pitchFamily="34" charset="0"/>
-                <a:ea typeface="Verdana" pitchFamily="34" charset="0"/>
-                <a:cs typeface="Verdana" pitchFamily="34" charset="0"/>
-              </a:rPr>
-              <a:t>takes </a:t>
-            </a:r>
-            <a:r>
-              <a:rPr lang="en-US" sz="1400" dirty="0" smtClean="0">
-                <a:latin typeface="Verdana" pitchFamily="34" charset="0"/>
-                <a:ea typeface="Verdana" pitchFamily="34" charset="0"/>
-                <a:cs typeface="Verdana" pitchFamily="34" charset="0"/>
-              </a:rPr>
-              <a:t>1 </a:t>
-            </a:r>
-            <a:r>
-              <a:rPr lang="en-US" sz="1400" dirty="0" err="1" smtClean="0">
-                <a:latin typeface="Verdana" pitchFamily="34" charset="0"/>
-                <a:ea typeface="Verdana" pitchFamily="34" charset="0"/>
-                <a:cs typeface="Verdana" pitchFamily="34" charset="0"/>
-              </a:rPr>
-              <a:t>int</a:t>
-            </a:r>
-            <a:r>
-              <a:rPr lang="en-US" sz="1400" dirty="0" smtClean="0">
-                <a:latin typeface="Verdana" pitchFamily="34" charset="0"/>
-                <a:ea typeface="Verdana" pitchFamily="34" charset="0"/>
-                <a:cs typeface="Verdana" pitchFamily="34" charset="0"/>
-              </a:rPr>
-              <a:t> input and returns </a:t>
-            </a:r>
-            <a:r>
-              <a:rPr lang="en-US" sz="1400" dirty="0" err="1" smtClean="0">
-                <a:latin typeface="Verdana" pitchFamily="34" charset="0"/>
-                <a:ea typeface="Verdana" pitchFamily="34" charset="0"/>
-                <a:cs typeface="Verdana" pitchFamily="34" charset="0"/>
-              </a:rPr>
-              <a:t>int</a:t>
-            </a:r>
-            <a:r>
-              <a:rPr lang="en-US" sz="1400" dirty="0" smtClean="0">
-                <a:latin typeface="Verdana" pitchFamily="34" charset="0"/>
-                <a:ea typeface="Verdana" pitchFamily="34" charset="0"/>
-                <a:cs typeface="Verdana" pitchFamily="34" charset="0"/>
-              </a:rPr>
-              <a:t> area of square. use multiply from </a:t>
-            </a:r>
-            <a:r>
-              <a:rPr lang="en-US" sz="1400" dirty="0" smtClean="0">
-                <a:latin typeface="Verdana" pitchFamily="34" charset="0"/>
-                <a:ea typeface="Verdana" pitchFamily="34" charset="0"/>
-                <a:cs typeface="Verdana" pitchFamily="34" charset="0"/>
-              </a:rPr>
-              <a:t>parent</a:t>
-            </a:r>
-          </a:p>
-          <a:p>
-            <a:pPr lvl="2"/>
-            <a:r>
-              <a:rPr lang="en-US" sz="1400" dirty="0" smtClean="0">
-                <a:latin typeface="Verdana" pitchFamily="34" charset="0"/>
-                <a:ea typeface="Verdana" pitchFamily="34" charset="0"/>
-                <a:cs typeface="Verdana" pitchFamily="34" charset="0"/>
-              </a:rPr>
-              <a:t>Method </a:t>
-            </a:r>
-            <a:r>
-              <a:rPr lang="en-US" sz="1400" dirty="0" smtClean="0">
-                <a:latin typeface="Verdana" pitchFamily="34" charset="0"/>
-                <a:ea typeface="Verdana" pitchFamily="34" charset="0"/>
-                <a:cs typeface="Verdana" pitchFamily="34" charset="0"/>
-              </a:rPr>
-              <a:t>rectangle takes 2 </a:t>
-            </a:r>
-            <a:r>
-              <a:rPr lang="en-US" sz="1400" dirty="0" err="1" smtClean="0">
-                <a:latin typeface="Verdana" pitchFamily="34" charset="0"/>
-                <a:ea typeface="Verdana" pitchFamily="34" charset="0"/>
-                <a:cs typeface="Verdana" pitchFamily="34" charset="0"/>
-              </a:rPr>
-              <a:t>int</a:t>
-            </a:r>
-            <a:r>
-              <a:rPr lang="en-US" sz="1400" dirty="0" smtClean="0">
-                <a:latin typeface="Verdana" pitchFamily="34" charset="0"/>
-                <a:ea typeface="Verdana" pitchFamily="34" charset="0"/>
-                <a:cs typeface="Verdana" pitchFamily="34" charset="0"/>
-              </a:rPr>
-              <a:t> input and returns </a:t>
-            </a:r>
-            <a:r>
-              <a:rPr lang="en-US" sz="1400" dirty="0" err="1" smtClean="0">
-                <a:latin typeface="Verdana" pitchFamily="34" charset="0"/>
-                <a:ea typeface="Verdana" pitchFamily="34" charset="0"/>
-                <a:cs typeface="Verdana" pitchFamily="34" charset="0"/>
-              </a:rPr>
-              <a:t>int</a:t>
-            </a:r>
-            <a:r>
-              <a:rPr lang="en-US" sz="1400" dirty="0" smtClean="0">
-                <a:latin typeface="Verdana" pitchFamily="34" charset="0"/>
-                <a:ea typeface="Verdana" pitchFamily="34" charset="0"/>
-                <a:cs typeface="Verdana" pitchFamily="34" charset="0"/>
-              </a:rPr>
-              <a:t> area of rectangle… </a:t>
-            </a:r>
-            <a:r>
-              <a:rPr lang="en-US" sz="1400" dirty="0" smtClean="0">
-                <a:latin typeface="Verdana" pitchFamily="34" charset="0"/>
-                <a:ea typeface="Verdana" pitchFamily="34" charset="0"/>
-                <a:cs typeface="Verdana" pitchFamily="34" charset="0"/>
-              </a:rPr>
-              <a:t>use multiply method from </a:t>
-            </a:r>
-            <a:r>
-              <a:rPr lang="en-US" sz="1400" dirty="0" smtClean="0">
-                <a:latin typeface="Verdana" pitchFamily="34" charset="0"/>
-                <a:ea typeface="Verdana" pitchFamily="34" charset="0"/>
-                <a:cs typeface="Verdana" pitchFamily="34" charset="0"/>
-              </a:rPr>
-              <a:t>parent</a:t>
-            </a:r>
-            <a:endParaRPr lang="en-US" sz="1400" dirty="0" smtClean="0">
-              <a:latin typeface="Verdana" pitchFamily="34" charset="0"/>
-              <a:ea typeface="Verdana" pitchFamily="34" charset="0"/>
-              <a:cs typeface="Verdana" pitchFamily="34" charset="0"/>
-            </a:endParaRPr>
-          </a:p>
-          <a:p>
-            <a:pPr lvl="1"/>
-            <a:r>
-              <a:rPr lang="en-US" sz="1400" dirty="0" smtClean="0">
-                <a:latin typeface="Verdana" pitchFamily="34" charset="0"/>
-                <a:ea typeface="Verdana" pitchFamily="34" charset="0"/>
-                <a:cs typeface="Verdana" pitchFamily="34" charset="0"/>
-              </a:rPr>
-              <a:t>Write a program for </a:t>
-            </a:r>
-            <a:r>
-              <a:rPr lang="en-US" sz="1400" dirty="0" smtClean="0">
-                <a:latin typeface="Verdana" pitchFamily="34" charset="0"/>
-                <a:ea typeface="Verdana" pitchFamily="34" charset="0"/>
-                <a:cs typeface="Verdana" pitchFamily="34" charset="0"/>
-              </a:rPr>
-              <a:t>Cart that inherits from calculator</a:t>
-            </a:r>
-            <a:endParaRPr lang="en-US" sz="1400" dirty="0" smtClean="0">
-              <a:latin typeface="Verdana" pitchFamily="34" charset="0"/>
-              <a:ea typeface="Verdana" pitchFamily="34" charset="0"/>
-              <a:cs typeface="Verdana" pitchFamily="34" charset="0"/>
-            </a:endParaRPr>
-          </a:p>
-          <a:p>
-            <a:pPr lvl="2"/>
-            <a:r>
-              <a:rPr lang="en-US" sz="1400" dirty="0" smtClean="0">
-                <a:latin typeface="Verdana" pitchFamily="34" charset="0"/>
-                <a:ea typeface="Verdana" pitchFamily="34" charset="0"/>
-                <a:cs typeface="Verdana" pitchFamily="34" charset="0"/>
-              </a:rPr>
-              <a:t>Method </a:t>
-            </a:r>
-            <a:r>
-              <a:rPr lang="en-US" sz="1400" dirty="0" err="1" smtClean="0">
-                <a:latin typeface="Verdana" pitchFamily="34" charset="0"/>
-                <a:ea typeface="Verdana" pitchFamily="34" charset="0"/>
-                <a:cs typeface="Verdana" pitchFamily="34" charset="0"/>
-              </a:rPr>
-              <a:t>calculateCart</a:t>
-            </a:r>
-            <a:r>
-              <a:rPr lang="en-US" sz="1400" dirty="0" smtClean="0">
-                <a:latin typeface="Verdana" pitchFamily="34" charset="0"/>
-                <a:ea typeface="Verdana" pitchFamily="34" charset="0"/>
-                <a:cs typeface="Verdana" pitchFamily="34" charset="0"/>
-              </a:rPr>
-              <a:t> that </a:t>
-            </a:r>
-            <a:r>
-              <a:rPr lang="en-US" sz="1400" dirty="0" smtClean="0">
-                <a:latin typeface="Verdana" pitchFamily="34" charset="0"/>
-                <a:ea typeface="Verdana" pitchFamily="34" charset="0"/>
-                <a:cs typeface="Verdana" pitchFamily="34" charset="0"/>
-              </a:rPr>
-              <a:t>takes 2 </a:t>
-            </a:r>
-            <a:r>
-              <a:rPr lang="en-US" sz="1400" dirty="0" err="1" smtClean="0">
-                <a:latin typeface="Verdana" pitchFamily="34" charset="0"/>
-                <a:ea typeface="Verdana" pitchFamily="34" charset="0"/>
-                <a:cs typeface="Verdana" pitchFamily="34" charset="0"/>
-              </a:rPr>
-              <a:t>int</a:t>
-            </a:r>
-            <a:r>
-              <a:rPr lang="en-US" sz="1400" dirty="0" smtClean="0">
-                <a:latin typeface="Verdana" pitchFamily="34" charset="0"/>
-                <a:ea typeface="Verdana" pitchFamily="34" charset="0"/>
-                <a:cs typeface="Verdana" pitchFamily="34" charset="0"/>
-              </a:rPr>
-              <a:t> input </a:t>
-            </a:r>
-            <a:r>
-              <a:rPr lang="en-US" sz="1400" dirty="0" smtClean="0">
-                <a:latin typeface="Verdana" pitchFamily="34" charset="0"/>
-                <a:ea typeface="Verdana" pitchFamily="34" charset="0"/>
-                <a:cs typeface="Verdana" pitchFamily="34" charset="0"/>
-              </a:rPr>
-              <a:t>product price and quantity and </a:t>
-            </a:r>
-            <a:r>
-              <a:rPr lang="en-US" sz="1400" dirty="0" smtClean="0">
-                <a:latin typeface="Verdana" pitchFamily="34" charset="0"/>
-                <a:ea typeface="Verdana" pitchFamily="34" charset="0"/>
-                <a:cs typeface="Verdana" pitchFamily="34" charset="0"/>
-              </a:rPr>
-              <a:t>returns </a:t>
-            </a:r>
-            <a:r>
-              <a:rPr lang="en-US" sz="1400" dirty="0" smtClean="0">
-                <a:latin typeface="Verdana" pitchFamily="34" charset="0"/>
-                <a:ea typeface="Verdana" pitchFamily="34" charset="0"/>
-                <a:cs typeface="Verdana" pitchFamily="34" charset="0"/>
-              </a:rPr>
-              <a:t>total value of cart.. Use parent method multiply.</a:t>
-            </a:r>
-          </a:p>
-          <a:p>
-            <a:pPr lvl="1"/>
-            <a:r>
-              <a:rPr lang="en-US" sz="1400" dirty="0" smtClean="0">
-                <a:latin typeface="Verdana" pitchFamily="34" charset="0"/>
-                <a:ea typeface="Verdana" pitchFamily="34" charset="0"/>
-                <a:cs typeface="Verdana" pitchFamily="34" charset="0"/>
-              </a:rPr>
-              <a:t> Write </a:t>
-            </a:r>
-            <a:r>
-              <a:rPr lang="en-US" sz="1400" dirty="0" smtClean="0">
-                <a:latin typeface="Verdana" pitchFamily="34" charset="0"/>
-                <a:ea typeface="Verdana" pitchFamily="34" charset="0"/>
-                <a:cs typeface="Verdana" pitchFamily="34" charset="0"/>
-              </a:rPr>
-              <a:t>a program for </a:t>
-            </a:r>
-            <a:r>
-              <a:rPr lang="en-US" sz="1400" dirty="0" smtClean="0">
-                <a:latin typeface="Verdana" pitchFamily="34" charset="0"/>
-                <a:ea typeface="Verdana" pitchFamily="34" charset="0"/>
-                <a:cs typeface="Verdana" pitchFamily="34" charset="0"/>
-              </a:rPr>
-              <a:t> below inheritance scenario</a:t>
-            </a:r>
-          </a:p>
-          <a:p>
-            <a:pPr lvl="2"/>
-            <a:r>
-              <a:rPr lang="en-US" sz="1400" dirty="0" smtClean="0">
-                <a:latin typeface="Verdana" pitchFamily="34" charset="0"/>
-                <a:ea typeface="Verdana" pitchFamily="34" charset="0"/>
-                <a:cs typeface="Verdana" pitchFamily="34" charset="0"/>
-              </a:rPr>
-              <a:t>Person &gt; employee &gt; tester</a:t>
-            </a:r>
-          </a:p>
-          <a:p>
-            <a:pPr lvl="2"/>
-            <a:r>
-              <a:rPr lang="en-US" sz="1400" dirty="0" smtClean="0">
-                <a:latin typeface="Verdana" pitchFamily="34" charset="0"/>
-                <a:ea typeface="Verdana" pitchFamily="34" charset="0"/>
-                <a:cs typeface="Verdana" pitchFamily="34" charset="0"/>
-              </a:rPr>
-              <a:t>Person &gt; employee &gt; developer</a:t>
-            </a:r>
-          </a:p>
-          <a:p>
-            <a:pPr lvl="3"/>
-            <a:r>
-              <a:rPr lang="en-US" sz="1400" dirty="0" smtClean="0">
-                <a:latin typeface="Verdana" pitchFamily="34" charset="0"/>
-                <a:ea typeface="Verdana" pitchFamily="34" charset="0"/>
-                <a:cs typeface="Verdana" pitchFamily="34" charset="0"/>
-              </a:rPr>
-              <a:t>Person</a:t>
-            </a:r>
-          </a:p>
-          <a:p>
-            <a:pPr lvl="4"/>
-            <a:r>
-              <a:rPr lang="en-US" sz="1400" dirty="0" smtClean="0">
-                <a:latin typeface="Verdana" pitchFamily="34" charset="0"/>
-                <a:ea typeface="Verdana" pitchFamily="34" charset="0"/>
-                <a:cs typeface="Verdana" pitchFamily="34" charset="0"/>
-              </a:rPr>
-              <a:t>Has name, age</a:t>
-            </a:r>
-          </a:p>
-          <a:p>
-            <a:pPr lvl="4"/>
-            <a:r>
-              <a:rPr lang="en-US" sz="1400" dirty="0" smtClean="0">
-                <a:latin typeface="Verdana" pitchFamily="34" charset="0"/>
-                <a:ea typeface="Verdana" pitchFamily="34" charset="0"/>
-                <a:cs typeface="Verdana" pitchFamily="34" charset="0"/>
-              </a:rPr>
-              <a:t>Does talk, walk ( just </a:t>
-            </a:r>
-            <a:r>
-              <a:rPr lang="en-US" sz="1400" dirty="0" err="1" smtClean="0">
-                <a:latin typeface="Verdana" pitchFamily="34" charset="0"/>
-                <a:ea typeface="Verdana" pitchFamily="34" charset="0"/>
-                <a:cs typeface="Verdana" pitchFamily="34" charset="0"/>
-              </a:rPr>
-              <a:t>sysout</a:t>
-            </a:r>
-            <a:r>
-              <a:rPr lang="en-US" sz="1400" dirty="0" smtClean="0">
-                <a:latin typeface="Verdana" pitchFamily="34" charset="0"/>
-                <a:ea typeface="Verdana" pitchFamily="34" charset="0"/>
-                <a:cs typeface="Verdana" pitchFamily="34" charset="0"/>
-              </a:rPr>
-              <a:t> in this method is fine)</a:t>
-            </a:r>
-          </a:p>
-          <a:p>
-            <a:pPr lvl="3"/>
-            <a:r>
-              <a:rPr lang="en-US" sz="1400" dirty="0" smtClean="0">
-                <a:latin typeface="Verdana" pitchFamily="34" charset="0"/>
-                <a:ea typeface="Verdana" pitchFamily="34" charset="0"/>
-                <a:cs typeface="Verdana" pitchFamily="34" charset="0"/>
-              </a:rPr>
-              <a:t>Tester</a:t>
-            </a:r>
-          </a:p>
-          <a:p>
-            <a:pPr lvl="4"/>
-            <a:r>
-              <a:rPr lang="en-US" sz="1400" dirty="0" smtClean="0">
-                <a:latin typeface="Verdana" pitchFamily="34" charset="0"/>
-                <a:ea typeface="Verdana" pitchFamily="34" charset="0"/>
-                <a:cs typeface="Verdana" pitchFamily="34" charset="0"/>
-              </a:rPr>
-              <a:t>Has name, </a:t>
-            </a:r>
-            <a:r>
-              <a:rPr lang="en-US" sz="1400" dirty="0" smtClean="0">
-                <a:latin typeface="Verdana" pitchFamily="34" charset="0"/>
-                <a:ea typeface="Verdana" pitchFamily="34" charset="0"/>
-                <a:cs typeface="Verdana" pitchFamily="34" charset="0"/>
-              </a:rPr>
-              <a:t>age, salary, </a:t>
-            </a:r>
-            <a:r>
-              <a:rPr lang="en-US" sz="1400" dirty="0" err="1" smtClean="0">
-                <a:latin typeface="Verdana" pitchFamily="34" charset="0"/>
-                <a:ea typeface="Verdana" pitchFamily="34" charset="0"/>
-                <a:cs typeface="Verdana" pitchFamily="34" charset="0"/>
-              </a:rPr>
-              <a:t>jobTitle</a:t>
-            </a:r>
-            <a:endParaRPr lang="en-US" sz="1400" dirty="0" smtClean="0">
-              <a:latin typeface="Verdana" pitchFamily="34" charset="0"/>
-              <a:ea typeface="Verdana" pitchFamily="34" charset="0"/>
-              <a:cs typeface="Verdana" pitchFamily="34" charset="0"/>
-            </a:endParaRPr>
-          </a:p>
-          <a:p>
-            <a:pPr lvl="4"/>
-            <a:r>
-              <a:rPr lang="en-US" sz="1400" dirty="0" smtClean="0">
-                <a:latin typeface="Verdana" pitchFamily="34" charset="0"/>
-                <a:ea typeface="Verdana" pitchFamily="34" charset="0"/>
-                <a:cs typeface="Verdana" pitchFamily="34" charset="0"/>
-              </a:rPr>
-              <a:t>Does talk, </a:t>
-            </a:r>
-            <a:r>
-              <a:rPr lang="en-US" sz="1400" dirty="0" smtClean="0">
-                <a:latin typeface="Verdana" pitchFamily="34" charset="0"/>
-                <a:ea typeface="Verdana" pitchFamily="34" charset="0"/>
-                <a:cs typeface="Verdana" pitchFamily="34" charset="0"/>
-              </a:rPr>
-              <a:t>walk, work </a:t>
-            </a:r>
-            <a:r>
-              <a:rPr lang="en-US" sz="1400" dirty="0" smtClean="0">
-                <a:latin typeface="Verdana" pitchFamily="34" charset="0"/>
-                <a:ea typeface="Verdana" pitchFamily="34" charset="0"/>
-                <a:cs typeface="Verdana" pitchFamily="34" charset="0"/>
-              </a:rPr>
-              <a:t>( just </a:t>
-            </a:r>
-            <a:r>
-              <a:rPr lang="en-US" sz="1400" dirty="0" err="1" smtClean="0">
-                <a:latin typeface="Verdana" pitchFamily="34" charset="0"/>
-                <a:ea typeface="Verdana" pitchFamily="34" charset="0"/>
-                <a:cs typeface="Verdana" pitchFamily="34" charset="0"/>
-              </a:rPr>
-              <a:t>sysout</a:t>
-            </a:r>
-            <a:r>
-              <a:rPr lang="en-US" sz="1400" dirty="0" smtClean="0">
-                <a:latin typeface="Verdana" pitchFamily="34" charset="0"/>
-                <a:ea typeface="Verdana" pitchFamily="34" charset="0"/>
-                <a:cs typeface="Verdana" pitchFamily="34" charset="0"/>
-              </a:rPr>
-              <a:t> in this method is fine</a:t>
-            </a:r>
-            <a:r>
-              <a:rPr lang="en-US" sz="1400" dirty="0" smtClean="0">
-                <a:latin typeface="Verdana" pitchFamily="34" charset="0"/>
-                <a:ea typeface="Verdana" pitchFamily="34" charset="0"/>
-                <a:cs typeface="Verdana" pitchFamily="34" charset="0"/>
-              </a:rPr>
-              <a:t>)</a:t>
-            </a:r>
-            <a:endParaRPr lang="en-US" sz="1400" dirty="0" smtClean="0">
-              <a:latin typeface="Verdana" pitchFamily="34" charset="0"/>
-              <a:ea typeface="Verdana" pitchFamily="34" charset="0"/>
-              <a:cs typeface="Verdana" pitchFamily="34" charset="0"/>
-            </a:endParaRPr>
-          </a:p>
-          <a:p>
-            <a:pPr lvl="3"/>
-            <a:r>
-              <a:rPr lang="en-US" sz="1400" dirty="0" smtClean="0">
-                <a:latin typeface="Verdana" pitchFamily="34" charset="0"/>
-                <a:ea typeface="Verdana" pitchFamily="34" charset="0"/>
-                <a:cs typeface="Verdana" pitchFamily="34" charset="0"/>
-              </a:rPr>
-              <a:t>Developer</a:t>
-            </a:r>
-          </a:p>
-          <a:p>
-            <a:pPr lvl="4"/>
-            <a:r>
-              <a:rPr lang="en-US" sz="1400" dirty="0" smtClean="0">
-                <a:latin typeface="Verdana" pitchFamily="34" charset="0"/>
-                <a:ea typeface="Verdana" pitchFamily="34" charset="0"/>
-                <a:cs typeface="Verdana" pitchFamily="34" charset="0"/>
-              </a:rPr>
-              <a:t>Has name, age, salary, </a:t>
-            </a:r>
-            <a:r>
-              <a:rPr lang="en-US" sz="1400" dirty="0" err="1" smtClean="0">
-                <a:latin typeface="Verdana" pitchFamily="34" charset="0"/>
-                <a:ea typeface="Verdana" pitchFamily="34" charset="0"/>
-                <a:cs typeface="Verdana" pitchFamily="34" charset="0"/>
-              </a:rPr>
-              <a:t>jobTitle</a:t>
-            </a:r>
-            <a:endParaRPr lang="en-US" sz="1400" dirty="0" smtClean="0">
-              <a:latin typeface="Verdana" pitchFamily="34" charset="0"/>
-              <a:ea typeface="Verdana" pitchFamily="34" charset="0"/>
-              <a:cs typeface="Verdana" pitchFamily="34" charset="0"/>
-            </a:endParaRPr>
-          </a:p>
-          <a:p>
-            <a:pPr lvl="4"/>
-            <a:r>
-              <a:rPr lang="en-US" sz="1400" dirty="0" smtClean="0">
-                <a:latin typeface="Verdana" pitchFamily="34" charset="0"/>
-                <a:ea typeface="Verdana" pitchFamily="34" charset="0"/>
-                <a:cs typeface="Verdana" pitchFamily="34" charset="0"/>
-              </a:rPr>
-              <a:t>Does talk, walk, work ( just </a:t>
-            </a:r>
-            <a:r>
-              <a:rPr lang="en-US" sz="1400" dirty="0" err="1" smtClean="0">
-                <a:latin typeface="Verdana" pitchFamily="34" charset="0"/>
-                <a:ea typeface="Verdana" pitchFamily="34" charset="0"/>
-                <a:cs typeface="Verdana" pitchFamily="34" charset="0"/>
-              </a:rPr>
-              <a:t>sysout</a:t>
-            </a:r>
-            <a:r>
-              <a:rPr lang="en-US" sz="1400" dirty="0" smtClean="0">
-                <a:latin typeface="Verdana" pitchFamily="34" charset="0"/>
-                <a:ea typeface="Verdana" pitchFamily="34" charset="0"/>
-                <a:cs typeface="Verdana" pitchFamily="34" charset="0"/>
-              </a:rPr>
-              <a:t> in this method is fine)</a:t>
-            </a:r>
-          </a:p>
-          <a:p>
-            <a:pPr lvl="3"/>
-            <a:endParaRPr lang="en-US" sz="1400" dirty="0" smtClean="0">
-              <a:latin typeface="Verdana" pitchFamily="34" charset="0"/>
-              <a:ea typeface="Verdana" pitchFamily="34" charset="0"/>
-              <a:cs typeface="Verdana" pitchFamily="34" charset="0"/>
-            </a:endParaRPr>
           </a:p>
         </p:txBody>
       </p:sp>
@@ -4704,7 +4290,7 @@
         </p:spPr>
         <p:txBody>
           <a:bodyPr>
-            <a:normAutofit/>
+            <a:normAutofit fontScale="90000"/>
           </a:bodyPr>
           <a:lstStyle/>
           <a:p>
@@ -4714,7 +4300,7 @@
                 <a:ea typeface="Verdana" pitchFamily="34" charset="0"/>
                 <a:cs typeface="Verdana" pitchFamily="34" charset="0"/>
               </a:rPr>
-              <a:t>Inheritance- Interface</a:t>
+              <a:t>Inheritance- super/parent and sub/child class</a:t>
             </a:r>
             <a:endParaRPr lang="en-US" sz="2800" dirty="0">
               <a:latin typeface="Verdana" pitchFamily="34" charset="0"/>
@@ -4753,6 +4339,446 @@
                 <a:ea typeface="Verdana" pitchFamily="34" charset="0"/>
                 <a:cs typeface="Verdana" pitchFamily="34" charset="0"/>
               </a:rPr>
+              <a:t>Write </a:t>
+            </a:r>
+            <a:r>
+              <a:rPr lang="en-US" sz="1400" dirty="0" smtClean="0">
+                <a:latin typeface="Verdana" pitchFamily="34" charset="0"/>
+                <a:ea typeface="Verdana" pitchFamily="34" charset="0"/>
+                <a:cs typeface="Verdana" pitchFamily="34" charset="0"/>
+              </a:rPr>
+              <a:t>a program for  below inheritance scenario</a:t>
+            </a:r>
+          </a:p>
+          <a:p>
+            <a:pPr lvl="2"/>
+            <a:r>
+              <a:rPr lang="en-US" sz="1400" dirty="0" smtClean="0">
+                <a:latin typeface="Verdana" pitchFamily="34" charset="0"/>
+                <a:ea typeface="Verdana" pitchFamily="34" charset="0"/>
+                <a:cs typeface="Verdana" pitchFamily="34" charset="0"/>
+              </a:rPr>
+              <a:t>Person &gt; employee &gt; tester</a:t>
+            </a:r>
+          </a:p>
+          <a:p>
+            <a:pPr lvl="2"/>
+            <a:r>
+              <a:rPr lang="en-US" sz="1400" dirty="0" smtClean="0">
+                <a:latin typeface="Verdana" pitchFamily="34" charset="0"/>
+                <a:ea typeface="Verdana" pitchFamily="34" charset="0"/>
+                <a:cs typeface="Verdana" pitchFamily="34" charset="0"/>
+              </a:rPr>
+              <a:t>Person &gt; employee &gt; developer</a:t>
+            </a:r>
+          </a:p>
+          <a:p>
+            <a:pPr lvl="3"/>
+            <a:r>
+              <a:rPr lang="en-US" sz="1400" dirty="0" smtClean="0">
+                <a:latin typeface="Verdana" pitchFamily="34" charset="0"/>
+                <a:ea typeface="Verdana" pitchFamily="34" charset="0"/>
+                <a:cs typeface="Verdana" pitchFamily="34" charset="0"/>
+              </a:rPr>
+              <a:t>Person</a:t>
+            </a:r>
+          </a:p>
+          <a:p>
+            <a:pPr lvl="4"/>
+            <a:r>
+              <a:rPr lang="en-US" sz="1400" dirty="0" smtClean="0">
+                <a:latin typeface="Verdana" pitchFamily="34" charset="0"/>
+                <a:ea typeface="Verdana" pitchFamily="34" charset="0"/>
+                <a:cs typeface="Verdana" pitchFamily="34" charset="0"/>
+              </a:rPr>
+              <a:t>Has name, age</a:t>
+            </a:r>
+          </a:p>
+          <a:p>
+            <a:pPr lvl="4"/>
+            <a:r>
+              <a:rPr lang="en-US" sz="1400" dirty="0" smtClean="0">
+                <a:latin typeface="Verdana" pitchFamily="34" charset="0"/>
+                <a:ea typeface="Verdana" pitchFamily="34" charset="0"/>
+                <a:cs typeface="Verdana" pitchFamily="34" charset="0"/>
+              </a:rPr>
+              <a:t>Does talk, walk ( just </a:t>
+            </a:r>
+            <a:r>
+              <a:rPr lang="en-US" sz="1400" dirty="0" err="1" smtClean="0">
+                <a:latin typeface="Verdana" pitchFamily="34" charset="0"/>
+                <a:ea typeface="Verdana" pitchFamily="34" charset="0"/>
+                <a:cs typeface="Verdana" pitchFamily="34" charset="0"/>
+              </a:rPr>
+              <a:t>sysout</a:t>
+            </a:r>
+            <a:r>
+              <a:rPr lang="en-US" sz="1400" dirty="0" smtClean="0">
+                <a:latin typeface="Verdana" pitchFamily="34" charset="0"/>
+                <a:ea typeface="Verdana" pitchFamily="34" charset="0"/>
+                <a:cs typeface="Verdana" pitchFamily="34" charset="0"/>
+              </a:rPr>
+              <a:t> in this method is fine)</a:t>
+            </a:r>
+            <a:endParaRPr lang="en-US" sz="1400" dirty="0" smtClean="0">
+              <a:latin typeface="Verdana" pitchFamily="34" charset="0"/>
+              <a:ea typeface="Verdana" pitchFamily="34" charset="0"/>
+              <a:cs typeface="Verdana" pitchFamily="34" charset="0"/>
+            </a:endParaRPr>
+          </a:p>
+          <a:p>
+            <a:pPr lvl="3"/>
+            <a:r>
+              <a:rPr lang="en-US" sz="1400" dirty="0" smtClean="0">
+                <a:latin typeface="Verdana" pitchFamily="34" charset="0"/>
+                <a:ea typeface="Verdana" pitchFamily="34" charset="0"/>
+                <a:cs typeface="Verdana" pitchFamily="34" charset="0"/>
+              </a:rPr>
+              <a:t>employee</a:t>
+            </a:r>
+            <a:endParaRPr lang="en-US" sz="1400" dirty="0" smtClean="0">
+              <a:latin typeface="Verdana" pitchFamily="34" charset="0"/>
+              <a:ea typeface="Verdana" pitchFamily="34" charset="0"/>
+              <a:cs typeface="Verdana" pitchFamily="34" charset="0"/>
+            </a:endParaRPr>
+          </a:p>
+          <a:p>
+            <a:pPr lvl="4"/>
+            <a:r>
+              <a:rPr lang="en-US" sz="1400" dirty="0" smtClean="0">
+                <a:latin typeface="Verdana" pitchFamily="34" charset="0"/>
+                <a:ea typeface="Verdana" pitchFamily="34" charset="0"/>
+                <a:cs typeface="Verdana" pitchFamily="34" charset="0"/>
+              </a:rPr>
+              <a:t>Has name, </a:t>
+            </a:r>
+            <a:r>
+              <a:rPr lang="en-US" sz="1400" dirty="0" smtClean="0">
+                <a:latin typeface="Verdana" pitchFamily="34" charset="0"/>
+                <a:ea typeface="Verdana" pitchFamily="34" charset="0"/>
+                <a:cs typeface="Verdana" pitchFamily="34" charset="0"/>
+              </a:rPr>
+              <a:t>age, salary</a:t>
+            </a:r>
+            <a:endParaRPr lang="en-US" sz="1400" dirty="0" smtClean="0">
+              <a:latin typeface="Verdana" pitchFamily="34" charset="0"/>
+              <a:ea typeface="Verdana" pitchFamily="34" charset="0"/>
+              <a:cs typeface="Verdana" pitchFamily="34" charset="0"/>
+            </a:endParaRPr>
+          </a:p>
+          <a:p>
+            <a:pPr lvl="4"/>
+            <a:r>
+              <a:rPr lang="en-US" sz="1400" dirty="0" smtClean="0">
+                <a:latin typeface="Verdana" pitchFamily="34" charset="0"/>
+                <a:ea typeface="Verdana" pitchFamily="34" charset="0"/>
+                <a:cs typeface="Verdana" pitchFamily="34" charset="0"/>
+              </a:rPr>
+              <a:t>Does talk, walk ( just </a:t>
+            </a:r>
+            <a:r>
+              <a:rPr lang="en-US" sz="1400" dirty="0" err="1" smtClean="0">
+                <a:latin typeface="Verdana" pitchFamily="34" charset="0"/>
+                <a:ea typeface="Verdana" pitchFamily="34" charset="0"/>
+                <a:cs typeface="Verdana" pitchFamily="34" charset="0"/>
+              </a:rPr>
+              <a:t>sysout</a:t>
+            </a:r>
+            <a:r>
+              <a:rPr lang="en-US" sz="1400" dirty="0" smtClean="0">
+                <a:latin typeface="Verdana" pitchFamily="34" charset="0"/>
+                <a:ea typeface="Verdana" pitchFamily="34" charset="0"/>
+                <a:cs typeface="Verdana" pitchFamily="34" charset="0"/>
+              </a:rPr>
+              <a:t> in this method is fine) </a:t>
+            </a:r>
+            <a:endParaRPr lang="en-US" sz="1400" dirty="0" smtClean="0">
+              <a:latin typeface="Verdana" pitchFamily="34" charset="0"/>
+              <a:ea typeface="Verdana" pitchFamily="34" charset="0"/>
+              <a:cs typeface="Verdana" pitchFamily="34" charset="0"/>
+            </a:endParaRPr>
+          </a:p>
+          <a:p>
+            <a:pPr lvl="3"/>
+            <a:r>
+              <a:rPr lang="en-US" sz="1400" dirty="0" smtClean="0">
+                <a:latin typeface="Verdana" pitchFamily="34" charset="0"/>
+                <a:ea typeface="Verdana" pitchFamily="34" charset="0"/>
+                <a:cs typeface="Verdana" pitchFamily="34" charset="0"/>
+              </a:rPr>
+              <a:t>Tester</a:t>
+            </a:r>
+            <a:endParaRPr lang="en-US" sz="1400" dirty="0" smtClean="0">
+              <a:latin typeface="Verdana" pitchFamily="34" charset="0"/>
+              <a:ea typeface="Verdana" pitchFamily="34" charset="0"/>
+              <a:cs typeface="Verdana" pitchFamily="34" charset="0"/>
+            </a:endParaRPr>
+          </a:p>
+          <a:p>
+            <a:pPr lvl="4"/>
+            <a:r>
+              <a:rPr lang="en-US" sz="1400" dirty="0" smtClean="0">
+                <a:latin typeface="Verdana" pitchFamily="34" charset="0"/>
+                <a:ea typeface="Verdana" pitchFamily="34" charset="0"/>
+                <a:cs typeface="Verdana" pitchFamily="34" charset="0"/>
+              </a:rPr>
+              <a:t>Has name, age, salary, </a:t>
+            </a:r>
+            <a:r>
+              <a:rPr lang="en-US" sz="1400" dirty="0" err="1" smtClean="0">
+                <a:latin typeface="Verdana" pitchFamily="34" charset="0"/>
+                <a:ea typeface="Verdana" pitchFamily="34" charset="0"/>
+                <a:cs typeface="Verdana" pitchFamily="34" charset="0"/>
+              </a:rPr>
+              <a:t>jobTitle</a:t>
+            </a:r>
+            <a:endParaRPr lang="en-US" sz="1400" dirty="0" smtClean="0">
+              <a:latin typeface="Verdana" pitchFamily="34" charset="0"/>
+              <a:ea typeface="Verdana" pitchFamily="34" charset="0"/>
+              <a:cs typeface="Verdana" pitchFamily="34" charset="0"/>
+            </a:endParaRPr>
+          </a:p>
+          <a:p>
+            <a:pPr lvl="4"/>
+            <a:r>
+              <a:rPr lang="en-US" sz="1400" dirty="0" smtClean="0">
+                <a:latin typeface="Verdana" pitchFamily="34" charset="0"/>
+                <a:ea typeface="Verdana" pitchFamily="34" charset="0"/>
+                <a:cs typeface="Verdana" pitchFamily="34" charset="0"/>
+              </a:rPr>
+              <a:t>Does talk, walk, work ( just </a:t>
+            </a:r>
+            <a:r>
+              <a:rPr lang="en-US" sz="1400" dirty="0" err="1" smtClean="0">
+                <a:latin typeface="Verdana" pitchFamily="34" charset="0"/>
+                <a:ea typeface="Verdana" pitchFamily="34" charset="0"/>
+                <a:cs typeface="Verdana" pitchFamily="34" charset="0"/>
+              </a:rPr>
+              <a:t>sysout</a:t>
+            </a:r>
+            <a:r>
+              <a:rPr lang="en-US" sz="1400" dirty="0" smtClean="0">
+                <a:latin typeface="Verdana" pitchFamily="34" charset="0"/>
+                <a:ea typeface="Verdana" pitchFamily="34" charset="0"/>
+                <a:cs typeface="Verdana" pitchFamily="34" charset="0"/>
+              </a:rPr>
+              <a:t> in this method is fine)</a:t>
+            </a:r>
+          </a:p>
+          <a:p>
+            <a:pPr lvl="3"/>
+            <a:r>
+              <a:rPr lang="en-US" sz="1400" dirty="0" smtClean="0">
+                <a:latin typeface="Verdana" pitchFamily="34" charset="0"/>
+                <a:ea typeface="Verdana" pitchFamily="34" charset="0"/>
+                <a:cs typeface="Verdana" pitchFamily="34" charset="0"/>
+              </a:rPr>
+              <a:t>Developer</a:t>
+            </a:r>
+          </a:p>
+          <a:p>
+            <a:pPr lvl="4"/>
+            <a:r>
+              <a:rPr lang="en-US" sz="1400" dirty="0" smtClean="0">
+                <a:latin typeface="Verdana" pitchFamily="34" charset="0"/>
+                <a:ea typeface="Verdana" pitchFamily="34" charset="0"/>
+                <a:cs typeface="Verdana" pitchFamily="34" charset="0"/>
+              </a:rPr>
+              <a:t>Has name, age, salary, </a:t>
+            </a:r>
+            <a:r>
+              <a:rPr lang="en-US" sz="1400" dirty="0" err="1" smtClean="0">
+                <a:latin typeface="Verdana" pitchFamily="34" charset="0"/>
+                <a:ea typeface="Verdana" pitchFamily="34" charset="0"/>
+                <a:cs typeface="Verdana" pitchFamily="34" charset="0"/>
+              </a:rPr>
+              <a:t>jobTitle</a:t>
+            </a:r>
+            <a:endParaRPr lang="en-US" sz="1400" dirty="0" smtClean="0">
+              <a:latin typeface="Verdana" pitchFamily="34" charset="0"/>
+              <a:ea typeface="Verdana" pitchFamily="34" charset="0"/>
+              <a:cs typeface="Verdana" pitchFamily="34" charset="0"/>
+            </a:endParaRPr>
+          </a:p>
+          <a:p>
+            <a:pPr lvl="4"/>
+            <a:r>
+              <a:rPr lang="en-US" sz="1400" dirty="0" smtClean="0">
+                <a:latin typeface="Verdana" pitchFamily="34" charset="0"/>
+                <a:ea typeface="Verdana" pitchFamily="34" charset="0"/>
+                <a:cs typeface="Verdana" pitchFamily="34" charset="0"/>
+              </a:rPr>
+              <a:t>Does talk, walk, work ( just </a:t>
+            </a:r>
+            <a:r>
+              <a:rPr lang="en-US" sz="1400" dirty="0" err="1" smtClean="0">
+                <a:latin typeface="Verdana" pitchFamily="34" charset="0"/>
+                <a:ea typeface="Verdana" pitchFamily="34" charset="0"/>
+                <a:cs typeface="Verdana" pitchFamily="34" charset="0"/>
+              </a:rPr>
+              <a:t>sysout</a:t>
+            </a:r>
+            <a:r>
+              <a:rPr lang="en-US" sz="1400" dirty="0" smtClean="0">
+                <a:latin typeface="Verdana" pitchFamily="34" charset="0"/>
+                <a:ea typeface="Verdana" pitchFamily="34" charset="0"/>
+                <a:cs typeface="Verdana" pitchFamily="34" charset="0"/>
+              </a:rPr>
+              <a:t> in this method is fine)</a:t>
+            </a:r>
+          </a:p>
+          <a:p>
+            <a:pPr lvl="3"/>
+            <a:endParaRPr lang="en-US" sz="1400" dirty="0" smtClean="0">
+              <a:latin typeface="Verdana" pitchFamily="34" charset="0"/>
+              <a:ea typeface="Verdana" pitchFamily="34" charset="0"/>
+              <a:cs typeface="Verdana" pitchFamily="34" charset="0"/>
+            </a:endParaRPr>
+          </a:p>
+        </p:txBody>
+      </p:sp>
+      <p:sp>
+        <p:nvSpPr>
+          <p:cNvPr id="7" name="Action Button: Home 6">
+            <a:hlinkClick r:id="rId2" action="ppaction://hlinksldjump" highlightClick="1"/>
+          </p:cNvPr>
+          <p:cNvSpPr/>
+          <p:nvPr/>
+        </p:nvSpPr>
+        <p:spPr>
+          <a:xfrm>
+            <a:off x="8763000" y="6553200"/>
+            <a:ext cx="381000" cy="304800"/>
+          </a:xfrm>
+          <a:prstGeom prst="actionButtonHome">
+            <a:avLst/>
+          </a:prstGeom>
+          <a:noFill/>
+        </p:spPr>
+        <p:style>
+          <a:lnRef idx="2">
+            <a:schemeClr val="accent1">
+              <a:shade val="50000"/>
+            </a:schemeClr>
+          </a:lnRef>
+          <a:fillRef idx="1">
+            <a:schemeClr val="accent1"/>
+          </a:fillRef>
+          <a:effectRef idx="0">
+            <a:schemeClr val="accent1"/>
+          </a:effectRef>
+          <a:fontRef idx="minor">
+            <a:schemeClr val="lt1"/>
+          </a:fontRef>
+        </p:style>
+        <p:txBody>
+          <a:bodyPr rtlCol="0" anchor="ctr"/>
+          <a:lstStyle/>
+          <a:p>
+            <a:pPr algn="ctr"/>
+            <a:endParaRPr lang="en-US"/>
+          </a:p>
+        </p:txBody>
+      </p:sp>
+    </p:spTree>
+  </p:cSld>
+  <p:clrMapOvr>
+    <a:masterClrMapping/>
+  </p:clrMapOvr>
+  <p:timing>
+    <p:tnLst>
+      <p:par>
+        <p:cTn id="1" dur="indefinite" restart="never" nodeType="tmRoot"/>
+      </p:par>
+    </p:tnLst>
+  </p:timing>
+</p:sld>
+</file>
+
+<file path=ppt/slides/slide13.xml><?xml version="1.0" encoding="utf-8"?>
+<p:sld xmlns:a="http://schemas.openxmlformats.org/drawingml/2006/main" xmlns:r="http://schemas.openxmlformats.org/officeDocument/2006/relationships" xmlns:p="http://schemas.openxmlformats.org/presentationml/2006/main">
+  <p:cSld>
+    <p:spTree>
+      <p:nvGrpSpPr>
+        <p:cNvPr id="1" name=""/>
+        <p:cNvGrpSpPr/>
+        <p:nvPr/>
+      </p:nvGrpSpPr>
+      <p:grpSpPr>
+        <a:xfrm>
+          <a:off x="0" y="0"/>
+          <a:ext cx="0" cy="0"/>
+          <a:chOff x="0" y="0"/>
+          <a:chExt cx="0" cy="0"/>
+        </a:xfrm>
+      </p:grpSpPr>
+      <p:sp>
+        <p:nvSpPr>
+          <p:cNvPr id="2" name="Title 1"/>
+          <p:cNvSpPr>
+            <a:spLocks noGrp="1"/>
+          </p:cNvSpPr>
+          <p:nvPr>
+            <p:ph type="title"/>
+          </p:nvPr>
+        </p:nvSpPr>
+        <p:spPr>
+          <a:xfrm>
+            <a:off x="304800" y="152400"/>
+            <a:ext cx="8229600" cy="715962"/>
+          </a:xfrm>
+        </p:spPr>
+        <p:txBody>
+          <a:bodyPr>
+            <a:normAutofit/>
+          </a:bodyPr>
+          <a:lstStyle/>
+          <a:p>
+            <a:r>
+              <a:rPr lang="en-US" sz="2800" dirty="0" smtClean="0">
+                <a:latin typeface="Verdana" pitchFamily="34" charset="0"/>
+                <a:ea typeface="Verdana" pitchFamily="34" charset="0"/>
+                <a:cs typeface="Verdana" pitchFamily="34" charset="0"/>
+              </a:rPr>
+              <a:t>Inheritance- Interface</a:t>
+            </a:r>
+            <a:endParaRPr lang="en-US" sz="2800" dirty="0">
+              <a:latin typeface="Verdana" pitchFamily="34" charset="0"/>
+              <a:ea typeface="Verdana" pitchFamily="34" charset="0"/>
+              <a:cs typeface="Verdana" pitchFamily="34" charset="0"/>
+            </a:endParaRPr>
+          </a:p>
+        </p:txBody>
+      </p:sp>
+      <p:sp>
+        <p:nvSpPr>
+          <p:cNvPr id="3" name="Content Placeholder 2"/>
+          <p:cNvSpPr>
+            <a:spLocks noGrp="1"/>
+          </p:cNvSpPr>
+          <p:nvPr>
+            <p:ph idx="1"/>
+          </p:nvPr>
+        </p:nvSpPr>
+        <p:spPr>
+          <a:xfrm>
+            <a:off x="-304800" y="762000"/>
+            <a:ext cx="9448800" cy="4419600"/>
+          </a:xfrm>
+        </p:spPr>
+        <p:txBody>
+          <a:bodyPr>
+            <a:noAutofit/>
+          </a:bodyPr>
+          <a:lstStyle/>
+          <a:p>
+            <a:pPr lvl="1"/>
+            <a:r>
+              <a:rPr lang="en-US" sz="1400" dirty="0" smtClean="0">
+                <a:latin typeface="Verdana" pitchFamily="34" charset="0"/>
+                <a:ea typeface="Verdana" pitchFamily="34" charset="0"/>
+                <a:cs typeface="Verdana" pitchFamily="34" charset="0"/>
+              </a:rPr>
               <a:t>Write a program for </a:t>
             </a:r>
             <a:r>
@@ -4976,15 +5002,7 @@
                 <a:ea typeface="Verdana" pitchFamily="34" charset="0"/>
                 <a:cs typeface="Verdana" pitchFamily="34" charset="0"/>
               </a:rPr>
-              <a:t> </a:t>
-            </a:r>
-            <a:r>
-              <a:rPr lang="en-US" sz="1400" dirty="0" smtClean="0">
-                <a:latin typeface="Verdana" pitchFamily="34" charset="0"/>
-                <a:ea typeface="Verdana" pitchFamily="34" charset="0"/>
-                <a:cs typeface="Verdana" pitchFamily="34" charset="0"/>
-              </a:rPr>
-              <a:t>interface</a:t>
+              <a:t> interface</a:t>
             </a:r>
           </a:p>
           <a:p>
@@ -5014,39 +5032,7 @@
                 <a:ea typeface="Verdana" pitchFamily="34" charset="0"/>
                 <a:cs typeface="Verdana" pitchFamily="34" charset="0"/>
               </a:rPr>
-              <a:t> </a:t>
-            </a:r>
-            <a:r>
-              <a:rPr lang="en-US" sz="1400" dirty="0" smtClean="0">
-                <a:latin typeface="Verdana" pitchFamily="34" charset="0"/>
-                <a:ea typeface="Verdana" pitchFamily="34" charset="0"/>
-                <a:cs typeface="Verdana" pitchFamily="34" charset="0"/>
-              </a:rPr>
-              <a:t>method that return </a:t>
-            </a:r>
-            <a:r>
-              <a:rPr lang="en-US" sz="1400" dirty="0" smtClean="0">
-                <a:latin typeface="Verdana" pitchFamily="34" charset="0"/>
-                <a:ea typeface="Verdana" pitchFamily="34" charset="0"/>
-                <a:cs typeface="Verdana" pitchFamily="34" charset="0"/>
-              </a:rPr>
-              <a:t>notification is </a:t>
-            </a:r>
-            <a:r>
-              <a:rPr lang="en-US" sz="1400" dirty="0" smtClean="0">
-                <a:latin typeface="Verdana" pitchFamily="34" charset="0"/>
-                <a:ea typeface="Verdana" pitchFamily="34" charset="0"/>
-                <a:cs typeface="Verdana" pitchFamily="34" charset="0"/>
-              </a:rPr>
-              <a:t>success or failure, and takes input </a:t>
-            </a:r>
-            <a:r>
-              <a:rPr lang="en-US" sz="1400" dirty="0" smtClean="0">
-                <a:latin typeface="Verdana" pitchFamily="34" charset="0"/>
-                <a:ea typeface="Verdana" pitchFamily="34" charset="0"/>
-                <a:cs typeface="Verdana" pitchFamily="34" charset="0"/>
-              </a:rPr>
-              <a:t>message</a:t>
+              <a:t> method that return notification is success or failure, and takes input message</a:t>
             </a:r>
           </a:p>
           <a:p>
@@ -5108,23 +5094,7 @@
                 <a:ea typeface="Verdana" pitchFamily="34" charset="0"/>
                 <a:cs typeface="Verdana" pitchFamily="34" charset="0"/>
               </a:rPr>
-              <a:t>Write a program </a:t>
-            </a:r>
-            <a:r>
-              <a:rPr lang="en-US" sz="1400" dirty="0" smtClean="0">
-                <a:latin typeface="Verdana" pitchFamily="34" charset="0"/>
-                <a:ea typeface="Verdana" pitchFamily="34" charset="0"/>
-                <a:cs typeface="Verdana" pitchFamily="34" charset="0"/>
-              </a:rPr>
-              <a:t>Text class </a:t>
-            </a:r>
-            <a:r>
-              <a:rPr lang="en-US" sz="1400" dirty="0" smtClean="0">
-                <a:latin typeface="Verdana" pitchFamily="34" charset="0"/>
-                <a:ea typeface="Verdana" pitchFamily="34" charset="0"/>
-                <a:cs typeface="Verdana" pitchFamily="34" charset="0"/>
-              </a:rPr>
-              <a:t>that implements </a:t>
+              <a:t>Write a program Text class that implements </a:t>
             </a:r>
             <a:r>
               <a:rPr lang="en-US" sz="1400" dirty="0" err="1" smtClean="0">
@@ -5175,23 +5145,7 @@
                 <a:ea typeface="Verdana" pitchFamily="34" charset="0"/>
                 <a:cs typeface="Verdana" pitchFamily="34" charset="0"/>
               </a:rPr>
-              <a:t>Write a program </a:t>
-            </a:r>
-            <a:r>
-              <a:rPr lang="en-US" sz="1400" dirty="0" smtClean="0">
-                <a:latin typeface="Verdana" pitchFamily="34" charset="0"/>
-                <a:ea typeface="Verdana" pitchFamily="34" charset="0"/>
-                <a:cs typeface="Verdana" pitchFamily="34" charset="0"/>
-              </a:rPr>
-              <a:t>Phone </a:t>
-            </a:r>
-            <a:r>
-              <a:rPr lang="en-US" sz="1400" dirty="0" smtClean="0">
-                <a:latin typeface="Verdana" pitchFamily="34" charset="0"/>
-                <a:ea typeface="Verdana" pitchFamily="34" charset="0"/>
-                <a:cs typeface="Verdana" pitchFamily="34" charset="0"/>
-              </a:rPr>
-              <a:t>class that implements </a:t>
+              <a:t>Write a program Phone class that implements </a:t>
             </a:r>
             <a:r>
               <a:rPr lang="en-US" sz="1400" dirty="0" err="1" smtClean="0">
